--- a/Study/MVVM.pptx
+++ b/Study/MVVM.pptx
@@ -5,11 +5,16 @@
     <p:sldMasterId id="2147483648" r:id="rId1"/>
   </p:sldMasterIdLst>
   <p:notesMasterIdLst>
-    <p:notesMasterId r:id="rId4"/>
+    <p:notesMasterId r:id="rId9"/>
   </p:notesMasterIdLst>
   <p:sldIdLst>
     <p:sldId id="256" r:id="rId2"/>
-    <p:sldId id="259" r:id="rId3"/>
+    <p:sldId id="260" r:id="rId3"/>
+    <p:sldId id="263" r:id="rId4"/>
+    <p:sldId id="261" r:id="rId5"/>
+    <p:sldId id="264" r:id="rId6"/>
+    <p:sldId id="265" r:id="rId7"/>
+    <p:sldId id="266" r:id="rId8"/>
   </p:sldIdLst>
   <p:sldSz cx="12192000" cy="6858000"/>
   <p:notesSz cx="6858000" cy="9144000"/>
@@ -108,6 +113,11 @@
       </a:defRPr>
     </a:lvl9pPr>
   </p:defaultTextStyle>
+  <p:extLst>
+    <p:ext uri="{EFAFB233-063F-42B5-8137-9DF3F51BA10A}">
+      <p15:sldGuideLst xmlns:p15="http://schemas.microsoft.com/office/powerpoint/2012/main"/>
+    </p:ext>
+  </p:extLst>
 </p:presentation>
 </file>
 
@@ -193,7 +203,7 @@
           <a:p>
             <a:fld id="{8DD9E706-E0BA-4FBD-AF15-9E3682821587}" type="datetimeFigureOut">
               <a:rPr lang="ko-KR" altLang="en-US" smtClean="0"/>
-              <a:t>2018-12-05</a:t>
+              <a:t>2018-12-06</a:t>
             </a:fld>
             <a:endParaRPr lang="ko-KR" altLang="en-US"/>
           </a:p>
@@ -588,94 +598,6 @@
           <a:bodyPr/>
           <a:lstStyle/>
           <a:p>
-            <a:pPr marL="0" marR="0" lvl="0" indent="0" algn="l" defTabSz="914400" rtl="0" eaLnBrk="1" fontAlgn="auto" latinLnBrk="1" hangingPunct="1">
-              <a:lnSpc>
-                <a:spcPct val="100000"/>
-              </a:lnSpc>
-              <a:spcBef>
-                <a:spcPts val="0"/>
-              </a:spcBef>
-              <a:spcAft>
-                <a:spcPts val="0"/>
-              </a:spcAft>
-              <a:buClrTx/>
-              <a:buSzTx/>
-              <a:buFontTx/>
-              <a:buNone/>
-              <a:tabLst/>
-              <a:defRPr/>
-            </a:pPr>
-            <a:r>
-              <a:rPr lang="en-US" altLang="ko-KR" sz="1200" b="0" i="0" kern="1200" dirty="0">
-                <a:solidFill>
-                  <a:schemeClr val="tx1"/>
-                </a:solidFill>
-                <a:effectLst/>
-                <a:latin typeface="+mn-lt"/>
-                <a:ea typeface="+mn-ea"/>
-                <a:cs typeface="+mn-cs"/>
-              </a:rPr>
-              <a:t>Paul </a:t>
-            </a:r>
-            <a:r>
-              <a:rPr lang="en-US" altLang="ko-KR" sz="1200" b="0" i="0" kern="1200" dirty="0" err="1">
-                <a:solidFill>
-                  <a:schemeClr val="tx1"/>
-                </a:solidFill>
-                <a:effectLst/>
-                <a:latin typeface="+mn-lt"/>
-                <a:ea typeface="+mn-ea"/>
-                <a:cs typeface="+mn-cs"/>
-              </a:rPr>
-              <a:t>Falstad</a:t>
-            </a:r>
-            <a:r>
-              <a:rPr lang="ko-KR" altLang="en-US" sz="1200" b="0" i="0" kern="1200" dirty="0">
-                <a:solidFill>
-                  <a:schemeClr val="tx1"/>
-                </a:solidFill>
-                <a:effectLst/>
-                <a:latin typeface="+mn-lt"/>
-                <a:ea typeface="+mn-ea"/>
-                <a:cs typeface="+mn-cs"/>
-              </a:rPr>
-              <a:t>이 </a:t>
-            </a:r>
-            <a:r>
-              <a:rPr lang="en-US" altLang="ko-KR" sz="1200" b="0" i="0" kern="1200" dirty="0">
-                <a:solidFill>
-                  <a:schemeClr val="tx1"/>
-                </a:solidFill>
-                <a:effectLst/>
-                <a:latin typeface="+mn-lt"/>
-                <a:ea typeface="+mn-ea"/>
-                <a:cs typeface="+mn-cs"/>
-              </a:rPr>
-              <a:t>1990</a:t>
-            </a:r>
-            <a:r>
-              <a:rPr lang="ko-KR" altLang="en-US" sz="1200" b="0" i="0" kern="1200" dirty="0">
-                <a:solidFill>
-                  <a:schemeClr val="tx1"/>
-                </a:solidFill>
-                <a:effectLst/>
-                <a:latin typeface="+mn-lt"/>
-                <a:ea typeface="+mn-ea"/>
-                <a:cs typeface="+mn-cs"/>
-              </a:rPr>
-              <a:t>년 최초개발</a:t>
-            </a:r>
-            <a:endParaRPr lang="en-US" altLang="ko-KR" sz="1200" b="0" i="0" kern="1200" dirty="0">
-              <a:solidFill>
-                <a:schemeClr val="tx1"/>
-              </a:solidFill>
-              <a:effectLst/>
-              <a:latin typeface="+mn-lt"/>
-              <a:ea typeface="+mn-ea"/>
-              <a:cs typeface="+mn-cs"/>
-            </a:endParaRPr>
-          </a:p>
-          <a:p>
             <a:pPr marL="0" indent="0">
               <a:buNone/>
             </a:pPr>
@@ -717,7 +639,509 @@
     </p:spTree>
     <p:extLst>
       <p:ext uri="{BB962C8B-B14F-4D97-AF65-F5344CB8AC3E}">
-        <p14:creationId xmlns:p14="http://schemas.microsoft.com/office/powerpoint/2010/main" val="3378060222"/>
+        <p14:creationId xmlns:p14="http://schemas.microsoft.com/office/powerpoint/2010/main" val="3298239588"/>
+      </p:ext>
+    </p:extLst>
+  </p:cSld>
+  <p:clrMapOvr>
+    <a:masterClrMapping/>
+  </p:clrMapOvr>
+</p:notes>
+</file>
+
+<file path=ppt/notesSlides/notesSlide3.xml><?xml version="1.0" encoding="utf-8"?>
+<p:notes xmlns:a="http://schemas.openxmlformats.org/drawingml/2006/main" xmlns:r="http://schemas.openxmlformats.org/officeDocument/2006/relationships" xmlns:p="http://schemas.openxmlformats.org/presentationml/2006/main">
+  <p:cSld>
+    <p:spTree>
+      <p:nvGrpSpPr>
+        <p:cNvPr id="1" name=""/>
+        <p:cNvGrpSpPr/>
+        <p:nvPr/>
+      </p:nvGrpSpPr>
+      <p:grpSpPr>
+        <a:xfrm>
+          <a:off x="0" y="0"/>
+          <a:ext cx="0" cy="0"/>
+          <a:chOff x="0" y="0"/>
+          <a:chExt cx="0" cy="0"/>
+        </a:xfrm>
+      </p:grpSpPr>
+      <p:sp>
+        <p:nvSpPr>
+          <p:cNvPr id="2" name="슬라이드 이미지 개체 틀 1"/>
+          <p:cNvSpPr>
+            <a:spLocks noGrp="1" noRot="1" noChangeAspect="1"/>
+          </p:cNvSpPr>
+          <p:nvPr>
+            <p:ph type="sldImg"/>
+          </p:nvPr>
+        </p:nvSpPr>
+        <p:spPr/>
+      </p:sp>
+      <p:sp>
+        <p:nvSpPr>
+          <p:cNvPr id="3" name="슬라이드 노트 개체 틀 2"/>
+          <p:cNvSpPr>
+            <a:spLocks noGrp="1"/>
+          </p:cNvSpPr>
+          <p:nvPr>
+            <p:ph type="body" idx="1"/>
+          </p:nvPr>
+        </p:nvSpPr>
+        <p:spPr/>
+        <p:txBody>
+          <a:bodyPr/>
+          <a:lstStyle/>
+          <a:p>
+            <a:pPr marL="0" indent="0">
+              <a:buNone/>
+            </a:pPr>
+            <a:endParaRPr lang="en-US" altLang="ko-KR" sz="1200" b="0" i="0" kern="1200" dirty="0">
+              <a:solidFill>
+                <a:schemeClr val="tx1"/>
+              </a:solidFill>
+              <a:effectLst/>
+              <a:latin typeface="+mn-lt"/>
+              <a:ea typeface="+mn-ea"/>
+              <a:cs typeface="+mn-cs"/>
+            </a:endParaRPr>
+          </a:p>
+        </p:txBody>
+      </p:sp>
+      <p:sp>
+        <p:nvSpPr>
+          <p:cNvPr id="4" name="슬라이드 번호 개체 틀 3"/>
+          <p:cNvSpPr>
+            <a:spLocks noGrp="1"/>
+          </p:cNvSpPr>
+          <p:nvPr>
+            <p:ph type="sldNum" sz="quarter" idx="5"/>
+          </p:nvPr>
+        </p:nvSpPr>
+        <p:spPr/>
+        <p:txBody>
+          <a:bodyPr/>
+          <a:lstStyle/>
+          <a:p>
+            <a:fld id="{AF4B4130-2D9F-4E6D-9707-8718AD09D43C}" type="slidenum">
+              <a:rPr lang="ko-KR" altLang="en-US" smtClean="0"/>
+              <a:t>3</a:t>
+            </a:fld>
+            <a:endParaRPr lang="ko-KR" altLang="en-US"/>
+          </a:p>
+        </p:txBody>
+      </p:sp>
+    </p:spTree>
+    <p:extLst>
+      <p:ext uri="{BB962C8B-B14F-4D97-AF65-F5344CB8AC3E}">
+        <p14:creationId xmlns:p14="http://schemas.microsoft.com/office/powerpoint/2010/main" val="1242402337"/>
+      </p:ext>
+    </p:extLst>
+  </p:cSld>
+  <p:clrMapOvr>
+    <a:masterClrMapping/>
+  </p:clrMapOvr>
+</p:notes>
+</file>
+
+<file path=ppt/notesSlides/notesSlide4.xml><?xml version="1.0" encoding="utf-8"?>
+<p:notes xmlns:a="http://schemas.openxmlformats.org/drawingml/2006/main" xmlns:r="http://schemas.openxmlformats.org/officeDocument/2006/relationships" xmlns:p="http://schemas.openxmlformats.org/presentationml/2006/main">
+  <p:cSld>
+    <p:spTree>
+      <p:nvGrpSpPr>
+        <p:cNvPr id="1" name=""/>
+        <p:cNvGrpSpPr/>
+        <p:nvPr/>
+      </p:nvGrpSpPr>
+      <p:grpSpPr>
+        <a:xfrm>
+          <a:off x="0" y="0"/>
+          <a:ext cx="0" cy="0"/>
+          <a:chOff x="0" y="0"/>
+          <a:chExt cx="0" cy="0"/>
+        </a:xfrm>
+      </p:grpSpPr>
+      <p:sp>
+        <p:nvSpPr>
+          <p:cNvPr id="2" name="슬라이드 이미지 개체 틀 1"/>
+          <p:cNvSpPr>
+            <a:spLocks noGrp="1" noRot="1" noChangeAspect="1"/>
+          </p:cNvSpPr>
+          <p:nvPr>
+            <p:ph type="sldImg"/>
+          </p:nvPr>
+        </p:nvSpPr>
+        <p:spPr/>
+      </p:sp>
+      <p:sp>
+        <p:nvSpPr>
+          <p:cNvPr id="3" name="슬라이드 노트 개체 틀 2"/>
+          <p:cNvSpPr>
+            <a:spLocks noGrp="1"/>
+          </p:cNvSpPr>
+          <p:nvPr>
+            <p:ph type="body" idx="1"/>
+          </p:nvPr>
+        </p:nvSpPr>
+        <p:spPr/>
+        <p:txBody>
+          <a:bodyPr/>
+          <a:lstStyle/>
+          <a:p>
+            <a:pPr marL="0" indent="0">
+              <a:buNone/>
+            </a:pPr>
+            <a:r>
+              <a:rPr lang="en-US" altLang="ko-KR" sz="1200" b="0" i="0" kern="1200" dirty="0" err="1">
+                <a:solidFill>
+                  <a:schemeClr val="tx1"/>
+                </a:solidFill>
+                <a:effectLst/>
+                <a:latin typeface="+mn-lt"/>
+                <a:ea typeface="+mn-ea"/>
+                <a:cs typeface="+mn-cs"/>
+              </a:rPr>
+              <a:t>ViewModel</a:t>
+            </a:r>
+            <a:r>
+              <a:rPr lang="ko-KR" altLang="en-US" sz="1200" b="0" i="0" kern="1200" dirty="0">
+                <a:solidFill>
+                  <a:schemeClr val="tx1"/>
+                </a:solidFill>
+                <a:effectLst/>
+                <a:latin typeface="+mn-lt"/>
+                <a:ea typeface="+mn-ea"/>
+                <a:cs typeface="+mn-cs"/>
+              </a:rPr>
+              <a:t>은 추상적이다</a:t>
+            </a:r>
+            <a:r>
+              <a:rPr lang="en-US" altLang="ko-KR" sz="1200" b="0" i="0" kern="1200" dirty="0">
+                <a:solidFill>
+                  <a:schemeClr val="tx1"/>
+                </a:solidFill>
+                <a:effectLst/>
+                <a:latin typeface="+mn-lt"/>
+                <a:ea typeface="+mn-ea"/>
+                <a:cs typeface="+mn-cs"/>
+              </a:rPr>
+              <a:t>.</a:t>
+            </a:r>
+          </a:p>
+        </p:txBody>
+      </p:sp>
+      <p:sp>
+        <p:nvSpPr>
+          <p:cNvPr id="4" name="슬라이드 번호 개체 틀 3"/>
+          <p:cNvSpPr>
+            <a:spLocks noGrp="1"/>
+          </p:cNvSpPr>
+          <p:nvPr>
+            <p:ph type="sldNum" sz="quarter" idx="5"/>
+          </p:nvPr>
+        </p:nvSpPr>
+        <p:spPr/>
+        <p:txBody>
+          <a:bodyPr/>
+          <a:lstStyle/>
+          <a:p>
+            <a:fld id="{AF4B4130-2D9F-4E6D-9707-8718AD09D43C}" type="slidenum">
+              <a:rPr lang="ko-KR" altLang="en-US" smtClean="0"/>
+              <a:t>4</a:t>
+            </a:fld>
+            <a:endParaRPr lang="ko-KR" altLang="en-US"/>
+          </a:p>
+        </p:txBody>
+      </p:sp>
+    </p:spTree>
+    <p:extLst>
+      <p:ext uri="{BB962C8B-B14F-4D97-AF65-F5344CB8AC3E}">
+        <p14:creationId xmlns:p14="http://schemas.microsoft.com/office/powerpoint/2010/main" val="3261712177"/>
+      </p:ext>
+    </p:extLst>
+  </p:cSld>
+  <p:clrMapOvr>
+    <a:masterClrMapping/>
+  </p:clrMapOvr>
+</p:notes>
+</file>
+
+<file path=ppt/notesSlides/notesSlide5.xml><?xml version="1.0" encoding="utf-8"?>
+<p:notes xmlns:a="http://schemas.openxmlformats.org/drawingml/2006/main" xmlns:r="http://schemas.openxmlformats.org/officeDocument/2006/relationships" xmlns:p="http://schemas.openxmlformats.org/presentationml/2006/main">
+  <p:cSld>
+    <p:spTree>
+      <p:nvGrpSpPr>
+        <p:cNvPr id="1" name=""/>
+        <p:cNvGrpSpPr/>
+        <p:nvPr/>
+      </p:nvGrpSpPr>
+      <p:grpSpPr>
+        <a:xfrm>
+          <a:off x="0" y="0"/>
+          <a:ext cx="0" cy="0"/>
+          <a:chOff x="0" y="0"/>
+          <a:chExt cx="0" cy="0"/>
+        </a:xfrm>
+      </p:grpSpPr>
+      <p:sp>
+        <p:nvSpPr>
+          <p:cNvPr id="2" name="슬라이드 이미지 개체 틀 1"/>
+          <p:cNvSpPr>
+            <a:spLocks noGrp="1" noRot="1" noChangeAspect="1"/>
+          </p:cNvSpPr>
+          <p:nvPr>
+            <p:ph type="sldImg"/>
+          </p:nvPr>
+        </p:nvSpPr>
+        <p:spPr/>
+      </p:sp>
+      <p:sp>
+        <p:nvSpPr>
+          <p:cNvPr id="3" name="슬라이드 노트 개체 틀 2"/>
+          <p:cNvSpPr>
+            <a:spLocks noGrp="1"/>
+          </p:cNvSpPr>
+          <p:nvPr>
+            <p:ph type="body" idx="1"/>
+          </p:nvPr>
+        </p:nvSpPr>
+        <p:spPr/>
+        <p:txBody>
+          <a:bodyPr/>
+          <a:lstStyle/>
+          <a:p>
+            <a:pPr marL="0" indent="0">
+              <a:buNone/>
+            </a:pPr>
+            <a:endParaRPr lang="en-US" altLang="ko-KR" sz="1200" b="0" i="0" kern="1200" dirty="0">
+              <a:solidFill>
+                <a:schemeClr val="tx1"/>
+              </a:solidFill>
+              <a:effectLst/>
+              <a:latin typeface="+mn-lt"/>
+              <a:ea typeface="+mn-ea"/>
+              <a:cs typeface="+mn-cs"/>
+            </a:endParaRPr>
+          </a:p>
+        </p:txBody>
+      </p:sp>
+      <p:sp>
+        <p:nvSpPr>
+          <p:cNvPr id="4" name="슬라이드 번호 개체 틀 3"/>
+          <p:cNvSpPr>
+            <a:spLocks noGrp="1"/>
+          </p:cNvSpPr>
+          <p:nvPr>
+            <p:ph type="sldNum" sz="quarter" idx="5"/>
+          </p:nvPr>
+        </p:nvSpPr>
+        <p:spPr/>
+        <p:txBody>
+          <a:bodyPr/>
+          <a:lstStyle/>
+          <a:p>
+            <a:fld id="{AF4B4130-2D9F-4E6D-9707-8718AD09D43C}" type="slidenum">
+              <a:rPr lang="ko-KR" altLang="en-US" smtClean="0"/>
+              <a:t>5</a:t>
+            </a:fld>
+            <a:endParaRPr lang="ko-KR" altLang="en-US"/>
+          </a:p>
+        </p:txBody>
+      </p:sp>
+    </p:spTree>
+    <p:extLst>
+      <p:ext uri="{BB962C8B-B14F-4D97-AF65-F5344CB8AC3E}">
+        <p14:creationId xmlns:p14="http://schemas.microsoft.com/office/powerpoint/2010/main" val="807260457"/>
+      </p:ext>
+    </p:extLst>
+  </p:cSld>
+  <p:clrMapOvr>
+    <a:masterClrMapping/>
+  </p:clrMapOvr>
+</p:notes>
+</file>
+
+<file path=ppt/notesSlides/notesSlide6.xml><?xml version="1.0" encoding="utf-8"?>
+<p:notes xmlns:a="http://schemas.openxmlformats.org/drawingml/2006/main" xmlns:r="http://schemas.openxmlformats.org/officeDocument/2006/relationships" xmlns:p="http://schemas.openxmlformats.org/presentationml/2006/main">
+  <p:cSld>
+    <p:spTree>
+      <p:nvGrpSpPr>
+        <p:cNvPr id="1" name=""/>
+        <p:cNvGrpSpPr/>
+        <p:nvPr/>
+      </p:nvGrpSpPr>
+      <p:grpSpPr>
+        <a:xfrm>
+          <a:off x="0" y="0"/>
+          <a:ext cx="0" cy="0"/>
+          <a:chOff x="0" y="0"/>
+          <a:chExt cx="0" cy="0"/>
+        </a:xfrm>
+      </p:grpSpPr>
+      <p:sp>
+        <p:nvSpPr>
+          <p:cNvPr id="2" name="슬라이드 이미지 개체 틀 1"/>
+          <p:cNvSpPr>
+            <a:spLocks noGrp="1" noRot="1" noChangeAspect="1"/>
+          </p:cNvSpPr>
+          <p:nvPr>
+            <p:ph type="sldImg"/>
+          </p:nvPr>
+        </p:nvSpPr>
+        <p:spPr/>
+      </p:sp>
+      <p:sp>
+        <p:nvSpPr>
+          <p:cNvPr id="3" name="슬라이드 노트 개체 틀 2"/>
+          <p:cNvSpPr>
+            <a:spLocks noGrp="1"/>
+          </p:cNvSpPr>
+          <p:nvPr>
+            <p:ph type="body" idx="1"/>
+          </p:nvPr>
+        </p:nvSpPr>
+        <p:spPr/>
+        <p:txBody>
+          <a:bodyPr/>
+          <a:lstStyle/>
+          <a:p>
+            <a:pPr marL="0" indent="0">
+              <a:buNone/>
+            </a:pPr>
+            <a:endParaRPr lang="en-US" altLang="ko-KR" sz="1200" b="0" i="0" kern="1200" dirty="0">
+              <a:solidFill>
+                <a:schemeClr val="tx1"/>
+              </a:solidFill>
+              <a:effectLst/>
+              <a:latin typeface="+mn-lt"/>
+              <a:ea typeface="+mn-ea"/>
+              <a:cs typeface="+mn-cs"/>
+            </a:endParaRPr>
+          </a:p>
+        </p:txBody>
+      </p:sp>
+      <p:sp>
+        <p:nvSpPr>
+          <p:cNvPr id="4" name="슬라이드 번호 개체 틀 3"/>
+          <p:cNvSpPr>
+            <a:spLocks noGrp="1"/>
+          </p:cNvSpPr>
+          <p:nvPr>
+            <p:ph type="sldNum" sz="quarter" idx="5"/>
+          </p:nvPr>
+        </p:nvSpPr>
+        <p:spPr/>
+        <p:txBody>
+          <a:bodyPr/>
+          <a:lstStyle/>
+          <a:p>
+            <a:fld id="{AF4B4130-2D9F-4E6D-9707-8718AD09D43C}" type="slidenum">
+              <a:rPr lang="ko-KR" altLang="en-US" smtClean="0"/>
+              <a:t>6</a:t>
+            </a:fld>
+            <a:endParaRPr lang="ko-KR" altLang="en-US"/>
+          </a:p>
+        </p:txBody>
+      </p:sp>
+    </p:spTree>
+    <p:extLst>
+      <p:ext uri="{BB962C8B-B14F-4D97-AF65-F5344CB8AC3E}">
+        <p14:creationId xmlns:p14="http://schemas.microsoft.com/office/powerpoint/2010/main" val="1832562040"/>
+      </p:ext>
+    </p:extLst>
+  </p:cSld>
+  <p:clrMapOvr>
+    <a:masterClrMapping/>
+  </p:clrMapOvr>
+</p:notes>
+</file>
+
+<file path=ppt/notesSlides/notesSlide7.xml><?xml version="1.0" encoding="utf-8"?>
+<p:notes xmlns:a="http://schemas.openxmlformats.org/drawingml/2006/main" xmlns:r="http://schemas.openxmlformats.org/officeDocument/2006/relationships" xmlns:p="http://schemas.openxmlformats.org/presentationml/2006/main">
+  <p:cSld>
+    <p:spTree>
+      <p:nvGrpSpPr>
+        <p:cNvPr id="1" name=""/>
+        <p:cNvGrpSpPr/>
+        <p:nvPr/>
+      </p:nvGrpSpPr>
+      <p:grpSpPr>
+        <a:xfrm>
+          <a:off x="0" y="0"/>
+          <a:ext cx="0" cy="0"/>
+          <a:chOff x="0" y="0"/>
+          <a:chExt cx="0" cy="0"/>
+        </a:xfrm>
+      </p:grpSpPr>
+      <p:sp>
+        <p:nvSpPr>
+          <p:cNvPr id="2" name="슬라이드 이미지 개체 틀 1"/>
+          <p:cNvSpPr>
+            <a:spLocks noGrp="1" noRot="1" noChangeAspect="1"/>
+          </p:cNvSpPr>
+          <p:nvPr>
+            <p:ph type="sldImg"/>
+          </p:nvPr>
+        </p:nvSpPr>
+        <p:spPr/>
+      </p:sp>
+      <p:sp>
+        <p:nvSpPr>
+          <p:cNvPr id="3" name="슬라이드 노트 개체 틀 2"/>
+          <p:cNvSpPr>
+            <a:spLocks noGrp="1"/>
+          </p:cNvSpPr>
+          <p:nvPr>
+            <p:ph type="body" idx="1"/>
+          </p:nvPr>
+        </p:nvSpPr>
+        <p:spPr/>
+        <p:txBody>
+          <a:bodyPr/>
+          <a:lstStyle/>
+          <a:p>
+            <a:pPr marL="0" indent="0">
+              <a:buNone/>
+            </a:pPr>
+            <a:endParaRPr lang="en-US" altLang="ko-KR" sz="1200" b="0" i="0" kern="1200" dirty="0">
+              <a:solidFill>
+                <a:schemeClr val="tx1"/>
+              </a:solidFill>
+              <a:effectLst/>
+              <a:latin typeface="+mn-lt"/>
+              <a:ea typeface="+mn-ea"/>
+              <a:cs typeface="+mn-cs"/>
+            </a:endParaRPr>
+          </a:p>
+        </p:txBody>
+      </p:sp>
+      <p:sp>
+        <p:nvSpPr>
+          <p:cNvPr id="4" name="슬라이드 번호 개체 틀 3"/>
+          <p:cNvSpPr>
+            <a:spLocks noGrp="1"/>
+          </p:cNvSpPr>
+          <p:nvPr>
+            <p:ph type="sldNum" sz="quarter" idx="5"/>
+          </p:nvPr>
+        </p:nvSpPr>
+        <p:spPr/>
+        <p:txBody>
+          <a:bodyPr/>
+          <a:lstStyle/>
+          <a:p>
+            <a:fld id="{AF4B4130-2D9F-4E6D-9707-8718AD09D43C}" type="slidenum">
+              <a:rPr lang="ko-KR" altLang="en-US" smtClean="0"/>
+              <a:t>7</a:t>
+            </a:fld>
+            <a:endParaRPr lang="ko-KR" altLang="en-US"/>
+          </a:p>
+        </p:txBody>
+      </p:sp>
+    </p:spTree>
+    <p:extLst>
+      <p:ext uri="{BB962C8B-B14F-4D97-AF65-F5344CB8AC3E}">
+        <p14:creationId xmlns:p14="http://schemas.microsoft.com/office/powerpoint/2010/main" val="1368663930"/>
       </p:ext>
     </p:extLst>
   </p:cSld>
@@ -874,7 +1298,7 @@
           <a:p>
             <a:fld id="{46A2558D-9475-4DD4-8F32-96381613298F}" type="datetimeFigureOut">
               <a:rPr lang="ko-KR" altLang="en-US" smtClean="0"/>
-              <a:t>2018-12-05</a:t>
+              <a:t>2018-12-06</a:t>
             </a:fld>
             <a:endParaRPr lang="ko-KR" altLang="en-US"/>
           </a:p>
@@ -1072,7 +1496,7 @@
           <a:p>
             <a:fld id="{46A2558D-9475-4DD4-8F32-96381613298F}" type="datetimeFigureOut">
               <a:rPr lang="ko-KR" altLang="en-US" smtClean="0"/>
-              <a:t>2018-12-05</a:t>
+              <a:t>2018-12-06</a:t>
             </a:fld>
             <a:endParaRPr lang="ko-KR" altLang="en-US"/>
           </a:p>
@@ -1280,7 +1704,7 @@
           <a:p>
             <a:fld id="{46A2558D-9475-4DD4-8F32-96381613298F}" type="datetimeFigureOut">
               <a:rPr lang="ko-KR" altLang="en-US" smtClean="0"/>
-              <a:t>2018-12-05</a:t>
+              <a:t>2018-12-06</a:t>
             </a:fld>
             <a:endParaRPr lang="ko-KR" altLang="en-US"/>
           </a:p>
@@ -1478,7 +1902,7 @@
           <a:p>
             <a:fld id="{46A2558D-9475-4DD4-8F32-96381613298F}" type="datetimeFigureOut">
               <a:rPr lang="ko-KR" altLang="en-US" smtClean="0"/>
-              <a:t>2018-12-05</a:t>
+              <a:t>2018-12-06</a:t>
             </a:fld>
             <a:endParaRPr lang="ko-KR" altLang="en-US"/>
           </a:p>
@@ -1753,7 +2177,7 @@
           <a:p>
             <a:fld id="{46A2558D-9475-4DD4-8F32-96381613298F}" type="datetimeFigureOut">
               <a:rPr lang="ko-KR" altLang="en-US" smtClean="0"/>
-              <a:t>2018-12-05</a:t>
+              <a:t>2018-12-06</a:t>
             </a:fld>
             <a:endParaRPr lang="ko-KR" altLang="en-US"/>
           </a:p>
@@ -2018,7 +2442,7 @@
           <a:p>
             <a:fld id="{46A2558D-9475-4DD4-8F32-96381613298F}" type="datetimeFigureOut">
               <a:rPr lang="ko-KR" altLang="en-US" smtClean="0"/>
-              <a:t>2018-12-05</a:t>
+              <a:t>2018-12-06</a:t>
             </a:fld>
             <a:endParaRPr lang="ko-KR" altLang="en-US"/>
           </a:p>
@@ -2430,7 +2854,7 @@
           <a:p>
             <a:fld id="{46A2558D-9475-4DD4-8F32-96381613298F}" type="datetimeFigureOut">
               <a:rPr lang="ko-KR" altLang="en-US" smtClean="0"/>
-              <a:t>2018-12-05</a:t>
+              <a:t>2018-12-06</a:t>
             </a:fld>
             <a:endParaRPr lang="ko-KR" altLang="en-US"/>
           </a:p>
@@ -2571,7 +2995,7 @@
           <a:p>
             <a:fld id="{46A2558D-9475-4DD4-8F32-96381613298F}" type="datetimeFigureOut">
               <a:rPr lang="ko-KR" altLang="en-US" smtClean="0"/>
-              <a:t>2018-12-05</a:t>
+              <a:t>2018-12-06</a:t>
             </a:fld>
             <a:endParaRPr lang="ko-KR" altLang="en-US"/>
           </a:p>
@@ -2684,7 +3108,7 @@
           <a:p>
             <a:fld id="{46A2558D-9475-4DD4-8F32-96381613298F}" type="datetimeFigureOut">
               <a:rPr lang="ko-KR" altLang="en-US" smtClean="0"/>
-              <a:t>2018-12-05</a:t>
+              <a:t>2018-12-06</a:t>
             </a:fld>
             <a:endParaRPr lang="ko-KR" altLang="en-US"/>
           </a:p>
@@ -2995,7 +3419,7 @@
           <a:p>
             <a:fld id="{46A2558D-9475-4DD4-8F32-96381613298F}" type="datetimeFigureOut">
               <a:rPr lang="ko-KR" altLang="en-US" smtClean="0"/>
-              <a:t>2018-12-05</a:t>
+              <a:t>2018-12-06</a:t>
             </a:fld>
             <a:endParaRPr lang="ko-KR" altLang="en-US"/>
           </a:p>
@@ -3283,7 +3707,7 @@
           <a:p>
             <a:fld id="{46A2558D-9475-4DD4-8F32-96381613298F}" type="datetimeFigureOut">
               <a:rPr lang="ko-KR" altLang="en-US" smtClean="0"/>
-              <a:t>2018-12-05</a:t>
+              <a:t>2018-12-06</a:t>
             </a:fld>
             <a:endParaRPr lang="ko-KR" altLang="en-US"/>
           </a:p>
@@ -3524,7 +3948,7 @@
           <a:p>
             <a:fld id="{46A2558D-9475-4DD4-8F32-96381613298F}" type="datetimeFigureOut">
               <a:rPr lang="ko-KR" altLang="en-US" smtClean="0"/>
-              <a:t>2018-12-05</a:t>
+              <a:t>2018-12-06</a:t>
             </a:fld>
             <a:endParaRPr lang="ko-KR" altLang="en-US"/>
           </a:p>
@@ -4157,7 +4581,7 @@
         <p:spPr>
           <a:xfrm>
             <a:off x="1704513" y="620822"/>
-            <a:ext cx="979755" cy="400110"/>
+            <a:ext cx="2099934" cy="400110"/>
           </a:xfrm>
           <a:prstGeom prst="rect">
             <a:avLst/>
@@ -4172,18 +4596,17 @@
           <a:p>
             <a:r>
               <a:rPr lang="en-US" altLang="ko-KR" sz="2000" dirty="0"/>
-              <a:t>MVVM</a:t>
-            </a:r>
-            <a:endParaRPr lang="ko-KR" altLang="en-US" sz="2000" dirty="0"/>
-          </a:p>
-        </p:txBody>
-      </p:sp>
-      <p:sp>
-        <p:nvSpPr>
-          <p:cNvPr id="9" name="직사각형 8">
-            <a:extLst>
-              <a:ext uri="{FF2B5EF4-FFF2-40B4-BE49-F238E27FC236}">
-                <a16:creationId xmlns:a16="http://schemas.microsoft.com/office/drawing/2014/main" id="{92CDBB03-2844-45BB-BC32-3B4476AEA5A5}"/>
+              <a:t>MVVM Pattern ?</a:t>
+            </a:r>
+          </a:p>
+        </p:txBody>
+      </p:sp>
+      <p:sp>
+        <p:nvSpPr>
+          <p:cNvPr id="7" name="직사각형 6">
+            <a:extLst>
+              <a:ext uri="{FF2B5EF4-FFF2-40B4-BE49-F238E27FC236}">
+                <a16:creationId xmlns:a16="http://schemas.microsoft.com/office/drawing/2014/main" id="{ACFCB9A8-476D-4335-A145-26FDF2589B63}"/>
               </a:ext>
             </a:extLst>
           </p:cNvPr>
@@ -4192,40 +4615,3169 @@
         </p:nvSpPr>
         <p:spPr>
           <a:xfrm>
-            <a:off x="5190960" y="3429000"/>
-            <a:ext cx="1810112" cy="523220"/>
+            <a:off x="1586143" y="6121769"/>
+            <a:ext cx="9268287" cy="115409"/>
           </a:xfrm>
           <a:prstGeom prst="rect">
             <a:avLst/>
           </a:prstGeom>
         </p:spPr>
-        <p:txBody>
-          <a:bodyPr wrap="none">
+        <p:style>
+          <a:lnRef idx="2">
+            <a:schemeClr val="accent1">
+              <a:shade val="50000"/>
+            </a:schemeClr>
+          </a:lnRef>
+          <a:fillRef idx="1">
+            <a:schemeClr val="accent1"/>
+          </a:fillRef>
+          <a:effectRef idx="0">
+            <a:schemeClr val="accent1"/>
+          </a:effectRef>
+          <a:fontRef idx="minor">
+            <a:schemeClr val="lt1"/>
+          </a:fontRef>
+        </p:style>
+        <p:txBody>
+          <a:bodyPr rtlCol="0" anchor="ctr"/>
+          <a:lstStyle/>
+          <a:p>
+            <a:pPr algn="ctr"/>
+            <a:endParaRPr lang="ko-KR" altLang="en-US"/>
+          </a:p>
+        </p:txBody>
+      </p:sp>
+      <p:sp>
+        <p:nvSpPr>
+          <p:cNvPr id="4" name="TextBox 3">
+            <a:extLst>
+              <a:ext uri="{FF2B5EF4-FFF2-40B4-BE49-F238E27FC236}">
+                <a16:creationId xmlns:a16="http://schemas.microsoft.com/office/drawing/2014/main" id="{8B571E76-BBC7-4A0E-A7C1-82FFF69FBEA3}"/>
+              </a:ext>
+            </a:extLst>
+          </p:cNvPr>
+          <p:cNvSpPr txBox="1"/>
+          <p:nvPr/>
+        </p:nvSpPr>
+        <p:spPr>
+          <a:xfrm>
+            <a:off x="1704513" y="3400301"/>
+            <a:ext cx="8919607" cy="400110"/>
+          </a:xfrm>
+          <a:prstGeom prst="rect">
+            <a:avLst/>
+          </a:prstGeom>
+          <a:noFill/>
+        </p:spPr>
+        <p:txBody>
+          <a:bodyPr wrap="square" rtlCol="0">
             <a:spAutoFit/>
           </a:bodyPr>
           <a:lstStyle/>
           <a:p>
             <a:pPr algn="ctr"/>
             <a:r>
-              <a:rPr lang="en-US" altLang="ko-KR" sz="2800">
-                <a:latin typeface="Malgun Gothic Semilight" panose="020B0502040204020203" pitchFamily="50" charset="-127"/>
-                <a:ea typeface="Malgun Gothic Semilight" panose="020B0502040204020203" pitchFamily="50" charset="-127"/>
-                <a:cs typeface="Malgun Gothic Semilight" panose="020B0502040204020203" pitchFamily="50" charset="-127"/>
-              </a:rPr>
-              <a:t>saasdsadd</a:t>
-            </a:r>
-            <a:endParaRPr lang="ko-KR" altLang="en-US" sz="2800" dirty="0">
-              <a:latin typeface="Malgun Gothic Semilight" panose="020B0502040204020203" pitchFamily="50" charset="-127"/>
-              <a:ea typeface="Malgun Gothic Semilight" panose="020B0502040204020203" pitchFamily="50" charset="-127"/>
-              <a:cs typeface="Malgun Gothic Semilight" panose="020B0502040204020203" pitchFamily="50" charset="-127"/>
-            </a:endParaRPr>
+              <a:rPr lang="en-US" altLang="ko-KR" sz="2000" dirty="0"/>
+              <a:t>MVC, MVP </a:t>
+            </a:r>
+            <a:r>
+              <a:rPr lang="ko-KR" altLang="en-US" sz="2000" dirty="0"/>
+              <a:t>패턴의 단점을 보완한                </a:t>
+            </a:r>
+            <a:r>
+              <a:rPr lang="en-US" altLang="ko-KR" sz="2000" dirty="0"/>
+              <a:t>  .</a:t>
+            </a:r>
+            <a:endParaRPr lang="ko-KR" altLang="en-US" sz="2000" dirty="0"/>
+          </a:p>
+        </p:txBody>
+      </p:sp>
+      <p:sp>
+        <p:nvSpPr>
+          <p:cNvPr id="23" name="TextBox 22">
+            <a:extLst>
+              <a:ext uri="{FF2B5EF4-FFF2-40B4-BE49-F238E27FC236}">
+                <a16:creationId xmlns:a16="http://schemas.microsoft.com/office/drawing/2014/main" id="{AF7118C7-97B4-4831-90D5-90E74862564E}"/>
+              </a:ext>
+            </a:extLst>
+          </p:cNvPr>
+          <p:cNvSpPr txBox="1"/>
+          <p:nvPr/>
+        </p:nvSpPr>
+        <p:spPr>
+          <a:xfrm>
+            <a:off x="7294181" y="3092525"/>
+            <a:ext cx="1542264" cy="707886"/>
+          </a:xfrm>
+          <a:prstGeom prst="rect">
+            <a:avLst/>
+          </a:prstGeom>
+          <a:noFill/>
+        </p:spPr>
+        <p:txBody>
+          <a:bodyPr wrap="square" rtlCol="0">
+            <a:spAutoFit/>
+          </a:bodyPr>
+          <a:lstStyle/>
+          <a:p>
+            <a:pPr algn="ctr"/>
+            <a:r>
+              <a:rPr lang="en-US" altLang="ko-KR" sz="2000" b="1" dirty="0"/>
+              <a:t>                                             </a:t>
+            </a:r>
+            <a:r>
+              <a:rPr lang="ko-KR" altLang="en-US" sz="2000" b="1" dirty="0"/>
+              <a:t>디자인패턴</a:t>
+            </a:r>
           </a:p>
         </p:txBody>
       </p:sp>
     </p:spTree>
     <p:extLst>
       <p:ext uri="{BB962C8B-B14F-4D97-AF65-F5344CB8AC3E}">
-        <p14:creationId xmlns:p14="http://schemas.microsoft.com/office/powerpoint/2010/main" val="1177356500"/>
+        <p14:creationId xmlns:p14="http://schemas.microsoft.com/office/powerpoint/2010/main" val="1845806087"/>
+      </p:ext>
+    </p:extLst>
+  </p:cSld>
+  <p:clrMapOvr>
+    <a:masterClrMapping/>
+  </p:clrMapOvr>
+</p:sld>
+</file>
+
+<file path=ppt/slides/slide3.xml><?xml version="1.0" encoding="utf-8"?>
+<p:sld xmlns:a="http://schemas.openxmlformats.org/drawingml/2006/main" xmlns:r="http://schemas.openxmlformats.org/officeDocument/2006/relationships" xmlns:p="http://schemas.openxmlformats.org/presentationml/2006/main">
+  <p:cSld>
+    <p:spTree>
+      <p:nvGrpSpPr>
+        <p:cNvPr id="1" name=""/>
+        <p:cNvGrpSpPr/>
+        <p:nvPr/>
+      </p:nvGrpSpPr>
+      <p:grpSpPr>
+        <a:xfrm>
+          <a:off x="0" y="0"/>
+          <a:ext cx="0" cy="0"/>
+          <a:chOff x="0" y="0"/>
+          <a:chExt cx="0" cy="0"/>
+        </a:xfrm>
+      </p:grpSpPr>
+      <p:sp>
+        <p:nvSpPr>
+          <p:cNvPr id="5" name="직사각형 4">
+            <a:extLst>
+              <a:ext uri="{FF2B5EF4-FFF2-40B4-BE49-F238E27FC236}">
+                <a16:creationId xmlns:a16="http://schemas.microsoft.com/office/drawing/2014/main" id="{B3BCBC1E-0CFA-4F3B-97BB-2F3DDEE5953A}"/>
+              </a:ext>
+            </a:extLst>
+          </p:cNvPr>
+          <p:cNvSpPr/>
+          <p:nvPr/>
+        </p:nvSpPr>
+        <p:spPr>
+          <a:xfrm>
+            <a:off x="1586143" y="1020932"/>
+            <a:ext cx="9268287" cy="115409"/>
+          </a:xfrm>
+          <a:prstGeom prst="rect">
+            <a:avLst/>
+          </a:prstGeom>
+        </p:spPr>
+        <p:style>
+          <a:lnRef idx="2">
+            <a:schemeClr val="accent1">
+              <a:shade val="50000"/>
+            </a:schemeClr>
+          </a:lnRef>
+          <a:fillRef idx="1">
+            <a:schemeClr val="accent1"/>
+          </a:fillRef>
+          <a:effectRef idx="0">
+            <a:schemeClr val="accent1"/>
+          </a:effectRef>
+          <a:fontRef idx="minor">
+            <a:schemeClr val="lt1"/>
+          </a:fontRef>
+        </p:style>
+        <p:txBody>
+          <a:bodyPr rtlCol="0" anchor="ctr"/>
+          <a:lstStyle/>
+          <a:p>
+            <a:pPr algn="ctr"/>
+            <a:endParaRPr lang="ko-KR" altLang="en-US"/>
+          </a:p>
+        </p:txBody>
+      </p:sp>
+      <p:sp>
+        <p:nvSpPr>
+          <p:cNvPr id="6" name="TextBox 5">
+            <a:extLst>
+              <a:ext uri="{FF2B5EF4-FFF2-40B4-BE49-F238E27FC236}">
+                <a16:creationId xmlns:a16="http://schemas.microsoft.com/office/drawing/2014/main" id="{13DE9146-974D-4A67-B81D-30E88F3533C1}"/>
+              </a:ext>
+            </a:extLst>
+          </p:cNvPr>
+          <p:cNvSpPr txBox="1"/>
+          <p:nvPr/>
+        </p:nvSpPr>
+        <p:spPr>
+          <a:xfrm>
+            <a:off x="1704513" y="620822"/>
+            <a:ext cx="914033" cy="400110"/>
+          </a:xfrm>
+          <a:prstGeom prst="rect">
+            <a:avLst/>
+          </a:prstGeom>
+          <a:noFill/>
+        </p:spPr>
+        <p:txBody>
+          <a:bodyPr wrap="none" rtlCol="0">
+            <a:spAutoFit/>
+          </a:bodyPr>
+          <a:lstStyle/>
+          <a:p>
+            <a:r>
+              <a:rPr lang="en-US" altLang="ko-KR" sz="2000" dirty="0"/>
+              <a:t>Why ?</a:t>
+            </a:r>
+          </a:p>
+        </p:txBody>
+      </p:sp>
+      <p:sp>
+        <p:nvSpPr>
+          <p:cNvPr id="7" name="직사각형 6">
+            <a:extLst>
+              <a:ext uri="{FF2B5EF4-FFF2-40B4-BE49-F238E27FC236}">
+                <a16:creationId xmlns:a16="http://schemas.microsoft.com/office/drawing/2014/main" id="{ACFCB9A8-476D-4335-A145-26FDF2589B63}"/>
+              </a:ext>
+            </a:extLst>
+          </p:cNvPr>
+          <p:cNvSpPr/>
+          <p:nvPr/>
+        </p:nvSpPr>
+        <p:spPr>
+          <a:xfrm>
+            <a:off x="1586143" y="6121769"/>
+            <a:ext cx="9268287" cy="115409"/>
+          </a:xfrm>
+          <a:prstGeom prst="rect">
+            <a:avLst/>
+          </a:prstGeom>
+        </p:spPr>
+        <p:style>
+          <a:lnRef idx="2">
+            <a:schemeClr val="accent1">
+              <a:shade val="50000"/>
+            </a:schemeClr>
+          </a:lnRef>
+          <a:fillRef idx="1">
+            <a:schemeClr val="accent1"/>
+          </a:fillRef>
+          <a:effectRef idx="0">
+            <a:schemeClr val="accent1"/>
+          </a:effectRef>
+          <a:fontRef idx="minor">
+            <a:schemeClr val="lt1"/>
+          </a:fontRef>
+        </p:style>
+        <p:txBody>
+          <a:bodyPr rtlCol="0" anchor="ctr"/>
+          <a:lstStyle/>
+          <a:p>
+            <a:pPr algn="ctr"/>
+            <a:endParaRPr lang="ko-KR" altLang="en-US"/>
+          </a:p>
+        </p:txBody>
+      </p:sp>
+      <p:sp>
+        <p:nvSpPr>
+          <p:cNvPr id="4" name="TextBox 3">
+            <a:extLst>
+              <a:ext uri="{FF2B5EF4-FFF2-40B4-BE49-F238E27FC236}">
+                <a16:creationId xmlns:a16="http://schemas.microsoft.com/office/drawing/2014/main" id="{8B571E76-BBC7-4A0E-A7C1-82FFF69FBEA3}"/>
+              </a:ext>
+            </a:extLst>
+          </p:cNvPr>
+          <p:cNvSpPr txBox="1"/>
+          <p:nvPr/>
+        </p:nvSpPr>
+        <p:spPr>
+          <a:xfrm>
+            <a:off x="1760482" y="2178473"/>
+            <a:ext cx="8919607" cy="400110"/>
+          </a:xfrm>
+          <a:prstGeom prst="rect">
+            <a:avLst/>
+          </a:prstGeom>
+          <a:noFill/>
+        </p:spPr>
+        <p:txBody>
+          <a:bodyPr wrap="square" rtlCol="0">
+            <a:spAutoFit/>
+          </a:bodyPr>
+          <a:lstStyle/>
+          <a:p>
+            <a:pPr algn="ctr"/>
+            <a:r>
+              <a:rPr lang="ko-KR" altLang="en-US" sz="2000" dirty="0"/>
+              <a:t>화면에 보여주는 로직과 데이터 처리 로직을 분리하여 설계</a:t>
+            </a:r>
+            <a:r>
+              <a:rPr lang="en-US" altLang="ko-KR" sz="2000" dirty="0"/>
+              <a:t>.</a:t>
+            </a:r>
+            <a:endParaRPr lang="ko-KR" altLang="en-US" sz="2000" dirty="0"/>
+          </a:p>
+        </p:txBody>
+      </p:sp>
+      <p:sp>
+        <p:nvSpPr>
+          <p:cNvPr id="8" name="TextBox 7">
+            <a:extLst>
+              <a:ext uri="{FF2B5EF4-FFF2-40B4-BE49-F238E27FC236}">
+                <a16:creationId xmlns:a16="http://schemas.microsoft.com/office/drawing/2014/main" id="{76F01E50-3BDD-4BC9-B86C-D838F7D043B9}"/>
+              </a:ext>
+            </a:extLst>
+          </p:cNvPr>
+          <p:cNvSpPr txBox="1"/>
+          <p:nvPr/>
+        </p:nvSpPr>
+        <p:spPr>
+          <a:xfrm>
+            <a:off x="3158356" y="3851532"/>
+            <a:ext cx="8919607" cy="400110"/>
+          </a:xfrm>
+          <a:prstGeom prst="rect">
+            <a:avLst/>
+          </a:prstGeom>
+          <a:noFill/>
+        </p:spPr>
+        <p:txBody>
+          <a:bodyPr wrap="square" rtlCol="0">
+            <a:spAutoFit/>
+          </a:bodyPr>
+          <a:lstStyle/>
+          <a:p>
+            <a:pPr marL="342900" indent="-342900">
+              <a:buFont typeface="Arial" panose="020B0604020202020204" pitchFamily="34" charset="0"/>
+              <a:buChar char="•"/>
+            </a:pPr>
+            <a:r>
+              <a:rPr lang="ko-KR" altLang="en-US" sz="2000" dirty="0"/>
+              <a:t>의사소통 능력의 향상으로 협업이 수월해짐</a:t>
+            </a:r>
+            <a:r>
+              <a:rPr lang="en-US" altLang="ko-KR" sz="2000" dirty="0"/>
+              <a:t>.</a:t>
+            </a:r>
+            <a:endParaRPr lang="ko-KR" altLang="en-US" sz="2000" dirty="0"/>
+          </a:p>
+        </p:txBody>
+      </p:sp>
+      <p:sp>
+        <p:nvSpPr>
+          <p:cNvPr id="9" name="TextBox 8">
+            <a:extLst>
+              <a:ext uri="{FF2B5EF4-FFF2-40B4-BE49-F238E27FC236}">
+                <a16:creationId xmlns:a16="http://schemas.microsoft.com/office/drawing/2014/main" id="{9C712AEE-52BC-4FB4-9D27-125947E1ABCC}"/>
+              </a:ext>
+            </a:extLst>
+          </p:cNvPr>
+          <p:cNvSpPr txBox="1"/>
+          <p:nvPr/>
+        </p:nvSpPr>
+        <p:spPr>
+          <a:xfrm>
+            <a:off x="3158357" y="3115030"/>
+            <a:ext cx="8919607" cy="400110"/>
+          </a:xfrm>
+          <a:prstGeom prst="rect">
+            <a:avLst/>
+          </a:prstGeom>
+          <a:noFill/>
+        </p:spPr>
+        <p:txBody>
+          <a:bodyPr wrap="square" rtlCol="0">
+            <a:spAutoFit/>
+          </a:bodyPr>
+          <a:lstStyle/>
+          <a:p>
+            <a:pPr marL="342900" indent="-342900">
+              <a:buFont typeface="Arial" panose="020B0604020202020204" pitchFamily="34" charset="0"/>
+              <a:buChar char="•"/>
+            </a:pPr>
+            <a:r>
+              <a:rPr lang="ko-KR" altLang="en-US" sz="2000" dirty="0"/>
+              <a:t>가독성이 향상됨에 따라 유지보수가 용이해짐</a:t>
+            </a:r>
+            <a:r>
+              <a:rPr lang="en-US" altLang="ko-KR" sz="2000" dirty="0"/>
+              <a:t>.</a:t>
+            </a:r>
+            <a:endParaRPr lang="ko-KR" altLang="en-US" sz="2000" dirty="0"/>
+          </a:p>
+        </p:txBody>
+      </p:sp>
+    </p:spTree>
+    <p:extLst>
+      <p:ext uri="{BB962C8B-B14F-4D97-AF65-F5344CB8AC3E}">
+        <p14:creationId xmlns:p14="http://schemas.microsoft.com/office/powerpoint/2010/main" val="4234834272"/>
+      </p:ext>
+    </p:extLst>
+  </p:cSld>
+  <p:clrMapOvr>
+    <a:masterClrMapping/>
+  </p:clrMapOvr>
+  <p:timing>
+    <p:tnLst>
+      <p:par>
+        <p:cTn id="1" dur="indefinite" restart="never" nodeType="tmRoot">
+          <p:childTnLst>
+            <p:seq concurrent="1" nextAc="seek">
+              <p:cTn id="2" dur="indefinite" nodeType="mainSeq">
+                <p:childTnLst>
+                  <p:par>
+                    <p:cTn id="3" fill="hold">
+                      <p:stCondLst>
+                        <p:cond delay="indefinite"/>
+                      </p:stCondLst>
+                      <p:childTnLst>
+                        <p:par>
+                          <p:cTn id="4" fill="hold">
+                            <p:stCondLst>
+                              <p:cond delay="0"/>
+                            </p:stCondLst>
+                            <p:childTnLst>
+                              <p:par>
+                                <p:cTn id="5" presetID="10" presetClass="entr" presetSubtype="0" fill="hold" nodeType="clickEffect">
+                                  <p:stCondLst>
+                                    <p:cond delay="0"/>
+                                  </p:stCondLst>
+                                  <p:childTnLst>
+                                    <p:set>
+                                      <p:cBhvr>
+                                        <p:cTn id="6" dur="1" fill="hold">
+                                          <p:stCondLst>
+                                            <p:cond delay="0"/>
+                                          </p:stCondLst>
+                                        </p:cTn>
+                                        <p:tgtEl>
+                                          <p:spTgt spid="4">
+                                            <p:txEl>
+                                              <p:pRg st="0" end="0"/>
+                                            </p:txEl>
+                                          </p:spTgt>
+                                        </p:tgtEl>
+                                        <p:attrNameLst>
+                                          <p:attrName>style.visibility</p:attrName>
+                                        </p:attrNameLst>
+                                      </p:cBhvr>
+                                      <p:to>
+                                        <p:strVal val="visible"/>
+                                      </p:to>
+                                    </p:set>
+                                    <p:animEffect transition="in" filter="fade">
+                                      <p:cBhvr>
+                                        <p:cTn id="7" dur="500"/>
+                                        <p:tgtEl>
+                                          <p:spTgt spid="4">
+                                            <p:txEl>
+                                              <p:pRg st="0" end="0"/>
+                                            </p:txEl>
+                                          </p:spTgt>
+                                        </p:tgtEl>
+                                      </p:cBhvr>
+                                    </p:animEffect>
+                                  </p:childTnLst>
+                                </p:cTn>
+                              </p:par>
+                            </p:childTnLst>
+                          </p:cTn>
+                        </p:par>
+                      </p:childTnLst>
+                    </p:cTn>
+                  </p:par>
+                  <p:par>
+                    <p:cTn id="8" fill="hold">
+                      <p:stCondLst>
+                        <p:cond delay="indefinite"/>
+                      </p:stCondLst>
+                      <p:childTnLst>
+                        <p:par>
+                          <p:cTn id="9" fill="hold">
+                            <p:stCondLst>
+                              <p:cond delay="0"/>
+                            </p:stCondLst>
+                            <p:childTnLst>
+                              <p:par>
+                                <p:cTn id="10" presetID="10" presetClass="entr" presetSubtype="0" fill="hold" grpId="0" nodeType="clickEffect">
+                                  <p:stCondLst>
+                                    <p:cond delay="0"/>
+                                  </p:stCondLst>
+                                  <p:childTnLst>
+                                    <p:set>
+                                      <p:cBhvr>
+                                        <p:cTn id="11" dur="1" fill="hold">
+                                          <p:stCondLst>
+                                            <p:cond delay="0"/>
+                                          </p:stCondLst>
+                                        </p:cTn>
+                                        <p:tgtEl>
+                                          <p:spTgt spid="9"/>
+                                        </p:tgtEl>
+                                        <p:attrNameLst>
+                                          <p:attrName>style.visibility</p:attrName>
+                                        </p:attrNameLst>
+                                      </p:cBhvr>
+                                      <p:to>
+                                        <p:strVal val="visible"/>
+                                      </p:to>
+                                    </p:set>
+                                    <p:animEffect transition="in" filter="fade">
+                                      <p:cBhvr>
+                                        <p:cTn id="12" dur="500"/>
+                                        <p:tgtEl>
+                                          <p:spTgt spid="9"/>
+                                        </p:tgtEl>
+                                      </p:cBhvr>
+                                    </p:animEffect>
+                                  </p:childTnLst>
+                                </p:cTn>
+                              </p:par>
+                            </p:childTnLst>
+                          </p:cTn>
+                        </p:par>
+                      </p:childTnLst>
+                    </p:cTn>
+                  </p:par>
+                  <p:par>
+                    <p:cTn id="13" fill="hold">
+                      <p:stCondLst>
+                        <p:cond delay="indefinite"/>
+                      </p:stCondLst>
+                      <p:childTnLst>
+                        <p:par>
+                          <p:cTn id="14" fill="hold">
+                            <p:stCondLst>
+                              <p:cond delay="0"/>
+                            </p:stCondLst>
+                            <p:childTnLst>
+                              <p:par>
+                                <p:cTn id="15" presetID="10" presetClass="entr" presetSubtype="0" fill="hold" nodeType="clickEffect">
+                                  <p:stCondLst>
+                                    <p:cond delay="0"/>
+                                  </p:stCondLst>
+                                  <p:childTnLst>
+                                    <p:set>
+                                      <p:cBhvr>
+                                        <p:cTn id="16" dur="1" fill="hold">
+                                          <p:stCondLst>
+                                            <p:cond delay="0"/>
+                                          </p:stCondLst>
+                                        </p:cTn>
+                                        <p:tgtEl>
+                                          <p:spTgt spid="8">
+                                            <p:txEl>
+                                              <p:pRg st="0" end="0"/>
+                                            </p:txEl>
+                                          </p:spTgt>
+                                        </p:tgtEl>
+                                        <p:attrNameLst>
+                                          <p:attrName>style.visibility</p:attrName>
+                                        </p:attrNameLst>
+                                      </p:cBhvr>
+                                      <p:to>
+                                        <p:strVal val="visible"/>
+                                      </p:to>
+                                    </p:set>
+                                    <p:animEffect transition="in" filter="fade">
+                                      <p:cBhvr>
+                                        <p:cTn id="17" dur="500"/>
+                                        <p:tgtEl>
+                                          <p:spTgt spid="8">
+                                            <p:txEl>
+                                              <p:pRg st="0" end="0"/>
+                                            </p:txEl>
+                                          </p:spTgt>
+                                        </p:tgtEl>
+                                      </p:cBhvr>
+                                    </p:animEffect>
+                                  </p:childTnLst>
+                                </p:cTn>
+                              </p:par>
+                            </p:childTnLst>
+                          </p:cTn>
+                        </p:par>
+                      </p:childTnLst>
+                    </p:cTn>
+                  </p:par>
+                </p:childTnLst>
+              </p:cTn>
+              <p:prevCondLst>
+                <p:cond evt="onPrev" delay="0">
+                  <p:tgtEl>
+                    <p:sldTgt/>
+                  </p:tgtEl>
+                </p:cond>
+              </p:prevCondLst>
+              <p:nextCondLst>
+                <p:cond evt="onNext" delay="0">
+                  <p:tgtEl>
+                    <p:sldTgt/>
+                  </p:tgtEl>
+                </p:cond>
+              </p:nextCondLst>
+            </p:seq>
+          </p:childTnLst>
+        </p:cTn>
+      </p:par>
+    </p:tnLst>
+    <p:bldLst>
+      <p:bldP spid="9" grpId="0"/>
+    </p:bldLst>
+  </p:timing>
+</p:sld>
+</file>
+
+<file path=ppt/slides/slide4.xml><?xml version="1.0" encoding="utf-8"?>
+<p:sld xmlns:a="http://schemas.openxmlformats.org/drawingml/2006/main" xmlns:r="http://schemas.openxmlformats.org/officeDocument/2006/relationships" xmlns:p="http://schemas.openxmlformats.org/presentationml/2006/main">
+  <p:cSld>
+    <p:spTree>
+      <p:nvGrpSpPr>
+        <p:cNvPr id="1" name=""/>
+        <p:cNvGrpSpPr/>
+        <p:nvPr/>
+      </p:nvGrpSpPr>
+      <p:grpSpPr>
+        <a:xfrm>
+          <a:off x="0" y="0"/>
+          <a:ext cx="0" cy="0"/>
+          <a:chOff x="0" y="0"/>
+          <a:chExt cx="0" cy="0"/>
+        </a:xfrm>
+      </p:grpSpPr>
+      <p:sp>
+        <p:nvSpPr>
+          <p:cNvPr id="16" name="타원 15">
+            <a:extLst>
+              <a:ext uri="{FF2B5EF4-FFF2-40B4-BE49-F238E27FC236}">
+                <a16:creationId xmlns:a16="http://schemas.microsoft.com/office/drawing/2014/main" id="{34577460-9C2A-4FD9-BC84-E3C370EE36A0}"/>
+              </a:ext>
+            </a:extLst>
+          </p:cNvPr>
+          <p:cNvSpPr/>
+          <p:nvPr/>
+        </p:nvSpPr>
+        <p:spPr>
+          <a:xfrm>
+            <a:off x="3732914" y="3044748"/>
+            <a:ext cx="1168416" cy="1096887"/>
+          </a:xfrm>
+          <a:prstGeom prst="ellipse">
+            <a:avLst/>
+          </a:prstGeom>
+          <a:noFill/>
+          <a:effectLst>
+            <a:outerShdw blurRad="50800" dist="38100" dir="2700000" algn="tl" rotWithShape="0">
+              <a:prstClr val="black">
+                <a:alpha val="40000"/>
+              </a:prstClr>
+            </a:outerShdw>
+          </a:effectLst>
+        </p:spPr>
+        <p:style>
+          <a:lnRef idx="2">
+            <a:schemeClr val="accent5">
+              <a:shade val="50000"/>
+            </a:schemeClr>
+          </a:lnRef>
+          <a:fillRef idx="1">
+            <a:schemeClr val="accent5"/>
+          </a:fillRef>
+          <a:effectRef idx="0">
+            <a:schemeClr val="accent5"/>
+          </a:effectRef>
+          <a:fontRef idx="minor">
+            <a:schemeClr val="lt1"/>
+          </a:fontRef>
+        </p:style>
+        <p:txBody>
+          <a:bodyPr rtlCol="0" anchor="ctr"/>
+          <a:lstStyle/>
+          <a:p>
+            <a:pPr algn="ctr"/>
+            <a:endParaRPr lang="ko-KR" altLang="en-US"/>
+          </a:p>
+        </p:txBody>
+      </p:sp>
+      <p:sp>
+        <p:nvSpPr>
+          <p:cNvPr id="5" name="직사각형 4">
+            <a:extLst>
+              <a:ext uri="{FF2B5EF4-FFF2-40B4-BE49-F238E27FC236}">
+                <a16:creationId xmlns:a16="http://schemas.microsoft.com/office/drawing/2014/main" id="{B3BCBC1E-0CFA-4F3B-97BB-2F3DDEE5953A}"/>
+              </a:ext>
+            </a:extLst>
+          </p:cNvPr>
+          <p:cNvSpPr/>
+          <p:nvPr/>
+        </p:nvSpPr>
+        <p:spPr>
+          <a:xfrm>
+            <a:off x="1586143" y="1020932"/>
+            <a:ext cx="9268287" cy="115409"/>
+          </a:xfrm>
+          <a:prstGeom prst="rect">
+            <a:avLst/>
+          </a:prstGeom>
+        </p:spPr>
+        <p:style>
+          <a:lnRef idx="2">
+            <a:schemeClr val="accent1">
+              <a:shade val="50000"/>
+            </a:schemeClr>
+          </a:lnRef>
+          <a:fillRef idx="1">
+            <a:schemeClr val="accent1"/>
+          </a:fillRef>
+          <a:effectRef idx="0">
+            <a:schemeClr val="accent1"/>
+          </a:effectRef>
+          <a:fontRef idx="minor">
+            <a:schemeClr val="lt1"/>
+          </a:fontRef>
+        </p:style>
+        <p:txBody>
+          <a:bodyPr rtlCol="0" anchor="ctr"/>
+          <a:lstStyle/>
+          <a:p>
+            <a:pPr algn="ctr"/>
+            <a:endParaRPr lang="ko-KR" altLang="en-US"/>
+          </a:p>
+        </p:txBody>
+      </p:sp>
+      <p:sp>
+        <p:nvSpPr>
+          <p:cNvPr id="6" name="TextBox 5">
+            <a:extLst>
+              <a:ext uri="{FF2B5EF4-FFF2-40B4-BE49-F238E27FC236}">
+                <a16:creationId xmlns:a16="http://schemas.microsoft.com/office/drawing/2014/main" id="{13DE9146-974D-4A67-B81D-30E88F3533C1}"/>
+              </a:ext>
+            </a:extLst>
+          </p:cNvPr>
+          <p:cNvSpPr txBox="1"/>
+          <p:nvPr/>
+        </p:nvSpPr>
+        <p:spPr>
+          <a:xfrm>
+            <a:off x="1704513" y="620822"/>
+            <a:ext cx="3379323" cy="400110"/>
+          </a:xfrm>
+          <a:prstGeom prst="rect">
+            <a:avLst/>
+          </a:prstGeom>
+          <a:noFill/>
+        </p:spPr>
+        <p:txBody>
+          <a:bodyPr wrap="none" rtlCol="0">
+            <a:spAutoFit/>
+          </a:bodyPr>
+          <a:lstStyle/>
+          <a:p>
+            <a:r>
+              <a:rPr lang="en-US" altLang="ko-KR" sz="2000" dirty="0"/>
+              <a:t>MVVM Pattern Architecture</a:t>
+            </a:r>
+            <a:endParaRPr lang="ko-KR" altLang="en-US" sz="2000" dirty="0"/>
+          </a:p>
+        </p:txBody>
+      </p:sp>
+      <p:sp>
+        <p:nvSpPr>
+          <p:cNvPr id="7" name="직사각형 6">
+            <a:extLst>
+              <a:ext uri="{FF2B5EF4-FFF2-40B4-BE49-F238E27FC236}">
+                <a16:creationId xmlns:a16="http://schemas.microsoft.com/office/drawing/2014/main" id="{ACFCB9A8-476D-4335-A145-26FDF2589B63}"/>
+              </a:ext>
+            </a:extLst>
+          </p:cNvPr>
+          <p:cNvSpPr/>
+          <p:nvPr/>
+        </p:nvSpPr>
+        <p:spPr>
+          <a:xfrm>
+            <a:off x="1586143" y="6121769"/>
+            <a:ext cx="9268287" cy="115409"/>
+          </a:xfrm>
+          <a:prstGeom prst="rect">
+            <a:avLst/>
+          </a:prstGeom>
+        </p:spPr>
+        <p:style>
+          <a:lnRef idx="2">
+            <a:schemeClr val="accent1">
+              <a:shade val="50000"/>
+            </a:schemeClr>
+          </a:lnRef>
+          <a:fillRef idx="1">
+            <a:schemeClr val="accent1"/>
+          </a:fillRef>
+          <a:effectRef idx="0">
+            <a:schemeClr val="accent1"/>
+          </a:effectRef>
+          <a:fontRef idx="minor">
+            <a:schemeClr val="lt1"/>
+          </a:fontRef>
+        </p:style>
+        <p:txBody>
+          <a:bodyPr rtlCol="0" anchor="ctr"/>
+          <a:lstStyle/>
+          <a:p>
+            <a:pPr algn="ctr"/>
+            <a:endParaRPr lang="ko-KR" altLang="en-US"/>
+          </a:p>
+        </p:txBody>
+      </p:sp>
+      <p:sp>
+        <p:nvSpPr>
+          <p:cNvPr id="2" name="타원 1">
+            <a:extLst>
+              <a:ext uri="{FF2B5EF4-FFF2-40B4-BE49-F238E27FC236}">
+                <a16:creationId xmlns:a16="http://schemas.microsoft.com/office/drawing/2014/main" id="{F2EBF02F-C01A-49B5-BFC1-32D8DDEF72F7}"/>
+              </a:ext>
+            </a:extLst>
+          </p:cNvPr>
+          <p:cNvSpPr/>
+          <p:nvPr/>
+        </p:nvSpPr>
+        <p:spPr>
+          <a:xfrm>
+            <a:off x="5633068" y="1536451"/>
+            <a:ext cx="1174435" cy="1102537"/>
+          </a:xfrm>
+          <a:prstGeom prst="ellipse">
+            <a:avLst/>
+          </a:prstGeom>
+          <a:effectLst>
+            <a:outerShdw blurRad="50800" dist="38100" dir="2700000" algn="tl" rotWithShape="0">
+              <a:prstClr val="black">
+                <a:alpha val="40000"/>
+              </a:prstClr>
+            </a:outerShdw>
+          </a:effectLst>
+        </p:spPr>
+        <p:style>
+          <a:lnRef idx="2">
+            <a:schemeClr val="accent5">
+              <a:shade val="50000"/>
+            </a:schemeClr>
+          </a:lnRef>
+          <a:fillRef idx="1">
+            <a:schemeClr val="accent5"/>
+          </a:fillRef>
+          <a:effectRef idx="0">
+            <a:schemeClr val="accent5"/>
+          </a:effectRef>
+          <a:fontRef idx="minor">
+            <a:schemeClr val="lt1"/>
+          </a:fontRef>
+        </p:style>
+        <p:txBody>
+          <a:bodyPr rtlCol="0" anchor="ctr"/>
+          <a:lstStyle/>
+          <a:p>
+            <a:pPr algn="ctr"/>
+            <a:endParaRPr lang="ko-KR" altLang="en-US"/>
+          </a:p>
+        </p:txBody>
+      </p:sp>
+      <p:sp>
+        <p:nvSpPr>
+          <p:cNvPr id="8" name="타원 7">
+            <a:extLst>
+              <a:ext uri="{FF2B5EF4-FFF2-40B4-BE49-F238E27FC236}">
+                <a16:creationId xmlns:a16="http://schemas.microsoft.com/office/drawing/2014/main" id="{2B55B1C9-2F98-4DA8-B8B0-FDDA7FBE06A1}"/>
+              </a:ext>
+            </a:extLst>
+          </p:cNvPr>
+          <p:cNvSpPr/>
+          <p:nvPr/>
+        </p:nvSpPr>
+        <p:spPr>
+          <a:xfrm>
+            <a:off x="4512500" y="3195459"/>
+            <a:ext cx="169374" cy="159005"/>
+          </a:xfrm>
+          <a:prstGeom prst="ellipse">
+            <a:avLst/>
+          </a:prstGeom>
+          <a:solidFill>
+            <a:schemeClr val="accent2">
+              <a:lumMod val="40000"/>
+              <a:lumOff val="60000"/>
+            </a:schemeClr>
+          </a:solidFill>
+          <a:effectLst>
+            <a:outerShdw blurRad="50800" dist="38100" dir="2700000" algn="tl" rotWithShape="0">
+              <a:prstClr val="black">
+                <a:alpha val="40000"/>
+              </a:prstClr>
+            </a:outerShdw>
+          </a:effectLst>
+        </p:spPr>
+        <p:style>
+          <a:lnRef idx="2">
+            <a:schemeClr val="accent5">
+              <a:shade val="50000"/>
+            </a:schemeClr>
+          </a:lnRef>
+          <a:fillRef idx="1">
+            <a:schemeClr val="accent5"/>
+          </a:fillRef>
+          <a:effectRef idx="0">
+            <a:schemeClr val="accent5"/>
+          </a:effectRef>
+          <a:fontRef idx="minor">
+            <a:schemeClr val="lt1"/>
+          </a:fontRef>
+        </p:style>
+        <p:txBody>
+          <a:bodyPr rtlCol="0" anchor="ctr"/>
+          <a:lstStyle/>
+          <a:p>
+            <a:pPr algn="ctr"/>
+            <a:endParaRPr lang="ko-KR" altLang="en-US"/>
+          </a:p>
+        </p:txBody>
+      </p:sp>
+      <p:sp>
+        <p:nvSpPr>
+          <p:cNvPr id="11" name="타원 10">
+            <a:extLst>
+              <a:ext uri="{FF2B5EF4-FFF2-40B4-BE49-F238E27FC236}">
+                <a16:creationId xmlns:a16="http://schemas.microsoft.com/office/drawing/2014/main" id="{CA661A52-C792-4B63-874C-F3D519097398}"/>
+              </a:ext>
+            </a:extLst>
+          </p:cNvPr>
+          <p:cNvSpPr/>
+          <p:nvPr/>
+        </p:nvSpPr>
+        <p:spPr>
+          <a:xfrm>
+            <a:off x="4384380" y="3657129"/>
+            <a:ext cx="169374" cy="159005"/>
+          </a:xfrm>
+          <a:prstGeom prst="ellipse">
+            <a:avLst/>
+          </a:prstGeom>
+          <a:solidFill>
+            <a:srgbClr val="0070C0"/>
+          </a:solidFill>
+          <a:effectLst>
+            <a:outerShdw blurRad="50800" dist="38100" dir="2700000" algn="tl" rotWithShape="0">
+              <a:prstClr val="black">
+                <a:alpha val="40000"/>
+              </a:prstClr>
+            </a:outerShdw>
+          </a:effectLst>
+        </p:spPr>
+        <p:style>
+          <a:lnRef idx="2">
+            <a:schemeClr val="accent5">
+              <a:shade val="50000"/>
+            </a:schemeClr>
+          </a:lnRef>
+          <a:fillRef idx="1">
+            <a:schemeClr val="accent5"/>
+          </a:fillRef>
+          <a:effectRef idx="0">
+            <a:schemeClr val="accent5"/>
+          </a:effectRef>
+          <a:fontRef idx="minor">
+            <a:schemeClr val="lt1"/>
+          </a:fontRef>
+        </p:style>
+        <p:txBody>
+          <a:bodyPr rtlCol="0" anchor="ctr"/>
+          <a:lstStyle/>
+          <a:p>
+            <a:pPr algn="ctr"/>
+            <a:endParaRPr lang="ko-KR" altLang="en-US"/>
+          </a:p>
+        </p:txBody>
+      </p:sp>
+      <p:sp>
+        <p:nvSpPr>
+          <p:cNvPr id="12" name="타원 11">
+            <a:extLst>
+              <a:ext uri="{FF2B5EF4-FFF2-40B4-BE49-F238E27FC236}">
+                <a16:creationId xmlns:a16="http://schemas.microsoft.com/office/drawing/2014/main" id="{DACC8692-ADC3-4B23-9D10-DF6130A263B7}"/>
+              </a:ext>
+            </a:extLst>
+          </p:cNvPr>
+          <p:cNvSpPr/>
+          <p:nvPr/>
+        </p:nvSpPr>
+        <p:spPr>
+          <a:xfrm>
+            <a:off x="4592002" y="3477668"/>
+            <a:ext cx="169374" cy="159005"/>
+          </a:xfrm>
+          <a:prstGeom prst="ellipse">
+            <a:avLst/>
+          </a:prstGeom>
+          <a:solidFill>
+            <a:schemeClr val="accent6">
+              <a:lumMod val="75000"/>
+            </a:schemeClr>
+          </a:solidFill>
+          <a:effectLst>
+            <a:outerShdw blurRad="50800" dist="38100" dir="2700000" algn="tl" rotWithShape="0">
+              <a:prstClr val="black">
+                <a:alpha val="40000"/>
+              </a:prstClr>
+            </a:outerShdw>
+          </a:effectLst>
+        </p:spPr>
+        <p:style>
+          <a:lnRef idx="2">
+            <a:schemeClr val="accent5">
+              <a:shade val="50000"/>
+            </a:schemeClr>
+          </a:lnRef>
+          <a:fillRef idx="1">
+            <a:schemeClr val="accent5"/>
+          </a:fillRef>
+          <a:effectRef idx="0">
+            <a:schemeClr val="accent5"/>
+          </a:effectRef>
+          <a:fontRef idx="minor">
+            <a:schemeClr val="lt1"/>
+          </a:fontRef>
+        </p:style>
+        <p:txBody>
+          <a:bodyPr rtlCol="0" anchor="ctr"/>
+          <a:lstStyle/>
+          <a:p>
+            <a:pPr algn="ctr"/>
+            <a:endParaRPr lang="ko-KR" altLang="en-US"/>
+          </a:p>
+        </p:txBody>
+      </p:sp>
+      <p:sp>
+        <p:nvSpPr>
+          <p:cNvPr id="13" name="타원 12">
+            <a:extLst>
+              <a:ext uri="{FF2B5EF4-FFF2-40B4-BE49-F238E27FC236}">
+                <a16:creationId xmlns:a16="http://schemas.microsoft.com/office/drawing/2014/main" id="{EB0FF6C9-7478-4D99-9BB1-CD8D441CD573}"/>
+              </a:ext>
+            </a:extLst>
+          </p:cNvPr>
+          <p:cNvSpPr/>
+          <p:nvPr/>
+        </p:nvSpPr>
+        <p:spPr>
+          <a:xfrm>
+            <a:off x="4104554" y="3642588"/>
+            <a:ext cx="169374" cy="159005"/>
+          </a:xfrm>
+          <a:prstGeom prst="ellipse">
+            <a:avLst/>
+          </a:prstGeom>
+          <a:solidFill>
+            <a:schemeClr val="accent6">
+              <a:lumMod val="40000"/>
+              <a:lumOff val="60000"/>
+            </a:schemeClr>
+          </a:solidFill>
+          <a:effectLst>
+            <a:outerShdw blurRad="50800" dist="38100" dir="2700000" algn="tl" rotWithShape="0">
+              <a:prstClr val="black">
+                <a:alpha val="40000"/>
+              </a:prstClr>
+            </a:outerShdw>
+          </a:effectLst>
+        </p:spPr>
+        <p:style>
+          <a:lnRef idx="2">
+            <a:schemeClr val="accent5">
+              <a:shade val="50000"/>
+            </a:schemeClr>
+          </a:lnRef>
+          <a:fillRef idx="1">
+            <a:schemeClr val="accent5"/>
+          </a:fillRef>
+          <a:effectRef idx="0">
+            <a:schemeClr val="accent5"/>
+          </a:effectRef>
+          <a:fontRef idx="minor">
+            <a:schemeClr val="lt1"/>
+          </a:fontRef>
+        </p:style>
+        <p:txBody>
+          <a:bodyPr rtlCol="0" anchor="ctr"/>
+          <a:lstStyle/>
+          <a:p>
+            <a:pPr algn="ctr"/>
+            <a:endParaRPr lang="ko-KR" altLang="en-US"/>
+          </a:p>
+        </p:txBody>
+      </p:sp>
+      <p:sp>
+        <p:nvSpPr>
+          <p:cNvPr id="14" name="타원 13">
+            <a:extLst>
+              <a:ext uri="{FF2B5EF4-FFF2-40B4-BE49-F238E27FC236}">
+                <a16:creationId xmlns:a16="http://schemas.microsoft.com/office/drawing/2014/main" id="{49E1805F-05C1-41DE-B4E3-F4D81A451D98}"/>
+              </a:ext>
+            </a:extLst>
+          </p:cNvPr>
+          <p:cNvSpPr/>
+          <p:nvPr/>
+        </p:nvSpPr>
+        <p:spPr>
+          <a:xfrm>
+            <a:off x="4067485" y="3881096"/>
+            <a:ext cx="169374" cy="159005"/>
+          </a:xfrm>
+          <a:prstGeom prst="ellipse">
+            <a:avLst/>
+          </a:prstGeom>
+          <a:solidFill>
+            <a:schemeClr val="bg2">
+              <a:lumMod val="50000"/>
+            </a:schemeClr>
+          </a:solidFill>
+          <a:effectLst>
+            <a:outerShdw blurRad="50800" dist="38100" dir="2700000" algn="tl" rotWithShape="0">
+              <a:prstClr val="black">
+                <a:alpha val="40000"/>
+              </a:prstClr>
+            </a:outerShdw>
+          </a:effectLst>
+        </p:spPr>
+        <p:style>
+          <a:lnRef idx="2">
+            <a:schemeClr val="accent5">
+              <a:shade val="50000"/>
+            </a:schemeClr>
+          </a:lnRef>
+          <a:fillRef idx="1">
+            <a:schemeClr val="accent5"/>
+          </a:fillRef>
+          <a:effectRef idx="0">
+            <a:schemeClr val="accent5"/>
+          </a:effectRef>
+          <a:fontRef idx="minor">
+            <a:schemeClr val="lt1"/>
+          </a:fontRef>
+        </p:style>
+        <p:txBody>
+          <a:bodyPr rtlCol="0" anchor="ctr"/>
+          <a:lstStyle/>
+          <a:p>
+            <a:pPr algn="ctr"/>
+            <a:endParaRPr lang="ko-KR" altLang="en-US"/>
+          </a:p>
+        </p:txBody>
+      </p:sp>
+      <p:sp>
+        <p:nvSpPr>
+          <p:cNvPr id="15" name="타원 14">
+            <a:extLst>
+              <a:ext uri="{FF2B5EF4-FFF2-40B4-BE49-F238E27FC236}">
+                <a16:creationId xmlns:a16="http://schemas.microsoft.com/office/drawing/2014/main" id="{7D3BD5CF-9003-422E-8980-C741C1B30EAA}"/>
+              </a:ext>
+            </a:extLst>
+          </p:cNvPr>
+          <p:cNvSpPr/>
+          <p:nvPr/>
+        </p:nvSpPr>
+        <p:spPr>
+          <a:xfrm>
+            <a:off x="3867214" y="3456933"/>
+            <a:ext cx="169374" cy="159005"/>
+          </a:xfrm>
+          <a:prstGeom prst="ellipse">
+            <a:avLst/>
+          </a:prstGeom>
+          <a:solidFill>
+            <a:schemeClr val="accent2">
+              <a:lumMod val="60000"/>
+              <a:lumOff val="40000"/>
+            </a:schemeClr>
+          </a:solidFill>
+          <a:effectLst>
+            <a:outerShdw blurRad="50800" dist="38100" dir="2700000" algn="tl" rotWithShape="0">
+              <a:prstClr val="black">
+                <a:alpha val="40000"/>
+              </a:prstClr>
+            </a:outerShdw>
+          </a:effectLst>
+        </p:spPr>
+        <p:style>
+          <a:lnRef idx="2">
+            <a:schemeClr val="accent5">
+              <a:shade val="50000"/>
+            </a:schemeClr>
+          </a:lnRef>
+          <a:fillRef idx="1">
+            <a:schemeClr val="accent5"/>
+          </a:fillRef>
+          <a:effectRef idx="0">
+            <a:schemeClr val="accent5"/>
+          </a:effectRef>
+          <a:fontRef idx="minor">
+            <a:schemeClr val="lt1"/>
+          </a:fontRef>
+        </p:style>
+        <p:txBody>
+          <a:bodyPr rtlCol="0" anchor="ctr"/>
+          <a:lstStyle/>
+          <a:p>
+            <a:pPr algn="ctr"/>
+            <a:endParaRPr lang="ko-KR" altLang="en-US"/>
+          </a:p>
+        </p:txBody>
+      </p:sp>
+      <p:sp>
+        <p:nvSpPr>
+          <p:cNvPr id="4" name="TextBox 3">
+            <a:extLst>
+              <a:ext uri="{FF2B5EF4-FFF2-40B4-BE49-F238E27FC236}">
+                <a16:creationId xmlns:a16="http://schemas.microsoft.com/office/drawing/2014/main" id="{8B571E76-BBC7-4A0E-A7C1-82FFF69FBEA3}"/>
+              </a:ext>
+            </a:extLst>
+          </p:cNvPr>
+          <p:cNvSpPr txBox="1"/>
+          <p:nvPr/>
+        </p:nvSpPr>
+        <p:spPr>
+          <a:xfrm>
+            <a:off x="3918373" y="4118799"/>
+            <a:ext cx="804036" cy="400110"/>
+          </a:xfrm>
+          <a:prstGeom prst="rect">
+            <a:avLst/>
+          </a:prstGeom>
+          <a:noFill/>
+        </p:spPr>
+        <p:txBody>
+          <a:bodyPr wrap="square" rtlCol="0">
+            <a:spAutoFit/>
+          </a:bodyPr>
+          <a:lstStyle/>
+          <a:p>
+            <a:pPr algn="ctr"/>
+            <a:r>
+              <a:rPr lang="en-US" altLang="ko-KR" sz="2000" dirty="0"/>
+              <a:t>View</a:t>
+            </a:r>
+            <a:endParaRPr lang="ko-KR" altLang="en-US" sz="2000" dirty="0"/>
+          </a:p>
+        </p:txBody>
+      </p:sp>
+      <p:sp>
+        <p:nvSpPr>
+          <p:cNvPr id="17" name="타원 16">
+            <a:extLst>
+              <a:ext uri="{FF2B5EF4-FFF2-40B4-BE49-F238E27FC236}">
+                <a16:creationId xmlns:a16="http://schemas.microsoft.com/office/drawing/2014/main" id="{5B9CD070-AD9E-496E-BBF4-1BCA68463F05}"/>
+              </a:ext>
+            </a:extLst>
+          </p:cNvPr>
+          <p:cNvSpPr/>
+          <p:nvPr/>
+        </p:nvSpPr>
+        <p:spPr>
+          <a:xfrm>
+            <a:off x="4245447" y="3303917"/>
+            <a:ext cx="169374" cy="159005"/>
+          </a:xfrm>
+          <a:prstGeom prst="ellipse">
+            <a:avLst/>
+          </a:prstGeom>
+          <a:solidFill>
+            <a:schemeClr val="accent2">
+              <a:lumMod val="40000"/>
+              <a:lumOff val="60000"/>
+            </a:schemeClr>
+          </a:solidFill>
+          <a:effectLst>
+            <a:outerShdw blurRad="50800" dist="38100" dir="2700000" algn="tl" rotWithShape="0">
+              <a:prstClr val="black">
+                <a:alpha val="40000"/>
+              </a:prstClr>
+            </a:outerShdw>
+          </a:effectLst>
+        </p:spPr>
+        <p:style>
+          <a:lnRef idx="2">
+            <a:schemeClr val="accent5">
+              <a:shade val="50000"/>
+            </a:schemeClr>
+          </a:lnRef>
+          <a:fillRef idx="1">
+            <a:schemeClr val="accent5"/>
+          </a:fillRef>
+          <a:effectRef idx="0">
+            <a:schemeClr val="accent5"/>
+          </a:effectRef>
+          <a:fontRef idx="minor">
+            <a:schemeClr val="lt1"/>
+          </a:fontRef>
+        </p:style>
+        <p:txBody>
+          <a:bodyPr rtlCol="0" anchor="ctr"/>
+          <a:lstStyle/>
+          <a:p>
+            <a:pPr algn="ctr"/>
+            <a:endParaRPr lang="ko-KR" altLang="en-US"/>
+          </a:p>
+        </p:txBody>
+      </p:sp>
+      <p:sp>
+        <p:nvSpPr>
+          <p:cNvPr id="18" name="타원 17">
+            <a:extLst>
+              <a:ext uri="{FF2B5EF4-FFF2-40B4-BE49-F238E27FC236}">
+                <a16:creationId xmlns:a16="http://schemas.microsoft.com/office/drawing/2014/main" id="{8D6C4D61-EF85-4DD3-9A70-3FF9516351DB}"/>
+              </a:ext>
+            </a:extLst>
+          </p:cNvPr>
+          <p:cNvSpPr/>
+          <p:nvPr/>
+        </p:nvSpPr>
+        <p:spPr>
+          <a:xfrm>
+            <a:off x="4335998" y="3906162"/>
+            <a:ext cx="169374" cy="159005"/>
+          </a:xfrm>
+          <a:prstGeom prst="ellipse">
+            <a:avLst/>
+          </a:prstGeom>
+          <a:solidFill>
+            <a:schemeClr val="accent5">
+              <a:lumMod val="40000"/>
+              <a:lumOff val="60000"/>
+            </a:schemeClr>
+          </a:solidFill>
+          <a:effectLst>
+            <a:outerShdw blurRad="50800" dist="38100" dir="2700000" algn="tl" rotWithShape="0">
+              <a:prstClr val="black">
+                <a:alpha val="40000"/>
+              </a:prstClr>
+            </a:outerShdw>
+          </a:effectLst>
+        </p:spPr>
+        <p:style>
+          <a:lnRef idx="2">
+            <a:schemeClr val="accent5">
+              <a:shade val="50000"/>
+            </a:schemeClr>
+          </a:lnRef>
+          <a:fillRef idx="1">
+            <a:schemeClr val="accent5"/>
+          </a:fillRef>
+          <a:effectRef idx="0">
+            <a:schemeClr val="accent5"/>
+          </a:effectRef>
+          <a:fontRef idx="minor">
+            <a:schemeClr val="lt1"/>
+          </a:fontRef>
+        </p:style>
+        <p:txBody>
+          <a:bodyPr rtlCol="0" anchor="ctr"/>
+          <a:lstStyle/>
+          <a:p>
+            <a:pPr algn="ctr"/>
+            <a:endParaRPr lang="ko-KR" altLang="en-US"/>
+          </a:p>
+        </p:txBody>
+      </p:sp>
+      <p:sp>
+        <p:nvSpPr>
+          <p:cNvPr id="19" name="TextBox 18">
+            <a:extLst>
+              <a:ext uri="{FF2B5EF4-FFF2-40B4-BE49-F238E27FC236}">
+                <a16:creationId xmlns:a16="http://schemas.microsoft.com/office/drawing/2014/main" id="{8DEF3B84-DC37-405B-A5A2-7D5FC2810DDC}"/>
+              </a:ext>
+            </a:extLst>
+          </p:cNvPr>
+          <p:cNvSpPr txBox="1"/>
+          <p:nvPr/>
+        </p:nvSpPr>
+        <p:spPr>
+          <a:xfrm>
+            <a:off x="7720447" y="4118799"/>
+            <a:ext cx="1035946" cy="400110"/>
+          </a:xfrm>
+          <a:prstGeom prst="rect">
+            <a:avLst/>
+          </a:prstGeom>
+          <a:noFill/>
+        </p:spPr>
+        <p:txBody>
+          <a:bodyPr wrap="square" rtlCol="0">
+            <a:spAutoFit/>
+          </a:bodyPr>
+          <a:lstStyle/>
+          <a:p>
+            <a:pPr algn="ctr"/>
+            <a:r>
+              <a:rPr lang="en-US" altLang="ko-KR" sz="2000" dirty="0"/>
+              <a:t>Model</a:t>
+            </a:r>
+            <a:endParaRPr lang="ko-KR" altLang="en-US" sz="2000" dirty="0"/>
+          </a:p>
+        </p:txBody>
+      </p:sp>
+      <p:sp>
+        <p:nvSpPr>
+          <p:cNvPr id="20" name="타원 19">
+            <a:extLst>
+              <a:ext uri="{FF2B5EF4-FFF2-40B4-BE49-F238E27FC236}">
+                <a16:creationId xmlns:a16="http://schemas.microsoft.com/office/drawing/2014/main" id="{E8531DD0-8188-4BBA-B335-04F90171D531}"/>
+              </a:ext>
+            </a:extLst>
+          </p:cNvPr>
+          <p:cNvSpPr/>
+          <p:nvPr/>
+        </p:nvSpPr>
+        <p:spPr>
+          <a:xfrm>
+            <a:off x="7651203" y="3041922"/>
+            <a:ext cx="1174435" cy="1102537"/>
+          </a:xfrm>
+          <a:prstGeom prst="ellipse">
+            <a:avLst/>
+          </a:prstGeom>
+          <a:solidFill>
+            <a:schemeClr val="accent5">
+              <a:lumMod val="40000"/>
+              <a:lumOff val="60000"/>
+            </a:schemeClr>
+          </a:solidFill>
+          <a:effectLst>
+            <a:outerShdw blurRad="50800" dist="38100" dir="2700000" algn="tl" rotWithShape="0">
+              <a:prstClr val="black">
+                <a:alpha val="40000"/>
+              </a:prstClr>
+            </a:outerShdw>
+          </a:effectLst>
+        </p:spPr>
+        <p:style>
+          <a:lnRef idx="2">
+            <a:schemeClr val="accent5">
+              <a:shade val="50000"/>
+            </a:schemeClr>
+          </a:lnRef>
+          <a:fillRef idx="1">
+            <a:schemeClr val="accent5"/>
+          </a:fillRef>
+          <a:effectRef idx="0">
+            <a:schemeClr val="accent5"/>
+          </a:effectRef>
+          <a:fontRef idx="minor">
+            <a:schemeClr val="lt1"/>
+          </a:fontRef>
+        </p:style>
+        <p:txBody>
+          <a:bodyPr rtlCol="0" anchor="ctr"/>
+          <a:lstStyle/>
+          <a:p>
+            <a:pPr algn="ctr"/>
+            <a:endParaRPr lang="ko-KR" altLang="en-US"/>
+          </a:p>
+        </p:txBody>
+      </p:sp>
+      <p:sp>
+        <p:nvSpPr>
+          <p:cNvPr id="22" name="TextBox 21">
+            <a:extLst>
+              <a:ext uri="{FF2B5EF4-FFF2-40B4-BE49-F238E27FC236}">
+                <a16:creationId xmlns:a16="http://schemas.microsoft.com/office/drawing/2014/main" id="{58B92679-5612-4B9B-B4D2-B13D07A0C1B4}"/>
+              </a:ext>
+            </a:extLst>
+          </p:cNvPr>
+          <p:cNvSpPr txBox="1"/>
+          <p:nvPr/>
+        </p:nvSpPr>
+        <p:spPr>
+          <a:xfrm>
+            <a:off x="5524759" y="2661578"/>
+            <a:ext cx="1668304" cy="400110"/>
+          </a:xfrm>
+          <a:prstGeom prst="rect">
+            <a:avLst/>
+          </a:prstGeom>
+          <a:noFill/>
+        </p:spPr>
+        <p:txBody>
+          <a:bodyPr wrap="square" rtlCol="0">
+            <a:spAutoFit/>
+          </a:bodyPr>
+          <a:lstStyle/>
+          <a:p>
+            <a:r>
+              <a:rPr lang="en-US" altLang="ko-KR" sz="2000" dirty="0" err="1"/>
+              <a:t>ViewModel</a:t>
+            </a:r>
+            <a:endParaRPr lang="ko-KR" altLang="en-US" sz="2000" dirty="0"/>
+          </a:p>
+        </p:txBody>
+      </p:sp>
+      <p:cxnSp>
+        <p:nvCxnSpPr>
+          <p:cNvPr id="24" name="직선 화살표 연결선 23">
+            <a:extLst>
+              <a:ext uri="{FF2B5EF4-FFF2-40B4-BE49-F238E27FC236}">
+                <a16:creationId xmlns:a16="http://schemas.microsoft.com/office/drawing/2014/main" id="{8F3D429D-5C1A-4B16-9E97-DD68BD8A0607}"/>
+              </a:ext>
+            </a:extLst>
+          </p:cNvPr>
+          <p:cNvCxnSpPr>
+            <a:cxnSpLocks/>
+          </p:cNvCxnSpPr>
+          <p:nvPr/>
+        </p:nvCxnSpPr>
+        <p:spPr>
+          <a:xfrm flipV="1">
+            <a:off x="4763445" y="2321589"/>
+            <a:ext cx="750475" cy="656890"/>
+          </a:xfrm>
+          <a:prstGeom prst="straightConnector1">
+            <a:avLst/>
+          </a:prstGeom>
+          <a:ln>
+            <a:tailEnd type="triangle"/>
+          </a:ln>
+        </p:spPr>
+        <p:style>
+          <a:lnRef idx="1">
+            <a:schemeClr val="accent1"/>
+          </a:lnRef>
+          <a:fillRef idx="0">
+            <a:schemeClr val="accent1"/>
+          </a:fillRef>
+          <a:effectRef idx="0">
+            <a:schemeClr val="accent1"/>
+          </a:effectRef>
+          <a:fontRef idx="minor">
+            <a:schemeClr val="tx1"/>
+          </a:fontRef>
+        </p:style>
+      </p:cxnSp>
+      <p:cxnSp>
+        <p:nvCxnSpPr>
+          <p:cNvPr id="30" name="직선 화살표 연결선 29">
+            <a:extLst>
+              <a:ext uri="{FF2B5EF4-FFF2-40B4-BE49-F238E27FC236}">
+                <a16:creationId xmlns:a16="http://schemas.microsoft.com/office/drawing/2014/main" id="{A4A1FC8C-1C9D-41A6-A2A5-D840F6354FDA}"/>
+              </a:ext>
+            </a:extLst>
+          </p:cNvPr>
+          <p:cNvCxnSpPr>
+            <a:cxnSpLocks/>
+          </p:cNvCxnSpPr>
+          <p:nvPr/>
+        </p:nvCxnSpPr>
+        <p:spPr>
+          <a:xfrm>
+            <a:off x="7122492" y="2321589"/>
+            <a:ext cx="694000" cy="681225"/>
+          </a:xfrm>
+          <a:prstGeom prst="straightConnector1">
+            <a:avLst/>
+          </a:prstGeom>
+          <a:ln>
+            <a:tailEnd type="triangle"/>
+          </a:ln>
+        </p:spPr>
+        <p:style>
+          <a:lnRef idx="1">
+            <a:schemeClr val="accent1"/>
+          </a:lnRef>
+          <a:fillRef idx="0">
+            <a:schemeClr val="accent1"/>
+          </a:fillRef>
+          <a:effectRef idx="0">
+            <a:schemeClr val="accent1"/>
+          </a:effectRef>
+          <a:fontRef idx="minor">
+            <a:schemeClr val="tx1"/>
+          </a:fontRef>
+        </p:style>
+      </p:cxnSp>
+      <p:cxnSp>
+        <p:nvCxnSpPr>
+          <p:cNvPr id="34" name="직선 화살표 연결선 33">
+            <a:extLst>
+              <a:ext uri="{FF2B5EF4-FFF2-40B4-BE49-F238E27FC236}">
+                <a16:creationId xmlns:a16="http://schemas.microsoft.com/office/drawing/2014/main" id="{6393121D-14DB-4CAA-9223-850B33209BC4}"/>
+              </a:ext>
+            </a:extLst>
+          </p:cNvPr>
+          <p:cNvCxnSpPr>
+            <a:cxnSpLocks/>
+          </p:cNvCxnSpPr>
+          <p:nvPr/>
+        </p:nvCxnSpPr>
+        <p:spPr>
+          <a:xfrm flipH="1" flipV="1">
+            <a:off x="6909172" y="2512867"/>
+            <a:ext cx="668787" cy="682592"/>
+          </a:xfrm>
+          <a:prstGeom prst="straightConnector1">
+            <a:avLst/>
+          </a:prstGeom>
+          <a:ln>
+            <a:tailEnd type="triangle"/>
+          </a:ln>
+        </p:spPr>
+        <p:style>
+          <a:lnRef idx="1">
+            <a:schemeClr val="accent1"/>
+          </a:lnRef>
+          <a:fillRef idx="0">
+            <a:schemeClr val="accent1"/>
+          </a:fillRef>
+          <a:effectRef idx="0">
+            <a:schemeClr val="accent1"/>
+          </a:effectRef>
+          <a:fontRef idx="minor">
+            <a:schemeClr val="tx1"/>
+          </a:fontRef>
+        </p:style>
+      </p:cxnSp>
+      <p:cxnSp>
+        <p:nvCxnSpPr>
+          <p:cNvPr id="50" name="직선 연결선 49">
+            <a:extLst>
+              <a:ext uri="{FF2B5EF4-FFF2-40B4-BE49-F238E27FC236}">
+                <a16:creationId xmlns:a16="http://schemas.microsoft.com/office/drawing/2014/main" id="{A7E35A7B-D29A-4065-AF0F-E83C0D5B5C7D}"/>
+              </a:ext>
+            </a:extLst>
+          </p:cNvPr>
+          <p:cNvCxnSpPr>
+            <a:cxnSpLocks/>
+          </p:cNvCxnSpPr>
+          <p:nvPr/>
+        </p:nvCxnSpPr>
+        <p:spPr>
+          <a:xfrm flipH="1">
+            <a:off x="4795726" y="2433451"/>
+            <a:ext cx="985749" cy="870466"/>
+          </a:xfrm>
+          <a:prstGeom prst="line">
+            <a:avLst/>
+          </a:prstGeom>
+          <a:ln w="9525" cap="flat" cmpd="sng" algn="ctr">
+            <a:solidFill>
+              <a:schemeClr val="accent1"/>
+            </a:solidFill>
+            <a:prstDash val="dash"/>
+            <a:round/>
+            <a:headEnd type="none" w="med" len="med"/>
+            <a:tailEnd type="none" w="med" len="med"/>
+          </a:ln>
+        </p:spPr>
+        <p:style>
+          <a:lnRef idx="0">
+            <a:scrgbClr r="0" g="0" b="0"/>
+          </a:lnRef>
+          <a:fillRef idx="0">
+            <a:scrgbClr r="0" g="0" b="0"/>
+          </a:fillRef>
+          <a:effectRef idx="0">
+            <a:scrgbClr r="0" g="0" b="0"/>
+          </a:effectRef>
+          <a:fontRef idx="minor">
+            <a:schemeClr val="tx1"/>
+          </a:fontRef>
+        </p:style>
+      </p:cxnSp>
+      <p:sp>
+        <p:nvSpPr>
+          <p:cNvPr id="55" name="TextBox 54">
+            <a:extLst>
+              <a:ext uri="{FF2B5EF4-FFF2-40B4-BE49-F238E27FC236}">
+                <a16:creationId xmlns:a16="http://schemas.microsoft.com/office/drawing/2014/main" id="{E56F060A-0782-45C0-9420-D0A2D9880A3B}"/>
+              </a:ext>
+            </a:extLst>
+          </p:cNvPr>
+          <p:cNvSpPr txBox="1"/>
+          <p:nvPr/>
+        </p:nvSpPr>
+        <p:spPr>
+          <a:xfrm>
+            <a:off x="2022941" y="5057152"/>
+            <a:ext cx="8394688" cy="956159"/>
+          </a:xfrm>
+          <a:prstGeom prst="rect">
+            <a:avLst/>
+          </a:prstGeom>
+          <a:noFill/>
+        </p:spPr>
+        <p:txBody>
+          <a:bodyPr wrap="square" rtlCol="0">
+            <a:spAutoFit/>
+          </a:bodyPr>
+          <a:lstStyle/>
+          <a:p>
+            <a:pPr algn="ctr">
+              <a:lnSpc>
+                <a:spcPct val="150000"/>
+              </a:lnSpc>
+            </a:pPr>
+            <a:r>
+              <a:rPr lang="en-US" altLang="ko-KR" sz="2000" dirty="0"/>
+              <a:t>View</a:t>
+            </a:r>
+            <a:r>
+              <a:rPr lang="ko-KR" altLang="en-US" sz="2000" dirty="0"/>
+              <a:t>를 추상화 하는 </a:t>
+            </a:r>
+            <a:r>
+              <a:rPr lang="en-US" altLang="ko-KR" sz="2000" dirty="0" err="1"/>
+              <a:t>ViewModel</a:t>
+            </a:r>
+            <a:r>
+              <a:rPr lang="ko-KR" altLang="en-US" sz="2000" dirty="0"/>
+              <a:t>의 존재로</a:t>
+            </a:r>
+            <a:endParaRPr lang="en-US" altLang="ko-KR" sz="2000" dirty="0"/>
+          </a:p>
+          <a:p>
+            <a:pPr algn="ctr">
+              <a:lnSpc>
+                <a:spcPct val="150000"/>
+              </a:lnSpc>
+            </a:pPr>
+            <a:r>
+              <a:rPr lang="ko-KR" altLang="en-US" sz="2000" dirty="0"/>
+              <a:t>모든 요소는 독립적이다</a:t>
+            </a:r>
+            <a:r>
+              <a:rPr lang="en-US" altLang="ko-KR" sz="2000" dirty="0"/>
+              <a:t>. (</a:t>
+            </a:r>
+            <a:r>
+              <a:rPr lang="ko-KR" altLang="en-US" sz="2000" dirty="0"/>
+              <a:t>의존관계가 없다</a:t>
+            </a:r>
+            <a:r>
+              <a:rPr lang="en-US" altLang="ko-KR" sz="2000" dirty="0"/>
+              <a:t>.)</a:t>
+            </a:r>
+            <a:endParaRPr lang="ko-KR" altLang="en-US" sz="2000" dirty="0"/>
+          </a:p>
+        </p:txBody>
+      </p:sp>
+    </p:spTree>
+    <p:extLst>
+      <p:ext uri="{BB962C8B-B14F-4D97-AF65-F5344CB8AC3E}">
+        <p14:creationId xmlns:p14="http://schemas.microsoft.com/office/powerpoint/2010/main" val="208558242"/>
+      </p:ext>
+    </p:extLst>
+  </p:cSld>
+  <p:clrMapOvr>
+    <a:masterClrMapping/>
+  </p:clrMapOvr>
+  <p:timing>
+    <p:tnLst>
+      <p:par>
+        <p:cTn id="1" dur="indefinite" restart="never" nodeType="tmRoot">
+          <p:childTnLst>
+            <p:seq concurrent="1" nextAc="seek">
+              <p:cTn id="2" dur="indefinite" nodeType="mainSeq">
+                <p:childTnLst>
+                  <p:par>
+                    <p:cTn id="3" fill="hold">
+                      <p:stCondLst>
+                        <p:cond delay="indefinite"/>
+                      </p:stCondLst>
+                      <p:childTnLst>
+                        <p:par>
+                          <p:cTn id="4" fill="hold">
+                            <p:stCondLst>
+                              <p:cond delay="0"/>
+                            </p:stCondLst>
+                            <p:childTnLst>
+                              <p:par>
+                                <p:cTn id="5" presetID="10" presetClass="entr" presetSubtype="0" fill="hold" nodeType="clickEffect">
+                                  <p:stCondLst>
+                                    <p:cond delay="0"/>
+                                  </p:stCondLst>
+                                  <p:childTnLst>
+                                    <p:set>
+                                      <p:cBhvr>
+                                        <p:cTn id="6" dur="1" fill="hold">
+                                          <p:stCondLst>
+                                            <p:cond delay="0"/>
+                                          </p:stCondLst>
+                                        </p:cTn>
+                                        <p:tgtEl>
+                                          <p:spTgt spid="24"/>
+                                        </p:tgtEl>
+                                        <p:attrNameLst>
+                                          <p:attrName>style.visibility</p:attrName>
+                                        </p:attrNameLst>
+                                      </p:cBhvr>
+                                      <p:to>
+                                        <p:strVal val="visible"/>
+                                      </p:to>
+                                    </p:set>
+                                    <p:animEffect transition="in" filter="fade">
+                                      <p:cBhvr>
+                                        <p:cTn id="7" dur="500"/>
+                                        <p:tgtEl>
+                                          <p:spTgt spid="24"/>
+                                        </p:tgtEl>
+                                      </p:cBhvr>
+                                    </p:animEffect>
+                                  </p:childTnLst>
+                                </p:cTn>
+                              </p:par>
+                            </p:childTnLst>
+                          </p:cTn>
+                        </p:par>
+                      </p:childTnLst>
+                    </p:cTn>
+                  </p:par>
+                  <p:par>
+                    <p:cTn id="8" fill="hold">
+                      <p:stCondLst>
+                        <p:cond delay="indefinite"/>
+                      </p:stCondLst>
+                      <p:childTnLst>
+                        <p:par>
+                          <p:cTn id="9" fill="hold">
+                            <p:stCondLst>
+                              <p:cond delay="0"/>
+                            </p:stCondLst>
+                            <p:childTnLst>
+                              <p:par>
+                                <p:cTn id="10" presetID="10" presetClass="entr" presetSubtype="0" fill="hold" nodeType="clickEffect">
+                                  <p:stCondLst>
+                                    <p:cond delay="0"/>
+                                  </p:stCondLst>
+                                  <p:childTnLst>
+                                    <p:set>
+                                      <p:cBhvr>
+                                        <p:cTn id="11" dur="1" fill="hold">
+                                          <p:stCondLst>
+                                            <p:cond delay="0"/>
+                                          </p:stCondLst>
+                                        </p:cTn>
+                                        <p:tgtEl>
+                                          <p:spTgt spid="30"/>
+                                        </p:tgtEl>
+                                        <p:attrNameLst>
+                                          <p:attrName>style.visibility</p:attrName>
+                                        </p:attrNameLst>
+                                      </p:cBhvr>
+                                      <p:to>
+                                        <p:strVal val="visible"/>
+                                      </p:to>
+                                    </p:set>
+                                    <p:animEffect transition="in" filter="fade">
+                                      <p:cBhvr>
+                                        <p:cTn id="12" dur="500"/>
+                                        <p:tgtEl>
+                                          <p:spTgt spid="30"/>
+                                        </p:tgtEl>
+                                      </p:cBhvr>
+                                    </p:animEffect>
+                                  </p:childTnLst>
+                                </p:cTn>
+                              </p:par>
+                            </p:childTnLst>
+                          </p:cTn>
+                        </p:par>
+                      </p:childTnLst>
+                    </p:cTn>
+                  </p:par>
+                  <p:par>
+                    <p:cTn id="13" fill="hold">
+                      <p:stCondLst>
+                        <p:cond delay="indefinite"/>
+                      </p:stCondLst>
+                      <p:childTnLst>
+                        <p:par>
+                          <p:cTn id="14" fill="hold">
+                            <p:stCondLst>
+                              <p:cond delay="0"/>
+                            </p:stCondLst>
+                            <p:childTnLst>
+                              <p:par>
+                                <p:cTn id="15" presetID="10" presetClass="entr" presetSubtype="0" fill="hold" nodeType="clickEffect">
+                                  <p:stCondLst>
+                                    <p:cond delay="0"/>
+                                  </p:stCondLst>
+                                  <p:childTnLst>
+                                    <p:set>
+                                      <p:cBhvr>
+                                        <p:cTn id="16" dur="1" fill="hold">
+                                          <p:stCondLst>
+                                            <p:cond delay="0"/>
+                                          </p:stCondLst>
+                                        </p:cTn>
+                                        <p:tgtEl>
+                                          <p:spTgt spid="34"/>
+                                        </p:tgtEl>
+                                        <p:attrNameLst>
+                                          <p:attrName>style.visibility</p:attrName>
+                                        </p:attrNameLst>
+                                      </p:cBhvr>
+                                      <p:to>
+                                        <p:strVal val="visible"/>
+                                      </p:to>
+                                    </p:set>
+                                    <p:animEffect transition="in" filter="fade">
+                                      <p:cBhvr>
+                                        <p:cTn id="17" dur="500"/>
+                                        <p:tgtEl>
+                                          <p:spTgt spid="34"/>
+                                        </p:tgtEl>
+                                      </p:cBhvr>
+                                    </p:animEffect>
+                                  </p:childTnLst>
+                                </p:cTn>
+                              </p:par>
+                            </p:childTnLst>
+                          </p:cTn>
+                        </p:par>
+                      </p:childTnLst>
+                    </p:cTn>
+                  </p:par>
+                  <p:par>
+                    <p:cTn id="18" fill="hold">
+                      <p:stCondLst>
+                        <p:cond delay="indefinite"/>
+                      </p:stCondLst>
+                      <p:childTnLst>
+                        <p:par>
+                          <p:cTn id="19" fill="hold">
+                            <p:stCondLst>
+                              <p:cond delay="0"/>
+                            </p:stCondLst>
+                            <p:childTnLst>
+                              <p:par>
+                                <p:cTn id="20" presetID="10" presetClass="entr" presetSubtype="0" fill="hold" nodeType="clickEffect">
+                                  <p:stCondLst>
+                                    <p:cond delay="0"/>
+                                  </p:stCondLst>
+                                  <p:childTnLst>
+                                    <p:set>
+                                      <p:cBhvr>
+                                        <p:cTn id="21" dur="1" fill="hold">
+                                          <p:stCondLst>
+                                            <p:cond delay="0"/>
+                                          </p:stCondLst>
+                                        </p:cTn>
+                                        <p:tgtEl>
+                                          <p:spTgt spid="50"/>
+                                        </p:tgtEl>
+                                        <p:attrNameLst>
+                                          <p:attrName>style.visibility</p:attrName>
+                                        </p:attrNameLst>
+                                      </p:cBhvr>
+                                      <p:to>
+                                        <p:strVal val="visible"/>
+                                      </p:to>
+                                    </p:set>
+                                    <p:animEffect transition="in" filter="fade">
+                                      <p:cBhvr>
+                                        <p:cTn id="22" dur="500"/>
+                                        <p:tgtEl>
+                                          <p:spTgt spid="50"/>
+                                        </p:tgtEl>
+                                      </p:cBhvr>
+                                    </p:animEffect>
+                                  </p:childTnLst>
+                                </p:cTn>
+                              </p:par>
+                            </p:childTnLst>
+                          </p:cTn>
+                        </p:par>
+                      </p:childTnLst>
+                    </p:cTn>
+                  </p:par>
+                  <p:par>
+                    <p:cTn id="23" fill="hold">
+                      <p:stCondLst>
+                        <p:cond delay="indefinite"/>
+                      </p:stCondLst>
+                      <p:childTnLst>
+                        <p:par>
+                          <p:cTn id="24" fill="hold">
+                            <p:stCondLst>
+                              <p:cond delay="0"/>
+                            </p:stCondLst>
+                            <p:childTnLst>
+                              <p:par>
+                                <p:cTn id="25" presetID="10" presetClass="entr" presetSubtype="0" fill="hold" grpId="0" nodeType="clickEffect">
+                                  <p:stCondLst>
+                                    <p:cond delay="0"/>
+                                  </p:stCondLst>
+                                  <p:childTnLst>
+                                    <p:set>
+                                      <p:cBhvr>
+                                        <p:cTn id="26" dur="1" fill="hold">
+                                          <p:stCondLst>
+                                            <p:cond delay="0"/>
+                                          </p:stCondLst>
+                                        </p:cTn>
+                                        <p:tgtEl>
+                                          <p:spTgt spid="55"/>
+                                        </p:tgtEl>
+                                        <p:attrNameLst>
+                                          <p:attrName>style.visibility</p:attrName>
+                                        </p:attrNameLst>
+                                      </p:cBhvr>
+                                      <p:to>
+                                        <p:strVal val="visible"/>
+                                      </p:to>
+                                    </p:set>
+                                    <p:animEffect transition="in" filter="fade">
+                                      <p:cBhvr>
+                                        <p:cTn id="27" dur="500"/>
+                                        <p:tgtEl>
+                                          <p:spTgt spid="55"/>
+                                        </p:tgtEl>
+                                      </p:cBhvr>
+                                    </p:animEffect>
+                                  </p:childTnLst>
+                                </p:cTn>
+                              </p:par>
+                            </p:childTnLst>
+                          </p:cTn>
+                        </p:par>
+                      </p:childTnLst>
+                    </p:cTn>
+                  </p:par>
+                </p:childTnLst>
+              </p:cTn>
+              <p:prevCondLst>
+                <p:cond evt="onPrev" delay="0">
+                  <p:tgtEl>
+                    <p:sldTgt/>
+                  </p:tgtEl>
+                </p:cond>
+              </p:prevCondLst>
+              <p:nextCondLst>
+                <p:cond evt="onNext" delay="0">
+                  <p:tgtEl>
+                    <p:sldTgt/>
+                  </p:tgtEl>
+                </p:cond>
+              </p:nextCondLst>
+            </p:seq>
+          </p:childTnLst>
+        </p:cTn>
+      </p:par>
+    </p:tnLst>
+    <p:bldLst>
+      <p:bldP spid="55" grpId="0"/>
+    </p:bldLst>
+  </p:timing>
+</p:sld>
+</file>
+
+<file path=ppt/slides/slide5.xml><?xml version="1.0" encoding="utf-8"?>
+<p:sld xmlns:a="http://schemas.openxmlformats.org/drawingml/2006/main" xmlns:r="http://schemas.openxmlformats.org/officeDocument/2006/relationships" xmlns:p="http://schemas.openxmlformats.org/presentationml/2006/main">
+  <p:cSld>
+    <p:spTree>
+      <p:nvGrpSpPr>
+        <p:cNvPr id="1" name=""/>
+        <p:cNvGrpSpPr/>
+        <p:nvPr/>
+      </p:nvGrpSpPr>
+      <p:grpSpPr>
+        <a:xfrm>
+          <a:off x="0" y="0"/>
+          <a:ext cx="0" cy="0"/>
+          <a:chOff x="0" y="0"/>
+          <a:chExt cx="0" cy="0"/>
+        </a:xfrm>
+      </p:grpSpPr>
+      <p:sp>
+        <p:nvSpPr>
+          <p:cNvPr id="5" name="직사각형 4">
+            <a:extLst>
+              <a:ext uri="{FF2B5EF4-FFF2-40B4-BE49-F238E27FC236}">
+                <a16:creationId xmlns:a16="http://schemas.microsoft.com/office/drawing/2014/main" id="{B3BCBC1E-0CFA-4F3B-97BB-2F3DDEE5953A}"/>
+              </a:ext>
+            </a:extLst>
+          </p:cNvPr>
+          <p:cNvSpPr/>
+          <p:nvPr/>
+        </p:nvSpPr>
+        <p:spPr>
+          <a:xfrm>
+            <a:off x="1586143" y="1020932"/>
+            <a:ext cx="9268287" cy="115409"/>
+          </a:xfrm>
+          <a:prstGeom prst="rect">
+            <a:avLst/>
+          </a:prstGeom>
+        </p:spPr>
+        <p:style>
+          <a:lnRef idx="2">
+            <a:schemeClr val="accent1">
+              <a:shade val="50000"/>
+            </a:schemeClr>
+          </a:lnRef>
+          <a:fillRef idx="1">
+            <a:schemeClr val="accent1"/>
+          </a:fillRef>
+          <a:effectRef idx="0">
+            <a:schemeClr val="accent1"/>
+          </a:effectRef>
+          <a:fontRef idx="minor">
+            <a:schemeClr val="lt1"/>
+          </a:fontRef>
+        </p:style>
+        <p:txBody>
+          <a:bodyPr rtlCol="0" anchor="ctr"/>
+          <a:lstStyle/>
+          <a:p>
+            <a:pPr algn="ctr"/>
+            <a:endParaRPr lang="ko-KR" altLang="en-US"/>
+          </a:p>
+        </p:txBody>
+      </p:sp>
+      <p:sp>
+        <p:nvSpPr>
+          <p:cNvPr id="6" name="TextBox 5">
+            <a:extLst>
+              <a:ext uri="{FF2B5EF4-FFF2-40B4-BE49-F238E27FC236}">
+                <a16:creationId xmlns:a16="http://schemas.microsoft.com/office/drawing/2014/main" id="{13DE9146-974D-4A67-B81D-30E88F3533C1}"/>
+              </a:ext>
+            </a:extLst>
+          </p:cNvPr>
+          <p:cNvSpPr txBox="1"/>
+          <p:nvPr/>
+        </p:nvSpPr>
+        <p:spPr>
+          <a:xfrm>
+            <a:off x="1704513" y="620822"/>
+            <a:ext cx="4330673" cy="400110"/>
+          </a:xfrm>
+          <a:prstGeom prst="rect">
+            <a:avLst/>
+          </a:prstGeom>
+          <a:noFill/>
+        </p:spPr>
+        <p:txBody>
+          <a:bodyPr wrap="none" rtlCol="0">
+            <a:spAutoFit/>
+          </a:bodyPr>
+          <a:lstStyle/>
+          <a:p>
+            <a:r>
+              <a:rPr lang="ko-KR" altLang="en-US" sz="2000" dirty="0"/>
+              <a:t>기존의 패턴</a:t>
+            </a:r>
+            <a:r>
+              <a:rPr lang="en-US" altLang="ko-KR" sz="2000" dirty="0"/>
+              <a:t>(MVC, MVP)</a:t>
+            </a:r>
+            <a:r>
+              <a:rPr lang="ko-KR" altLang="en-US" sz="2000" dirty="0"/>
+              <a:t>와의 차이점</a:t>
+            </a:r>
+            <a:endParaRPr lang="en-US" altLang="ko-KR" sz="2000" dirty="0"/>
+          </a:p>
+        </p:txBody>
+      </p:sp>
+      <p:sp>
+        <p:nvSpPr>
+          <p:cNvPr id="7" name="직사각형 6">
+            <a:extLst>
+              <a:ext uri="{FF2B5EF4-FFF2-40B4-BE49-F238E27FC236}">
+                <a16:creationId xmlns:a16="http://schemas.microsoft.com/office/drawing/2014/main" id="{ACFCB9A8-476D-4335-A145-26FDF2589B63}"/>
+              </a:ext>
+            </a:extLst>
+          </p:cNvPr>
+          <p:cNvSpPr/>
+          <p:nvPr/>
+        </p:nvSpPr>
+        <p:spPr>
+          <a:xfrm>
+            <a:off x="1586143" y="6121769"/>
+            <a:ext cx="9268287" cy="115409"/>
+          </a:xfrm>
+          <a:prstGeom prst="rect">
+            <a:avLst/>
+          </a:prstGeom>
+        </p:spPr>
+        <p:style>
+          <a:lnRef idx="2">
+            <a:schemeClr val="accent1">
+              <a:shade val="50000"/>
+            </a:schemeClr>
+          </a:lnRef>
+          <a:fillRef idx="1">
+            <a:schemeClr val="accent1"/>
+          </a:fillRef>
+          <a:effectRef idx="0">
+            <a:schemeClr val="accent1"/>
+          </a:effectRef>
+          <a:fontRef idx="minor">
+            <a:schemeClr val="lt1"/>
+          </a:fontRef>
+        </p:style>
+        <p:txBody>
+          <a:bodyPr rtlCol="0" anchor="ctr"/>
+          <a:lstStyle/>
+          <a:p>
+            <a:pPr algn="ctr"/>
+            <a:endParaRPr lang="ko-KR" altLang="en-US"/>
+          </a:p>
+        </p:txBody>
+      </p:sp>
+      <p:sp>
+        <p:nvSpPr>
+          <p:cNvPr id="4" name="TextBox 3">
+            <a:extLst>
+              <a:ext uri="{FF2B5EF4-FFF2-40B4-BE49-F238E27FC236}">
+                <a16:creationId xmlns:a16="http://schemas.microsoft.com/office/drawing/2014/main" id="{8B571E76-BBC7-4A0E-A7C1-82FFF69FBEA3}"/>
+              </a:ext>
+            </a:extLst>
+          </p:cNvPr>
+          <p:cNvSpPr txBox="1"/>
+          <p:nvPr/>
+        </p:nvSpPr>
+        <p:spPr>
+          <a:xfrm>
+            <a:off x="1760479" y="1469071"/>
+            <a:ext cx="8919607" cy="989053"/>
+          </a:xfrm>
+          <a:prstGeom prst="rect">
+            <a:avLst/>
+          </a:prstGeom>
+          <a:noFill/>
+        </p:spPr>
+        <p:txBody>
+          <a:bodyPr wrap="square" rtlCol="0">
+            <a:spAutoFit/>
+          </a:bodyPr>
+          <a:lstStyle/>
+          <a:p>
+            <a:pPr algn="ctr"/>
+            <a:r>
+              <a:rPr lang="en-US" altLang="ko-KR" sz="2800" b="1" dirty="0"/>
+              <a:t>MVC</a:t>
+            </a:r>
+            <a:endParaRPr lang="en-US" altLang="ko-KR" sz="2000" b="1" dirty="0"/>
+          </a:p>
+          <a:p>
+            <a:pPr marL="285750" indent="-285750">
+              <a:lnSpc>
+                <a:spcPct val="200000"/>
+              </a:lnSpc>
+              <a:buFont typeface="Arial" panose="020B0604020202020204" pitchFamily="34" charset="0"/>
+              <a:buChar char="•"/>
+            </a:pPr>
+            <a:r>
+              <a:rPr lang="en-US" altLang="ko-KR" dirty="0"/>
+              <a:t>View</a:t>
+            </a:r>
+            <a:r>
+              <a:rPr lang="ko-KR" altLang="en-US" dirty="0"/>
+              <a:t>가 </a:t>
+            </a:r>
+            <a:r>
+              <a:rPr lang="en-US" altLang="ko-KR" dirty="0"/>
+              <a:t>Model</a:t>
+            </a:r>
+            <a:r>
+              <a:rPr lang="ko-KR" altLang="en-US" dirty="0"/>
+              <a:t>에 의존적</a:t>
+            </a:r>
+            <a:r>
+              <a:rPr lang="en-US" altLang="ko-KR" dirty="0"/>
+              <a:t>.</a:t>
+            </a:r>
+          </a:p>
+        </p:txBody>
+      </p:sp>
+      <p:sp>
+        <p:nvSpPr>
+          <p:cNvPr id="10" name="TextBox 9">
+            <a:extLst>
+              <a:ext uri="{FF2B5EF4-FFF2-40B4-BE49-F238E27FC236}">
+                <a16:creationId xmlns:a16="http://schemas.microsoft.com/office/drawing/2014/main" id="{D9BCB60D-519F-4DAC-937D-CAA7D5DEC8EA}"/>
+              </a:ext>
+            </a:extLst>
+          </p:cNvPr>
+          <p:cNvSpPr txBox="1"/>
+          <p:nvPr/>
+        </p:nvSpPr>
+        <p:spPr>
+          <a:xfrm>
+            <a:off x="1629890" y="2620283"/>
+            <a:ext cx="9180787" cy="2148793"/>
+          </a:xfrm>
+          <a:prstGeom prst="rect">
+            <a:avLst/>
+          </a:prstGeom>
+          <a:noFill/>
+        </p:spPr>
+        <p:txBody>
+          <a:bodyPr wrap="square" rtlCol="0">
+            <a:spAutoFit/>
+          </a:bodyPr>
+          <a:lstStyle/>
+          <a:p>
+            <a:pPr algn="ctr"/>
+            <a:r>
+              <a:rPr lang="en-US" altLang="ko-KR" sz="2800" b="1" dirty="0"/>
+              <a:t>MVP</a:t>
+            </a:r>
+            <a:endParaRPr lang="en-US" altLang="ko-KR" sz="2000" b="1" dirty="0"/>
+          </a:p>
+          <a:p>
+            <a:pPr marL="285750" indent="-285750">
+              <a:lnSpc>
+                <a:spcPct val="200000"/>
+              </a:lnSpc>
+              <a:buFont typeface="Arial" panose="020B0604020202020204" pitchFamily="34" charset="0"/>
+              <a:buChar char="•"/>
+            </a:pPr>
+            <a:r>
+              <a:rPr lang="en-US" altLang="ko-KR" dirty="0"/>
+              <a:t>View</a:t>
+            </a:r>
+            <a:r>
+              <a:rPr lang="ko-KR" altLang="en-US" dirty="0"/>
+              <a:t>와 </a:t>
+            </a:r>
+            <a:r>
+              <a:rPr lang="en-US" altLang="ko-KR" dirty="0"/>
+              <a:t>Model</a:t>
+            </a:r>
+            <a:r>
+              <a:rPr lang="ko-KR" altLang="en-US" dirty="0"/>
+              <a:t>의 의존성은 해결되었지만 </a:t>
+            </a:r>
+            <a:r>
+              <a:rPr lang="en-US" altLang="ko-KR" dirty="0"/>
+              <a:t>View</a:t>
+            </a:r>
+            <a:r>
+              <a:rPr lang="ko-KR" altLang="en-US" dirty="0"/>
+              <a:t>와 </a:t>
+            </a:r>
+            <a:r>
+              <a:rPr lang="en-US" altLang="ko-KR" dirty="0"/>
+              <a:t>Presenter</a:t>
+            </a:r>
+            <a:r>
+              <a:rPr lang="ko-KR" altLang="en-US" dirty="0"/>
+              <a:t>가 강하게 의존</a:t>
+            </a:r>
+            <a:r>
+              <a:rPr lang="en-US" altLang="ko-KR" dirty="0"/>
+              <a:t>(1:1).</a:t>
+            </a:r>
+          </a:p>
+          <a:p>
+            <a:pPr marL="285750" indent="-285750">
+              <a:lnSpc>
+                <a:spcPct val="200000"/>
+              </a:lnSpc>
+              <a:buFont typeface="Arial" panose="020B0604020202020204" pitchFamily="34" charset="0"/>
+              <a:buChar char="•"/>
+            </a:pPr>
+            <a:r>
+              <a:rPr lang="ko-KR" altLang="en-US" dirty="0"/>
+              <a:t>또한 </a:t>
+            </a:r>
+            <a:r>
+              <a:rPr lang="en-US" altLang="ko-KR" dirty="0"/>
+              <a:t>1:1</a:t>
+            </a:r>
+            <a:r>
+              <a:rPr lang="ko-KR" altLang="en-US" dirty="0"/>
+              <a:t>관계라는 특성때문에 클래스의 수가 많아진다</a:t>
+            </a:r>
+            <a:r>
+              <a:rPr lang="en-US" altLang="ko-KR" dirty="0"/>
+              <a:t>.</a:t>
+            </a:r>
+          </a:p>
+          <a:p>
+            <a:pPr algn="ctr">
+              <a:lnSpc>
+                <a:spcPct val="200000"/>
+              </a:lnSpc>
+            </a:pPr>
+            <a:endParaRPr lang="en-US" altLang="ko-KR" sz="2000" dirty="0"/>
+          </a:p>
+        </p:txBody>
+      </p:sp>
+      <p:sp>
+        <p:nvSpPr>
+          <p:cNvPr id="12" name="TextBox 11">
+            <a:extLst>
+              <a:ext uri="{FF2B5EF4-FFF2-40B4-BE49-F238E27FC236}">
+                <a16:creationId xmlns:a16="http://schemas.microsoft.com/office/drawing/2014/main" id="{EFE7B2F7-2314-4E79-9EBE-345C5B1ED52D}"/>
+              </a:ext>
+            </a:extLst>
+          </p:cNvPr>
+          <p:cNvSpPr txBox="1"/>
+          <p:nvPr/>
+        </p:nvSpPr>
+        <p:spPr>
+          <a:xfrm>
+            <a:off x="1629890" y="4294017"/>
+            <a:ext cx="9268288" cy="1543051"/>
+          </a:xfrm>
+          <a:prstGeom prst="rect">
+            <a:avLst/>
+          </a:prstGeom>
+          <a:noFill/>
+        </p:spPr>
+        <p:txBody>
+          <a:bodyPr wrap="square" rtlCol="0">
+            <a:spAutoFit/>
+          </a:bodyPr>
+          <a:lstStyle/>
+          <a:p>
+            <a:pPr algn="ctr"/>
+            <a:r>
+              <a:rPr lang="en-US" altLang="ko-KR" sz="2800" b="1" dirty="0"/>
+              <a:t>MVVM</a:t>
+            </a:r>
+            <a:endParaRPr lang="en-US" altLang="ko-KR" sz="2000" b="1" dirty="0"/>
+          </a:p>
+          <a:p>
+            <a:pPr marL="285750" indent="-285750">
+              <a:lnSpc>
+                <a:spcPct val="200000"/>
+              </a:lnSpc>
+              <a:buFont typeface="Arial" panose="020B0604020202020204" pitchFamily="34" charset="0"/>
+              <a:buChar char="•"/>
+            </a:pPr>
+            <a:r>
+              <a:rPr lang="en-US" altLang="ko-KR" dirty="0"/>
+              <a:t>View</a:t>
+            </a:r>
+            <a:r>
+              <a:rPr lang="ko-KR" altLang="en-US" dirty="0"/>
+              <a:t>와 </a:t>
+            </a:r>
+            <a:r>
+              <a:rPr lang="en-US" altLang="ko-KR" dirty="0" err="1"/>
+              <a:t>ViewModel</a:t>
+            </a:r>
+            <a:r>
+              <a:rPr lang="ko-KR" altLang="en-US" dirty="0"/>
+              <a:t>간의 의존성은 데이터 바인딩과 </a:t>
+            </a:r>
+            <a:r>
+              <a:rPr lang="en-US" altLang="ko-KR" dirty="0"/>
+              <a:t>Command </a:t>
+            </a:r>
+            <a:r>
+              <a:rPr lang="ko-KR" altLang="en-US" dirty="0"/>
+              <a:t>디자인패턴으로 해결</a:t>
+            </a:r>
+            <a:r>
+              <a:rPr lang="en-US" altLang="ko-KR" dirty="0"/>
+              <a:t>. </a:t>
+            </a:r>
+          </a:p>
+          <a:p>
+            <a:pPr marL="285750" indent="-285750">
+              <a:lnSpc>
+                <a:spcPct val="200000"/>
+              </a:lnSpc>
+              <a:buFont typeface="Arial" panose="020B0604020202020204" pitchFamily="34" charset="0"/>
+              <a:buChar char="•"/>
+            </a:pPr>
+            <a:r>
+              <a:rPr lang="ko-KR" altLang="en-US" dirty="0"/>
+              <a:t>모든 요소가 독립적이기에 </a:t>
+            </a:r>
+            <a:r>
+              <a:rPr lang="en-US" altLang="ko-KR" dirty="0" err="1"/>
+              <a:t>ViewModel</a:t>
+            </a:r>
+            <a:r>
+              <a:rPr lang="ko-KR" altLang="en-US" dirty="0"/>
+              <a:t> 코드의 캡슐화와 재사용성이 높아진다</a:t>
+            </a:r>
+            <a:r>
+              <a:rPr lang="en-US" altLang="ko-KR" dirty="0"/>
+              <a:t>.</a:t>
+            </a:r>
+          </a:p>
+        </p:txBody>
+      </p:sp>
+    </p:spTree>
+    <p:extLst>
+      <p:ext uri="{BB962C8B-B14F-4D97-AF65-F5344CB8AC3E}">
+        <p14:creationId xmlns:p14="http://schemas.microsoft.com/office/powerpoint/2010/main" val="3723773077"/>
+      </p:ext>
+    </p:extLst>
+  </p:cSld>
+  <p:clrMapOvr>
+    <a:masterClrMapping/>
+  </p:clrMapOvr>
+  <p:timing>
+    <p:tnLst>
+      <p:par>
+        <p:cTn id="1" dur="indefinite" restart="never" nodeType="tmRoot">
+          <p:childTnLst>
+            <p:seq concurrent="1" nextAc="seek">
+              <p:cTn id="2" dur="indefinite" nodeType="mainSeq">
+                <p:childTnLst>
+                  <p:par>
+                    <p:cTn id="3" fill="hold">
+                      <p:stCondLst>
+                        <p:cond delay="indefinite"/>
+                      </p:stCondLst>
+                      <p:childTnLst>
+                        <p:par>
+                          <p:cTn id="4" fill="hold">
+                            <p:stCondLst>
+                              <p:cond delay="0"/>
+                            </p:stCondLst>
+                            <p:childTnLst>
+                              <p:par>
+                                <p:cTn id="5" presetID="10" presetClass="entr" presetSubtype="0" fill="hold" grpId="0" nodeType="clickEffect">
+                                  <p:stCondLst>
+                                    <p:cond delay="0"/>
+                                  </p:stCondLst>
+                                  <p:childTnLst>
+                                    <p:set>
+                                      <p:cBhvr>
+                                        <p:cTn id="6" dur="1" fill="hold">
+                                          <p:stCondLst>
+                                            <p:cond delay="0"/>
+                                          </p:stCondLst>
+                                        </p:cTn>
+                                        <p:tgtEl>
+                                          <p:spTgt spid="4"/>
+                                        </p:tgtEl>
+                                        <p:attrNameLst>
+                                          <p:attrName>style.visibility</p:attrName>
+                                        </p:attrNameLst>
+                                      </p:cBhvr>
+                                      <p:to>
+                                        <p:strVal val="visible"/>
+                                      </p:to>
+                                    </p:set>
+                                    <p:animEffect transition="in" filter="fade">
+                                      <p:cBhvr>
+                                        <p:cTn id="7" dur="500"/>
+                                        <p:tgtEl>
+                                          <p:spTgt spid="4"/>
+                                        </p:tgtEl>
+                                      </p:cBhvr>
+                                    </p:animEffect>
+                                  </p:childTnLst>
+                                </p:cTn>
+                              </p:par>
+                            </p:childTnLst>
+                          </p:cTn>
+                        </p:par>
+                      </p:childTnLst>
+                    </p:cTn>
+                  </p:par>
+                  <p:par>
+                    <p:cTn id="8" fill="hold">
+                      <p:stCondLst>
+                        <p:cond delay="indefinite"/>
+                      </p:stCondLst>
+                      <p:childTnLst>
+                        <p:par>
+                          <p:cTn id="9" fill="hold">
+                            <p:stCondLst>
+                              <p:cond delay="0"/>
+                            </p:stCondLst>
+                            <p:childTnLst>
+                              <p:par>
+                                <p:cTn id="10" presetID="10" presetClass="entr" presetSubtype="0" fill="hold" grpId="0" nodeType="clickEffect">
+                                  <p:stCondLst>
+                                    <p:cond delay="0"/>
+                                  </p:stCondLst>
+                                  <p:childTnLst>
+                                    <p:set>
+                                      <p:cBhvr>
+                                        <p:cTn id="11" dur="1" fill="hold">
+                                          <p:stCondLst>
+                                            <p:cond delay="0"/>
+                                          </p:stCondLst>
+                                        </p:cTn>
+                                        <p:tgtEl>
+                                          <p:spTgt spid="10"/>
+                                        </p:tgtEl>
+                                        <p:attrNameLst>
+                                          <p:attrName>style.visibility</p:attrName>
+                                        </p:attrNameLst>
+                                      </p:cBhvr>
+                                      <p:to>
+                                        <p:strVal val="visible"/>
+                                      </p:to>
+                                    </p:set>
+                                    <p:animEffect transition="in" filter="fade">
+                                      <p:cBhvr>
+                                        <p:cTn id="12" dur="500"/>
+                                        <p:tgtEl>
+                                          <p:spTgt spid="10"/>
+                                        </p:tgtEl>
+                                      </p:cBhvr>
+                                    </p:animEffect>
+                                  </p:childTnLst>
+                                </p:cTn>
+                              </p:par>
+                            </p:childTnLst>
+                          </p:cTn>
+                        </p:par>
+                      </p:childTnLst>
+                    </p:cTn>
+                  </p:par>
+                  <p:par>
+                    <p:cTn id="13" fill="hold">
+                      <p:stCondLst>
+                        <p:cond delay="indefinite"/>
+                      </p:stCondLst>
+                      <p:childTnLst>
+                        <p:par>
+                          <p:cTn id="14" fill="hold">
+                            <p:stCondLst>
+                              <p:cond delay="0"/>
+                            </p:stCondLst>
+                            <p:childTnLst>
+                              <p:par>
+                                <p:cTn id="15" presetID="10" presetClass="entr" presetSubtype="0" fill="hold" grpId="0" nodeType="clickEffect">
+                                  <p:stCondLst>
+                                    <p:cond delay="0"/>
+                                  </p:stCondLst>
+                                  <p:childTnLst>
+                                    <p:set>
+                                      <p:cBhvr>
+                                        <p:cTn id="16" dur="1" fill="hold">
+                                          <p:stCondLst>
+                                            <p:cond delay="0"/>
+                                          </p:stCondLst>
+                                        </p:cTn>
+                                        <p:tgtEl>
+                                          <p:spTgt spid="12"/>
+                                        </p:tgtEl>
+                                        <p:attrNameLst>
+                                          <p:attrName>style.visibility</p:attrName>
+                                        </p:attrNameLst>
+                                      </p:cBhvr>
+                                      <p:to>
+                                        <p:strVal val="visible"/>
+                                      </p:to>
+                                    </p:set>
+                                    <p:animEffect transition="in" filter="fade">
+                                      <p:cBhvr>
+                                        <p:cTn id="17" dur="500"/>
+                                        <p:tgtEl>
+                                          <p:spTgt spid="12"/>
+                                        </p:tgtEl>
+                                      </p:cBhvr>
+                                    </p:animEffect>
+                                  </p:childTnLst>
+                                </p:cTn>
+                              </p:par>
+                            </p:childTnLst>
+                          </p:cTn>
+                        </p:par>
+                      </p:childTnLst>
+                    </p:cTn>
+                  </p:par>
+                </p:childTnLst>
+              </p:cTn>
+              <p:prevCondLst>
+                <p:cond evt="onPrev" delay="0">
+                  <p:tgtEl>
+                    <p:sldTgt/>
+                  </p:tgtEl>
+                </p:cond>
+              </p:prevCondLst>
+              <p:nextCondLst>
+                <p:cond evt="onNext" delay="0">
+                  <p:tgtEl>
+                    <p:sldTgt/>
+                  </p:tgtEl>
+                </p:cond>
+              </p:nextCondLst>
+            </p:seq>
+          </p:childTnLst>
+        </p:cTn>
+      </p:par>
+    </p:tnLst>
+    <p:bldLst>
+      <p:bldP spid="4" grpId="0"/>
+      <p:bldP spid="10" grpId="0"/>
+      <p:bldP spid="12" grpId="0"/>
+    </p:bldLst>
+  </p:timing>
+</p:sld>
+</file>
+
+<file path=ppt/slides/slide6.xml><?xml version="1.0" encoding="utf-8"?>
+<p:sld xmlns:a="http://schemas.openxmlformats.org/drawingml/2006/main" xmlns:r="http://schemas.openxmlformats.org/officeDocument/2006/relationships" xmlns:p="http://schemas.openxmlformats.org/presentationml/2006/main">
+  <p:cSld>
+    <p:spTree>
+      <p:nvGrpSpPr>
+        <p:cNvPr id="1" name=""/>
+        <p:cNvGrpSpPr/>
+        <p:nvPr/>
+      </p:nvGrpSpPr>
+      <p:grpSpPr>
+        <a:xfrm>
+          <a:off x="0" y="0"/>
+          <a:ext cx="0" cy="0"/>
+          <a:chOff x="0" y="0"/>
+          <a:chExt cx="0" cy="0"/>
+        </a:xfrm>
+      </p:grpSpPr>
+      <p:sp>
+        <p:nvSpPr>
+          <p:cNvPr id="5" name="직사각형 4">
+            <a:extLst>
+              <a:ext uri="{FF2B5EF4-FFF2-40B4-BE49-F238E27FC236}">
+                <a16:creationId xmlns:a16="http://schemas.microsoft.com/office/drawing/2014/main" id="{B3BCBC1E-0CFA-4F3B-97BB-2F3DDEE5953A}"/>
+              </a:ext>
+            </a:extLst>
+          </p:cNvPr>
+          <p:cNvSpPr/>
+          <p:nvPr/>
+        </p:nvSpPr>
+        <p:spPr>
+          <a:xfrm>
+            <a:off x="1586143" y="1020932"/>
+            <a:ext cx="9268287" cy="115409"/>
+          </a:xfrm>
+          <a:prstGeom prst="rect">
+            <a:avLst/>
+          </a:prstGeom>
+        </p:spPr>
+        <p:style>
+          <a:lnRef idx="2">
+            <a:schemeClr val="accent1">
+              <a:shade val="50000"/>
+            </a:schemeClr>
+          </a:lnRef>
+          <a:fillRef idx="1">
+            <a:schemeClr val="accent1"/>
+          </a:fillRef>
+          <a:effectRef idx="0">
+            <a:schemeClr val="accent1"/>
+          </a:effectRef>
+          <a:fontRef idx="minor">
+            <a:schemeClr val="lt1"/>
+          </a:fontRef>
+        </p:style>
+        <p:txBody>
+          <a:bodyPr rtlCol="0" anchor="ctr"/>
+          <a:lstStyle/>
+          <a:p>
+            <a:pPr algn="ctr"/>
+            <a:endParaRPr lang="ko-KR" altLang="en-US"/>
+          </a:p>
+        </p:txBody>
+      </p:sp>
+      <p:sp>
+        <p:nvSpPr>
+          <p:cNvPr id="6" name="TextBox 5">
+            <a:extLst>
+              <a:ext uri="{FF2B5EF4-FFF2-40B4-BE49-F238E27FC236}">
+                <a16:creationId xmlns:a16="http://schemas.microsoft.com/office/drawing/2014/main" id="{13DE9146-974D-4A67-B81D-30E88F3533C1}"/>
+              </a:ext>
+            </a:extLst>
+          </p:cNvPr>
+          <p:cNvSpPr txBox="1"/>
+          <p:nvPr/>
+        </p:nvSpPr>
+        <p:spPr>
+          <a:xfrm>
+            <a:off x="1704513" y="620822"/>
+            <a:ext cx="2351926" cy="400110"/>
+          </a:xfrm>
+          <a:prstGeom prst="rect">
+            <a:avLst/>
+          </a:prstGeom>
+          <a:noFill/>
+        </p:spPr>
+        <p:txBody>
+          <a:bodyPr wrap="none" rtlCol="0">
+            <a:spAutoFit/>
+          </a:bodyPr>
+          <a:lstStyle/>
+          <a:p>
+            <a:r>
+              <a:rPr lang="en-US" altLang="ko-KR" sz="2000" dirty="0"/>
+              <a:t>MVVM</a:t>
+            </a:r>
+            <a:r>
+              <a:rPr lang="ko-KR" altLang="en-US" sz="2000" dirty="0"/>
+              <a:t>패턴의 단점</a:t>
+            </a:r>
+            <a:endParaRPr lang="en-US" altLang="ko-KR" sz="2000" dirty="0"/>
+          </a:p>
+        </p:txBody>
+      </p:sp>
+      <p:sp>
+        <p:nvSpPr>
+          <p:cNvPr id="7" name="직사각형 6">
+            <a:extLst>
+              <a:ext uri="{FF2B5EF4-FFF2-40B4-BE49-F238E27FC236}">
+                <a16:creationId xmlns:a16="http://schemas.microsoft.com/office/drawing/2014/main" id="{ACFCB9A8-476D-4335-A145-26FDF2589B63}"/>
+              </a:ext>
+            </a:extLst>
+          </p:cNvPr>
+          <p:cNvSpPr/>
+          <p:nvPr/>
+        </p:nvSpPr>
+        <p:spPr>
+          <a:xfrm>
+            <a:off x="1586143" y="6121769"/>
+            <a:ext cx="9268287" cy="115409"/>
+          </a:xfrm>
+          <a:prstGeom prst="rect">
+            <a:avLst/>
+          </a:prstGeom>
+        </p:spPr>
+        <p:style>
+          <a:lnRef idx="2">
+            <a:schemeClr val="accent1">
+              <a:shade val="50000"/>
+            </a:schemeClr>
+          </a:lnRef>
+          <a:fillRef idx="1">
+            <a:schemeClr val="accent1"/>
+          </a:fillRef>
+          <a:effectRef idx="0">
+            <a:schemeClr val="accent1"/>
+          </a:effectRef>
+          <a:fontRef idx="minor">
+            <a:schemeClr val="lt1"/>
+          </a:fontRef>
+        </p:style>
+        <p:txBody>
+          <a:bodyPr rtlCol="0" anchor="ctr"/>
+          <a:lstStyle/>
+          <a:p>
+            <a:pPr algn="ctr"/>
+            <a:endParaRPr lang="ko-KR" altLang="en-US"/>
+          </a:p>
+        </p:txBody>
+      </p:sp>
+      <p:sp>
+        <p:nvSpPr>
+          <p:cNvPr id="9" name="TextBox 8">
+            <a:extLst>
+              <a:ext uri="{FF2B5EF4-FFF2-40B4-BE49-F238E27FC236}">
+                <a16:creationId xmlns:a16="http://schemas.microsoft.com/office/drawing/2014/main" id="{6AA77773-68C4-47D9-B22D-ADABE4C44913}"/>
+              </a:ext>
+            </a:extLst>
+          </p:cNvPr>
+          <p:cNvSpPr txBox="1"/>
+          <p:nvPr/>
+        </p:nvSpPr>
+        <p:spPr>
+          <a:xfrm>
+            <a:off x="2003010" y="2811568"/>
+            <a:ext cx="6374524" cy="400110"/>
+          </a:xfrm>
+          <a:prstGeom prst="rect">
+            <a:avLst/>
+          </a:prstGeom>
+          <a:noFill/>
+        </p:spPr>
+        <p:txBody>
+          <a:bodyPr wrap="square" rtlCol="0">
+            <a:spAutoFit/>
+          </a:bodyPr>
+          <a:lstStyle/>
+          <a:p>
+            <a:pPr marL="342900" indent="-342900">
+              <a:buFont typeface="Arial" panose="020B0604020202020204" pitchFamily="34" charset="0"/>
+              <a:buChar char="•"/>
+            </a:pPr>
+            <a:r>
+              <a:rPr lang="ko-KR" altLang="en-US" sz="2000" dirty="0"/>
+              <a:t>데이터 바인딩이라는 기능의 구현이 필수적이다</a:t>
+            </a:r>
+            <a:r>
+              <a:rPr lang="en-US" altLang="ko-KR" sz="2000" dirty="0"/>
+              <a:t>.</a:t>
+            </a:r>
+            <a:endParaRPr lang="ko-KR" altLang="en-US" sz="2000" dirty="0"/>
+          </a:p>
+        </p:txBody>
+      </p:sp>
+      <p:sp>
+        <p:nvSpPr>
+          <p:cNvPr id="14" name="TextBox 13">
+            <a:extLst>
+              <a:ext uri="{FF2B5EF4-FFF2-40B4-BE49-F238E27FC236}">
+                <a16:creationId xmlns:a16="http://schemas.microsoft.com/office/drawing/2014/main" id="{9A7B38B6-05A0-444B-AA1E-0D47B4133939}"/>
+              </a:ext>
+            </a:extLst>
+          </p:cNvPr>
+          <p:cNvSpPr txBox="1"/>
+          <p:nvPr/>
+        </p:nvSpPr>
+        <p:spPr>
+          <a:xfrm>
+            <a:off x="2003009" y="3836631"/>
+            <a:ext cx="7971307" cy="609911"/>
+          </a:xfrm>
+          <a:prstGeom prst="rect">
+            <a:avLst/>
+          </a:prstGeom>
+          <a:noFill/>
+        </p:spPr>
+        <p:txBody>
+          <a:bodyPr wrap="square" rtlCol="0">
+            <a:spAutoFit/>
+          </a:bodyPr>
+          <a:lstStyle/>
+          <a:p>
+            <a:pPr marL="342900" indent="-342900">
+              <a:lnSpc>
+                <a:spcPct val="200000"/>
+              </a:lnSpc>
+              <a:buFont typeface="Arial" panose="020B0604020202020204" pitchFamily="34" charset="0"/>
+              <a:buChar char="•"/>
+            </a:pPr>
+            <a:r>
+              <a:rPr lang="en-US" altLang="ko-KR" sz="2000" dirty="0"/>
+              <a:t>View</a:t>
+            </a:r>
+            <a:r>
+              <a:rPr lang="ko-KR" altLang="en-US" sz="2000" dirty="0"/>
+              <a:t>에 대한 처리가 많아질수록 </a:t>
+            </a:r>
+            <a:r>
+              <a:rPr lang="en-US" altLang="ko-KR" sz="2000" dirty="0" err="1"/>
+              <a:t>ViewModel</a:t>
+            </a:r>
+            <a:r>
+              <a:rPr lang="ko-KR" altLang="en-US" sz="2000" dirty="0"/>
+              <a:t>이 거대해 진다</a:t>
+            </a:r>
+            <a:r>
+              <a:rPr lang="en-US" altLang="ko-KR" sz="2000" dirty="0"/>
+              <a:t>.</a:t>
+            </a:r>
+            <a:r>
+              <a:rPr lang="ko-KR" altLang="en-US" sz="2000" dirty="0"/>
+              <a:t> </a:t>
+            </a:r>
+          </a:p>
+        </p:txBody>
+      </p:sp>
+    </p:spTree>
+    <p:extLst>
+      <p:ext uri="{BB962C8B-B14F-4D97-AF65-F5344CB8AC3E}">
+        <p14:creationId xmlns:p14="http://schemas.microsoft.com/office/powerpoint/2010/main" val="1304813542"/>
+      </p:ext>
+    </p:extLst>
+  </p:cSld>
+  <p:clrMapOvr>
+    <a:masterClrMapping/>
+  </p:clrMapOvr>
+</p:sld>
+</file>
+
+<file path=ppt/slides/slide7.xml><?xml version="1.0" encoding="utf-8"?>
+<p:sld xmlns:a="http://schemas.openxmlformats.org/drawingml/2006/main" xmlns:r="http://schemas.openxmlformats.org/officeDocument/2006/relationships" xmlns:p="http://schemas.openxmlformats.org/presentationml/2006/main">
+  <p:cSld>
+    <p:spTree>
+      <p:nvGrpSpPr>
+        <p:cNvPr id="1" name=""/>
+        <p:cNvGrpSpPr/>
+        <p:nvPr/>
+      </p:nvGrpSpPr>
+      <p:grpSpPr>
+        <a:xfrm>
+          <a:off x="0" y="0"/>
+          <a:ext cx="0" cy="0"/>
+          <a:chOff x="0" y="0"/>
+          <a:chExt cx="0" cy="0"/>
+        </a:xfrm>
+      </p:grpSpPr>
+      <p:sp>
+        <p:nvSpPr>
+          <p:cNvPr id="5" name="직사각형 4">
+            <a:extLst>
+              <a:ext uri="{FF2B5EF4-FFF2-40B4-BE49-F238E27FC236}">
+                <a16:creationId xmlns:a16="http://schemas.microsoft.com/office/drawing/2014/main" id="{B3BCBC1E-0CFA-4F3B-97BB-2F3DDEE5953A}"/>
+              </a:ext>
+            </a:extLst>
+          </p:cNvPr>
+          <p:cNvSpPr/>
+          <p:nvPr/>
+        </p:nvSpPr>
+        <p:spPr>
+          <a:xfrm>
+            <a:off x="1586143" y="1020932"/>
+            <a:ext cx="9268287" cy="115409"/>
+          </a:xfrm>
+          <a:prstGeom prst="rect">
+            <a:avLst/>
+          </a:prstGeom>
+        </p:spPr>
+        <p:style>
+          <a:lnRef idx="2">
+            <a:schemeClr val="accent1">
+              <a:shade val="50000"/>
+            </a:schemeClr>
+          </a:lnRef>
+          <a:fillRef idx="1">
+            <a:schemeClr val="accent1"/>
+          </a:fillRef>
+          <a:effectRef idx="0">
+            <a:schemeClr val="accent1"/>
+          </a:effectRef>
+          <a:fontRef idx="minor">
+            <a:schemeClr val="lt1"/>
+          </a:fontRef>
+        </p:style>
+        <p:txBody>
+          <a:bodyPr rtlCol="0" anchor="ctr"/>
+          <a:lstStyle/>
+          <a:p>
+            <a:pPr algn="ctr"/>
+            <a:endParaRPr lang="ko-KR" altLang="en-US"/>
+          </a:p>
+        </p:txBody>
+      </p:sp>
+      <p:sp>
+        <p:nvSpPr>
+          <p:cNvPr id="6" name="TextBox 5">
+            <a:extLst>
+              <a:ext uri="{FF2B5EF4-FFF2-40B4-BE49-F238E27FC236}">
+                <a16:creationId xmlns:a16="http://schemas.microsoft.com/office/drawing/2014/main" id="{13DE9146-974D-4A67-B81D-30E88F3533C1}"/>
+              </a:ext>
+            </a:extLst>
+          </p:cNvPr>
+          <p:cNvSpPr txBox="1"/>
+          <p:nvPr/>
+        </p:nvSpPr>
+        <p:spPr>
+          <a:xfrm>
+            <a:off x="1704513" y="620822"/>
+            <a:ext cx="954107" cy="400110"/>
+          </a:xfrm>
+          <a:prstGeom prst="rect">
+            <a:avLst/>
+          </a:prstGeom>
+          <a:noFill/>
+        </p:spPr>
+        <p:txBody>
+          <a:bodyPr wrap="none" rtlCol="0">
+            <a:spAutoFit/>
+          </a:bodyPr>
+          <a:lstStyle/>
+          <a:p>
+            <a:r>
+              <a:rPr lang="ko-KR" altLang="en-US" sz="2000" dirty="0"/>
+              <a:t>마무리</a:t>
+            </a:r>
+            <a:endParaRPr lang="en-US" altLang="ko-KR" sz="2000" dirty="0"/>
+          </a:p>
+        </p:txBody>
+      </p:sp>
+      <p:sp>
+        <p:nvSpPr>
+          <p:cNvPr id="7" name="직사각형 6">
+            <a:extLst>
+              <a:ext uri="{FF2B5EF4-FFF2-40B4-BE49-F238E27FC236}">
+                <a16:creationId xmlns:a16="http://schemas.microsoft.com/office/drawing/2014/main" id="{ACFCB9A8-476D-4335-A145-26FDF2589B63}"/>
+              </a:ext>
+            </a:extLst>
+          </p:cNvPr>
+          <p:cNvSpPr/>
+          <p:nvPr/>
+        </p:nvSpPr>
+        <p:spPr>
+          <a:xfrm>
+            <a:off x="1586143" y="6121769"/>
+            <a:ext cx="9268287" cy="115409"/>
+          </a:xfrm>
+          <a:prstGeom prst="rect">
+            <a:avLst/>
+          </a:prstGeom>
+        </p:spPr>
+        <p:style>
+          <a:lnRef idx="2">
+            <a:schemeClr val="accent1">
+              <a:shade val="50000"/>
+            </a:schemeClr>
+          </a:lnRef>
+          <a:fillRef idx="1">
+            <a:schemeClr val="accent1"/>
+          </a:fillRef>
+          <a:effectRef idx="0">
+            <a:schemeClr val="accent1"/>
+          </a:effectRef>
+          <a:fontRef idx="minor">
+            <a:schemeClr val="lt1"/>
+          </a:fontRef>
+        </p:style>
+        <p:txBody>
+          <a:bodyPr rtlCol="0" anchor="ctr"/>
+          <a:lstStyle/>
+          <a:p>
+            <a:pPr algn="ctr"/>
+            <a:endParaRPr lang="ko-KR" altLang="en-US"/>
+          </a:p>
+        </p:txBody>
+      </p:sp>
+      <p:pic>
+        <p:nvPicPr>
+          <p:cNvPr id="3" name="그림 2">
+            <a:extLst>
+              <a:ext uri="{FF2B5EF4-FFF2-40B4-BE49-F238E27FC236}">
+                <a16:creationId xmlns:a16="http://schemas.microsoft.com/office/drawing/2014/main" id="{13E24E28-6A10-4B48-93CB-5F1EFB492416}"/>
+              </a:ext>
+            </a:extLst>
+          </p:cNvPr>
+          <p:cNvPicPr>
+            <a:picLocks noChangeAspect="1"/>
+          </p:cNvPicPr>
+          <p:nvPr/>
+        </p:nvPicPr>
+        <p:blipFill>
+          <a:blip r:embed="rId3">
+            <a:extLst>
+              <a:ext uri="{28A0092B-C50C-407E-A947-70E740481C1C}">
+                <a14:useLocalDpi xmlns:a14="http://schemas.microsoft.com/office/drawing/2010/main" val="0"/>
+              </a:ext>
+            </a:extLst>
+          </a:blip>
+          <a:stretch>
+            <a:fillRect/>
+          </a:stretch>
+        </p:blipFill>
+        <p:spPr>
+          <a:xfrm>
+            <a:off x="2082362" y="1928999"/>
+            <a:ext cx="8027276" cy="3565448"/>
+          </a:xfrm>
+          <a:prstGeom prst="rect">
+            <a:avLst/>
+          </a:prstGeom>
+        </p:spPr>
+      </p:pic>
+    </p:spTree>
+    <p:extLst>
+      <p:ext uri="{BB962C8B-B14F-4D97-AF65-F5344CB8AC3E}">
+        <p14:creationId xmlns:p14="http://schemas.microsoft.com/office/powerpoint/2010/main" val="3879659050"/>
       </p:ext>
     </p:extLst>
   </p:cSld>
@@ -4238,7 +7790,7 @@
 <file path=ppt/theme/theme1.xml><?xml version="1.0" encoding="utf-8"?>
 <a:theme xmlns:a="http://schemas.openxmlformats.org/drawingml/2006/main" name="Office 테마">
   <a:themeElements>
-    <a:clrScheme name="Office">
+    <a:clrScheme name="보라">
       <a:dk1>
         <a:sysClr val="windowText" lastClr="000000"/>
       </a:dk1>
@@ -4246,34 +7798,34 @@
         <a:sysClr val="window" lastClr="FFFFFF"/>
       </a:lt1>
       <a:dk2>
-        <a:srgbClr val="44546A"/>
+        <a:srgbClr val="373545"/>
       </a:dk2>
       <a:lt2>
-        <a:srgbClr val="E7E6E6"/>
+        <a:srgbClr val="DCD8DC"/>
       </a:lt2>
       <a:accent1>
-        <a:srgbClr val="4472C4"/>
+        <a:srgbClr val="AD84C6"/>
       </a:accent1>
       <a:accent2>
-        <a:srgbClr val="ED7D31"/>
+        <a:srgbClr val="8784C7"/>
       </a:accent2>
       <a:accent3>
-        <a:srgbClr val="A5A5A5"/>
+        <a:srgbClr val="5D739A"/>
       </a:accent3>
       <a:accent4>
-        <a:srgbClr val="FFC000"/>
+        <a:srgbClr val="6997AF"/>
       </a:accent4>
       <a:accent5>
-        <a:srgbClr val="5B9BD5"/>
+        <a:srgbClr val="84ACB6"/>
       </a:accent5>
       <a:accent6>
-        <a:srgbClr val="70AD47"/>
+        <a:srgbClr val="6F8183"/>
       </a:accent6>
       <a:hlink>
-        <a:srgbClr val="0563C1"/>
+        <a:srgbClr val="69A020"/>
       </a:hlink>
       <a:folHlink>
-        <a:srgbClr val="954F72"/>
+        <a:srgbClr val="8C8C8C"/>
       </a:folHlink>
     </a:clrScheme>
     <a:fontScheme name="Office">

--- a/Study/MVVM.pptx
+++ b/Study/MVVM.pptx
@@ -5,16 +5,17 @@
     <p:sldMasterId id="2147483648" r:id="rId1"/>
   </p:sldMasterIdLst>
   <p:notesMasterIdLst>
-    <p:notesMasterId r:id="rId9"/>
+    <p:notesMasterId r:id="rId10"/>
   </p:notesMasterIdLst>
   <p:sldIdLst>
     <p:sldId id="256" r:id="rId2"/>
-    <p:sldId id="260" r:id="rId3"/>
-    <p:sldId id="263" r:id="rId4"/>
-    <p:sldId id="261" r:id="rId5"/>
-    <p:sldId id="264" r:id="rId6"/>
-    <p:sldId id="265" r:id="rId7"/>
-    <p:sldId id="266" r:id="rId8"/>
+    <p:sldId id="263" r:id="rId3"/>
+    <p:sldId id="268" r:id="rId4"/>
+    <p:sldId id="260" r:id="rId5"/>
+    <p:sldId id="261" r:id="rId6"/>
+    <p:sldId id="264" r:id="rId7"/>
+    <p:sldId id="265" r:id="rId8"/>
+    <p:sldId id="266" r:id="rId9"/>
   </p:sldIdLst>
   <p:sldSz cx="12192000" cy="6858000"/>
   <p:notesSz cx="6858000" cy="9144000"/>
@@ -203,7 +204,7 @@
           <a:p>
             <a:fld id="{8DD9E706-E0BA-4FBD-AF15-9E3682821587}" type="datetimeFigureOut">
               <a:rPr lang="ko-KR" altLang="en-US" smtClean="0"/>
-              <a:t>2018-12-06</a:t>
+              <a:t>2018-12-07</a:t>
             </a:fld>
             <a:endParaRPr lang="ko-KR" altLang="en-US"/>
           </a:p>
@@ -639,7 +640,7 @@
     </p:spTree>
     <p:extLst>
       <p:ext uri="{BB962C8B-B14F-4D97-AF65-F5344CB8AC3E}">
-        <p14:creationId xmlns:p14="http://schemas.microsoft.com/office/powerpoint/2010/main" val="3298239588"/>
+        <p14:creationId xmlns:p14="http://schemas.microsoft.com/office/powerpoint/2010/main" val="1242402337"/>
       </p:ext>
     </p:extLst>
   </p:cSld>
@@ -734,7 +735,7 @@
     </p:spTree>
     <p:extLst>
       <p:ext uri="{BB962C8B-B14F-4D97-AF65-F5344CB8AC3E}">
-        <p14:creationId xmlns:p14="http://schemas.microsoft.com/office/powerpoint/2010/main" val="1242402337"/>
+        <p14:creationId xmlns:p14="http://schemas.microsoft.com/office/powerpoint/2010/main" val="1742287698"/>
       </p:ext>
     </p:extLst>
   </p:cSld>
@@ -791,42 +792,15 @@
             <a:pPr marL="0" indent="0">
               <a:buNone/>
             </a:pPr>
-            <a:r>
-              <a:rPr lang="en-US" altLang="ko-KR" sz="1200" b="0" i="0" kern="1200" dirty="0" err="1">
-                <a:solidFill>
-                  <a:schemeClr val="tx1"/>
-                </a:solidFill>
-                <a:effectLst/>
-                <a:latin typeface="+mn-lt"/>
-                <a:ea typeface="+mn-ea"/>
-                <a:cs typeface="+mn-cs"/>
-              </a:rPr>
-              <a:t>ViewModel</a:t>
-            </a:r>
-            <a:r>
-              <a:rPr lang="ko-KR" altLang="en-US" sz="1200" b="0" i="0" kern="1200" dirty="0">
-                <a:solidFill>
-                  <a:schemeClr val="tx1"/>
-                </a:solidFill>
-                <a:effectLst/>
-                <a:latin typeface="+mn-lt"/>
-                <a:ea typeface="+mn-ea"/>
-                <a:cs typeface="+mn-cs"/>
-              </a:rPr>
-              <a:t>은 추상적이다</a:t>
-            </a:r>
-            <a:r>
-              <a:rPr lang="en-US" altLang="ko-KR" sz="1200" b="0" i="0" kern="1200" dirty="0">
-                <a:solidFill>
-                  <a:schemeClr val="tx1"/>
-                </a:solidFill>
-                <a:effectLst/>
-                <a:latin typeface="+mn-lt"/>
-                <a:ea typeface="+mn-ea"/>
-                <a:cs typeface="+mn-cs"/>
-              </a:rPr>
-              <a:t>.</a:t>
-            </a:r>
+            <a:endParaRPr lang="en-US" altLang="ko-KR" sz="1200" b="0" i="0" kern="1200" dirty="0">
+              <a:solidFill>
+                <a:schemeClr val="tx1"/>
+              </a:solidFill>
+              <a:effectLst/>
+              <a:latin typeface="+mn-lt"/>
+              <a:ea typeface="+mn-ea"/>
+              <a:cs typeface="+mn-cs"/>
+            </a:endParaRPr>
           </a:p>
         </p:txBody>
       </p:sp>
@@ -856,7 +830,7 @@
     </p:spTree>
     <p:extLst>
       <p:ext uri="{BB962C8B-B14F-4D97-AF65-F5344CB8AC3E}">
-        <p14:creationId xmlns:p14="http://schemas.microsoft.com/office/powerpoint/2010/main" val="3261712177"/>
+        <p14:creationId xmlns:p14="http://schemas.microsoft.com/office/powerpoint/2010/main" val="3298239588"/>
       </p:ext>
     </p:extLst>
   </p:cSld>
@@ -913,15 +887,42 @@
             <a:pPr marL="0" indent="0">
               <a:buNone/>
             </a:pPr>
-            <a:endParaRPr lang="en-US" altLang="ko-KR" sz="1200" b="0" i="0" kern="1200" dirty="0">
-              <a:solidFill>
-                <a:schemeClr val="tx1"/>
-              </a:solidFill>
-              <a:effectLst/>
-              <a:latin typeface="+mn-lt"/>
-              <a:ea typeface="+mn-ea"/>
-              <a:cs typeface="+mn-cs"/>
-            </a:endParaRPr>
+            <a:r>
+              <a:rPr lang="en-US" altLang="ko-KR" sz="1200" b="0" i="0" kern="1200" dirty="0" err="1">
+                <a:solidFill>
+                  <a:schemeClr val="tx1"/>
+                </a:solidFill>
+                <a:effectLst/>
+                <a:latin typeface="+mn-lt"/>
+                <a:ea typeface="+mn-ea"/>
+                <a:cs typeface="+mn-cs"/>
+              </a:rPr>
+              <a:t>ViewModel</a:t>
+            </a:r>
+            <a:r>
+              <a:rPr lang="ko-KR" altLang="en-US" sz="1200" b="0" i="0" kern="1200" dirty="0">
+                <a:solidFill>
+                  <a:schemeClr val="tx1"/>
+                </a:solidFill>
+                <a:effectLst/>
+                <a:latin typeface="+mn-lt"/>
+                <a:ea typeface="+mn-ea"/>
+                <a:cs typeface="+mn-cs"/>
+              </a:rPr>
+              <a:t>은 추상적이다</a:t>
+            </a:r>
+            <a:r>
+              <a:rPr lang="en-US" altLang="ko-KR" sz="1200" b="0" i="0" kern="1200" dirty="0">
+                <a:solidFill>
+                  <a:schemeClr val="tx1"/>
+                </a:solidFill>
+                <a:effectLst/>
+                <a:latin typeface="+mn-lt"/>
+                <a:ea typeface="+mn-ea"/>
+                <a:cs typeface="+mn-cs"/>
+              </a:rPr>
+              <a:t>.</a:t>
+            </a:r>
           </a:p>
         </p:txBody>
       </p:sp>
@@ -951,7 +952,7 @@
     </p:spTree>
     <p:extLst>
       <p:ext uri="{BB962C8B-B14F-4D97-AF65-F5344CB8AC3E}">
-        <p14:creationId xmlns:p14="http://schemas.microsoft.com/office/powerpoint/2010/main" val="807260457"/>
+        <p14:creationId xmlns:p14="http://schemas.microsoft.com/office/powerpoint/2010/main" val="3261712177"/>
       </p:ext>
     </p:extLst>
   </p:cSld>
@@ -1046,7 +1047,7 @@
     </p:spTree>
     <p:extLst>
       <p:ext uri="{BB962C8B-B14F-4D97-AF65-F5344CB8AC3E}">
-        <p14:creationId xmlns:p14="http://schemas.microsoft.com/office/powerpoint/2010/main" val="1832562040"/>
+        <p14:creationId xmlns:p14="http://schemas.microsoft.com/office/powerpoint/2010/main" val="807260457"/>
       </p:ext>
     </p:extLst>
   </p:cSld>
@@ -1133,6 +1134,101 @@
             <a:fld id="{AF4B4130-2D9F-4E6D-9707-8718AD09D43C}" type="slidenum">
               <a:rPr lang="ko-KR" altLang="en-US" smtClean="0"/>
               <a:t>7</a:t>
+            </a:fld>
+            <a:endParaRPr lang="ko-KR" altLang="en-US"/>
+          </a:p>
+        </p:txBody>
+      </p:sp>
+    </p:spTree>
+    <p:extLst>
+      <p:ext uri="{BB962C8B-B14F-4D97-AF65-F5344CB8AC3E}">
+        <p14:creationId xmlns:p14="http://schemas.microsoft.com/office/powerpoint/2010/main" val="1832562040"/>
+      </p:ext>
+    </p:extLst>
+  </p:cSld>
+  <p:clrMapOvr>
+    <a:masterClrMapping/>
+  </p:clrMapOvr>
+</p:notes>
+</file>
+
+<file path=ppt/notesSlides/notesSlide8.xml><?xml version="1.0" encoding="utf-8"?>
+<p:notes xmlns:a="http://schemas.openxmlformats.org/drawingml/2006/main" xmlns:r="http://schemas.openxmlformats.org/officeDocument/2006/relationships" xmlns:p="http://schemas.openxmlformats.org/presentationml/2006/main">
+  <p:cSld>
+    <p:spTree>
+      <p:nvGrpSpPr>
+        <p:cNvPr id="1" name=""/>
+        <p:cNvGrpSpPr/>
+        <p:nvPr/>
+      </p:nvGrpSpPr>
+      <p:grpSpPr>
+        <a:xfrm>
+          <a:off x="0" y="0"/>
+          <a:ext cx="0" cy="0"/>
+          <a:chOff x="0" y="0"/>
+          <a:chExt cx="0" cy="0"/>
+        </a:xfrm>
+      </p:grpSpPr>
+      <p:sp>
+        <p:nvSpPr>
+          <p:cNvPr id="2" name="슬라이드 이미지 개체 틀 1"/>
+          <p:cNvSpPr>
+            <a:spLocks noGrp="1" noRot="1" noChangeAspect="1"/>
+          </p:cNvSpPr>
+          <p:nvPr>
+            <p:ph type="sldImg"/>
+          </p:nvPr>
+        </p:nvSpPr>
+        <p:spPr/>
+      </p:sp>
+      <p:sp>
+        <p:nvSpPr>
+          <p:cNvPr id="3" name="슬라이드 노트 개체 틀 2"/>
+          <p:cNvSpPr>
+            <a:spLocks noGrp="1"/>
+          </p:cNvSpPr>
+          <p:nvPr>
+            <p:ph type="body" idx="1"/>
+          </p:nvPr>
+        </p:nvSpPr>
+        <p:spPr/>
+        <p:txBody>
+          <a:bodyPr/>
+          <a:lstStyle/>
+          <a:p>
+            <a:pPr marL="0" indent="0">
+              <a:buNone/>
+            </a:pPr>
+            <a:endParaRPr lang="en-US" altLang="ko-KR" sz="1200" b="0" i="0" kern="1200" dirty="0">
+              <a:solidFill>
+                <a:schemeClr val="tx1"/>
+              </a:solidFill>
+              <a:effectLst/>
+              <a:latin typeface="+mn-lt"/>
+              <a:ea typeface="+mn-ea"/>
+              <a:cs typeface="+mn-cs"/>
+            </a:endParaRPr>
+          </a:p>
+        </p:txBody>
+      </p:sp>
+      <p:sp>
+        <p:nvSpPr>
+          <p:cNvPr id="4" name="슬라이드 번호 개체 틀 3"/>
+          <p:cNvSpPr>
+            <a:spLocks noGrp="1"/>
+          </p:cNvSpPr>
+          <p:nvPr>
+            <p:ph type="sldNum" sz="quarter" idx="5"/>
+          </p:nvPr>
+        </p:nvSpPr>
+        <p:spPr/>
+        <p:txBody>
+          <a:bodyPr/>
+          <a:lstStyle/>
+          <a:p>
+            <a:fld id="{AF4B4130-2D9F-4E6D-9707-8718AD09D43C}" type="slidenum">
+              <a:rPr lang="ko-KR" altLang="en-US" smtClean="0"/>
+              <a:t>8</a:t>
             </a:fld>
             <a:endParaRPr lang="ko-KR" altLang="en-US"/>
           </a:p>
@@ -1298,7 +1394,7 @@
           <a:p>
             <a:fld id="{46A2558D-9475-4DD4-8F32-96381613298F}" type="datetimeFigureOut">
               <a:rPr lang="ko-KR" altLang="en-US" smtClean="0"/>
-              <a:t>2018-12-06</a:t>
+              <a:t>2018-12-07</a:t>
             </a:fld>
             <a:endParaRPr lang="ko-KR" altLang="en-US"/>
           </a:p>
@@ -1496,7 +1592,7 @@
           <a:p>
             <a:fld id="{46A2558D-9475-4DD4-8F32-96381613298F}" type="datetimeFigureOut">
               <a:rPr lang="ko-KR" altLang="en-US" smtClean="0"/>
-              <a:t>2018-12-06</a:t>
+              <a:t>2018-12-07</a:t>
             </a:fld>
             <a:endParaRPr lang="ko-KR" altLang="en-US"/>
           </a:p>
@@ -1704,7 +1800,7 @@
           <a:p>
             <a:fld id="{46A2558D-9475-4DD4-8F32-96381613298F}" type="datetimeFigureOut">
               <a:rPr lang="ko-KR" altLang="en-US" smtClean="0"/>
-              <a:t>2018-12-06</a:t>
+              <a:t>2018-12-07</a:t>
             </a:fld>
             <a:endParaRPr lang="ko-KR" altLang="en-US"/>
           </a:p>
@@ -1902,7 +1998,7 @@
           <a:p>
             <a:fld id="{46A2558D-9475-4DD4-8F32-96381613298F}" type="datetimeFigureOut">
               <a:rPr lang="ko-KR" altLang="en-US" smtClean="0"/>
-              <a:t>2018-12-06</a:t>
+              <a:t>2018-12-07</a:t>
             </a:fld>
             <a:endParaRPr lang="ko-KR" altLang="en-US"/>
           </a:p>
@@ -2177,7 +2273,7 @@
           <a:p>
             <a:fld id="{46A2558D-9475-4DD4-8F32-96381613298F}" type="datetimeFigureOut">
               <a:rPr lang="ko-KR" altLang="en-US" smtClean="0"/>
-              <a:t>2018-12-06</a:t>
+              <a:t>2018-12-07</a:t>
             </a:fld>
             <a:endParaRPr lang="ko-KR" altLang="en-US"/>
           </a:p>
@@ -2442,7 +2538,7 @@
           <a:p>
             <a:fld id="{46A2558D-9475-4DD4-8F32-96381613298F}" type="datetimeFigureOut">
               <a:rPr lang="ko-KR" altLang="en-US" smtClean="0"/>
-              <a:t>2018-12-06</a:t>
+              <a:t>2018-12-07</a:t>
             </a:fld>
             <a:endParaRPr lang="ko-KR" altLang="en-US"/>
           </a:p>
@@ -2854,7 +2950,7 @@
           <a:p>
             <a:fld id="{46A2558D-9475-4DD4-8F32-96381613298F}" type="datetimeFigureOut">
               <a:rPr lang="ko-KR" altLang="en-US" smtClean="0"/>
-              <a:t>2018-12-06</a:t>
+              <a:t>2018-12-07</a:t>
             </a:fld>
             <a:endParaRPr lang="ko-KR" altLang="en-US"/>
           </a:p>
@@ -2995,7 +3091,7 @@
           <a:p>
             <a:fld id="{46A2558D-9475-4DD4-8F32-96381613298F}" type="datetimeFigureOut">
               <a:rPr lang="ko-KR" altLang="en-US" smtClean="0"/>
-              <a:t>2018-12-06</a:t>
+              <a:t>2018-12-07</a:t>
             </a:fld>
             <a:endParaRPr lang="ko-KR" altLang="en-US"/>
           </a:p>
@@ -3108,7 +3204,7 @@
           <a:p>
             <a:fld id="{46A2558D-9475-4DD4-8F32-96381613298F}" type="datetimeFigureOut">
               <a:rPr lang="ko-KR" altLang="en-US" smtClean="0"/>
-              <a:t>2018-12-06</a:t>
+              <a:t>2018-12-07</a:t>
             </a:fld>
             <a:endParaRPr lang="ko-KR" altLang="en-US"/>
           </a:p>
@@ -3419,7 +3515,7 @@
           <a:p>
             <a:fld id="{46A2558D-9475-4DD4-8F32-96381613298F}" type="datetimeFigureOut">
               <a:rPr lang="ko-KR" altLang="en-US" smtClean="0"/>
-              <a:t>2018-12-06</a:t>
+              <a:t>2018-12-07</a:t>
             </a:fld>
             <a:endParaRPr lang="ko-KR" altLang="en-US"/>
           </a:p>
@@ -3707,7 +3803,7 @@
           <a:p>
             <a:fld id="{46A2558D-9475-4DD4-8F32-96381613298F}" type="datetimeFigureOut">
               <a:rPr lang="ko-KR" altLang="en-US" smtClean="0"/>
-              <a:t>2018-12-06</a:t>
+              <a:t>2018-12-07</a:t>
             </a:fld>
             <a:endParaRPr lang="ko-KR" altLang="en-US"/>
           </a:p>
@@ -3948,7 +4044,7 @@
           <a:p>
             <a:fld id="{46A2558D-9475-4DD4-8F32-96381613298F}" type="datetimeFigureOut">
               <a:rPr lang="ko-KR" altLang="en-US" smtClean="0"/>
-              <a:t>2018-12-06</a:t>
+              <a:t>2018-12-07</a:t>
             </a:fld>
             <a:endParaRPr lang="ko-KR" altLang="en-US"/>
           </a:p>
@@ -4581,7 +4677,7 @@
         <p:spPr>
           <a:xfrm>
             <a:off x="1704513" y="620822"/>
-            <a:ext cx="2099934" cy="400110"/>
+            <a:ext cx="1894749" cy="400110"/>
           </a:xfrm>
           <a:prstGeom prst="rect">
             <a:avLst/>
@@ -4596,7 +4692,7 @@
           <a:p>
             <a:r>
               <a:rPr lang="en-US" altLang="ko-KR" sz="2000" dirty="0"/>
-              <a:t>MVVM Pattern ?</a:t>
+              <a:t>Design Pattern</a:t>
             </a:r>
           </a:p>
         </p:txBody>
@@ -4649,10 +4745,10 @@
       </p:sp>
       <p:sp>
         <p:nvSpPr>
-          <p:cNvPr id="4" name="TextBox 3">
-            <a:extLst>
-              <a:ext uri="{FF2B5EF4-FFF2-40B4-BE49-F238E27FC236}">
-                <a16:creationId xmlns:a16="http://schemas.microsoft.com/office/drawing/2014/main" id="{8B571E76-BBC7-4A0E-A7C1-82FFF69FBEA3}"/>
+          <p:cNvPr id="12" name="TextBox 11">
+            <a:extLst>
+              <a:ext uri="{FF2B5EF4-FFF2-40B4-BE49-F238E27FC236}">
+                <a16:creationId xmlns:a16="http://schemas.microsoft.com/office/drawing/2014/main" id="{793CE4B7-E01B-4718-A5C6-38E3702708CE}"/>
               </a:ext>
             </a:extLst>
           </p:cNvPr>
@@ -4661,8 +4757,8 @@
         </p:nvSpPr>
         <p:spPr>
           <a:xfrm>
-            <a:off x="1704513" y="3400301"/>
-            <a:ext cx="8919607" cy="400110"/>
+            <a:off x="1952055" y="3452577"/>
+            <a:ext cx="8711821" cy="400110"/>
           </a:xfrm>
           <a:prstGeom prst="rect">
             <a:avLst/>
@@ -4678,343 +4774,12 @@
             <a:pPr algn="ctr"/>
             <a:r>
               <a:rPr lang="en-US" altLang="ko-KR" sz="2000" dirty="0"/>
-              <a:t>MVC, MVP </a:t>
+              <a:t>OOP</a:t>
             </a:r>
             <a:r>
               <a:rPr lang="ko-KR" altLang="en-US" sz="2000" dirty="0"/>
-              <a:t>패턴의 단점을 보완한                </a:t>
-            </a:r>
-            <a:r>
-              <a:rPr lang="en-US" altLang="ko-KR" sz="2000" dirty="0"/>
-              <a:t>  .</a:t>
-            </a:r>
-            <a:endParaRPr lang="ko-KR" altLang="en-US" sz="2000" dirty="0"/>
-          </a:p>
-        </p:txBody>
-      </p:sp>
-      <p:sp>
-        <p:nvSpPr>
-          <p:cNvPr id="23" name="TextBox 22">
-            <a:extLst>
-              <a:ext uri="{FF2B5EF4-FFF2-40B4-BE49-F238E27FC236}">
-                <a16:creationId xmlns:a16="http://schemas.microsoft.com/office/drawing/2014/main" id="{AF7118C7-97B4-4831-90D5-90E74862564E}"/>
-              </a:ext>
-            </a:extLst>
-          </p:cNvPr>
-          <p:cNvSpPr txBox="1"/>
-          <p:nvPr/>
-        </p:nvSpPr>
-        <p:spPr>
-          <a:xfrm>
-            <a:off x="7294181" y="3092525"/>
-            <a:ext cx="1542264" cy="707886"/>
-          </a:xfrm>
-          <a:prstGeom prst="rect">
-            <a:avLst/>
-          </a:prstGeom>
-          <a:noFill/>
-        </p:spPr>
-        <p:txBody>
-          <a:bodyPr wrap="square" rtlCol="0">
-            <a:spAutoFit/>
-          </a:bodyPr>
-          <a:lstStyle/>
-          <a:p>
-            <a:pPr algn="ctr"/>
-            <a:r>
-              <a:rPr lang="en-US" altLang="ko-KR" sz="2000" b="1" dirty="0"/>
-              <a:t>                                             </a:t>
-            </a:r>
-            <a:r>
-              <a:rPr lang="ko-KR" altLang="en-US" sz="2000" b="1" dirty="0"/>
-              <a:t>디자인패턴</a:t>
-            </a:r>
-          </a:p>
-        </p:txBody>
-      </p:sp>
-    </p:spTree>
-    <p:extLst>
-      <p:ext uri="{BB962C8B-B14F-4D97-AF65-F5344CB8AC3E}">
-        <p14:creationId xmlns:p14="http://schemas.microsoft.com/office/powerpoint/2010/main" val="1845806087"/>
-      </p:ext>
-    </p:extLst>
-  </p:cSld>
-  <p:clrMapOvr>
-    <a:masterClrMapping/>
-  </p:clrMapOvr>
-</p:sld>
-</file>
-
-<file path=ppt/slides/slide3.xml><?xml version="1.0" encoding="utf-8"?>
-<p:sld xmlns:a="http://schemas.openxmlformats.org/drawingml/2006/main" xmlns:r="http://schemas.openxmlformats.org/officeDocument/2006/relationships" xmlns:p="http://schemas.openxmlformats.org/presentationml/2006/main">
-  <p:cSld>
-    <p:spTree>
-      <p:nvGrpSpPr>
-        <p:cNvPr id="1" name=""/>
-        <p:cNvGrpSpPr/>
-        <p:nvPr/>
-      </p:nvGrpSpPr>
-      <p:grpSpPr>
-        <a:xfrm>
-          <a:off x="0" y="0"/>
-          <a:ext cx="0" cy="0"/>
-          <a:chOff x="0" y="0"/>
-          <a:chExt cx="0" cy="0"/>
-        </a:xfrm>
-      </p:grpSpPr>
-      <p:sp>
-        <p:nvSpPr>
-          <p:cNvPr id="5" name="직사각형 4">
-            <a:extLst>
-              <a:ext uri="{FF2B5EF4-FFF2-40B4-BE49-F238E27FC236}">
-                <a16:creationId xmlns:a16="http://schemas.microsoft.com/office/drawing/2014/main" id="{B3BCBC1E-0CFA-4F3B-97BB-2F3DDEE5953A}"/>
-              </a:ext>
-            </a:extLst>
-          </p:cNvPr>
-          <p:cNvSpPr/>
-          <p:nvPr/>
-        </p:nvSpPr>
-        <p:spPr>
-          <a:xfrm>
-            <a:off x="1586143" y="1020932"/>
-            <a:ext cx="9268287" cy="115409"/>
-          </a:xfrm>
-          <a:prstGeom prst="rect">
-            <a:avLst/>
-          </a:prstGeom>
-        </p:spPr>
-        <p:style>
-          <a:lnRef idx="2">
-            <a:schemeClr val="accent1">
-              <a:shade val="50000"/>
-            </a:schemeClr>
-          </a:lnRef>
-          <a:fillRef idx="1">
-            <a:schemeClr val="accent1"/>
-          </a:fillRef>
-          <a:effectRef idx="0">
-            <a:schemeClr val="accent1"/>
-          </a:effectRef>
-          <a:fontRef idx="minor">
-            <a:schemeClr val="lt1"/>
-          </a:fontRef>
-        </p:style>
-        <p:txBody>
-          <a:bodyPr rtlCol="0" anchor="ctr"/>
-          <a:lstStyle/>
-          <a:p>
-            <a:pPr algn="ctr"/>
-            <a:endParaRPr lang="ko-KR" altLang="en-US"/>
-          </a:p>
-        </p:txBody>
-      </p:sp>
-      <p:sp>
-        <p:nvSpPr>
-          <p:cNvPr id="6" name="TextBox 5">
-            <a:extLst>
-              <a:ext uri="{FF2B5EF4-FFF2-40B4-BE49-F238E27FC236}">
-                <a16:creationId xmlns:a16="http://schemas.microsoft.com/office/drawing/2014/main" id="{13DE9146-974D-4A67-B81D-30E88F3533C1}"/>
-              </a:ext>
-            </a:extLst>
-          </p:cNvPr>
-          <p:cNvSpPr txBox="1"/>
-          <p:nvPr/>
-        </p:nvSpPr>
-        <p:spPr>
-          <a:xfrm>
-            <a:off x="1704513" y="620822"/>
-            <a:ext cx="914033" cy="400110"/>
-          </a:xfrm>
-          <a:prstGeom prst="rect">
-            <a:avLst/>
-          </a:prstGeom>
-          <a:noFill/>
-        </p:spPr>
-        <p:txBody>
-          <a:bodyPr wrap="none" rtlCol="0">
-            <a:spAutoFit/>
-          </a:bodyPr>
-          <a:lstStyle/>
-          <a:p>
-            <a:r>
-              <a:rPr lang="en-US" altLang="ko-KR" sz="2000" dirty="0"/>
-              <a:t>Why ?</a:t>
-            </a:r>
-          </a:p>
-        </p:txBody>
-      </p:sp>
-      <p:sp>
-        <p:nvSpPr>
-          <p:cNvPr id="7" name="직사각형 6">
-            <a:extLst>
-              <a:ext uri="{FF2B5EF4-FFF2-40B4-BE49-F238E27FC236}">
-                <a16:creationId xmlns:a16="http://schemas.microsoft.com/office/drawing/2014/main" id="{ACFCB9A8-476D-4335-A145-26FDF2589B63}"/>
-              </a:ext>
-            </a:extLst>
-          </p:cNvPr>
-          <p:cNvSpPr/>
-          <p:nvPr/>
-        </p:nvSpPr>
-        <p:spPr>
-          <a:xfrm>
-            <a:off x="1586143" y="6121769"/>
-            <a:ext cx="9268287" cy="115409"/>
-          </a:xfrm>
-          <a:prstGeom prst="rect">
-            <a:avLst/>
-          </a:prstGeom>
-        </p:spPr>
-        <p:style>
-          <a:lnRef idx="2">
-            <a:schemeClr val="accent1">
-              <a:shade val="50000"/>
-            </a:schemeClr>
-          </a:lnRef>
-          <a:fillRef idx="1">
-            <a:schemeClr val="accent1"/>
-          </a:fillRef>
-          <a:effectRef idx="0">
-            <a:schemeClr val="accent1"/>
-          </a:effectRef>
-          <a:fontRef idx="minor">
-            <a:schemeClr val="lt1"/>
-          </a:fontRef>
-        </p:style>
-        <p:txBody>
-          <a:bodyPr rtlCol="0" anchor="ctr"/>
-          <a:lstStyle/>
-          <a:p>
-            <a:pPr algn="ctr"/>
-            <a:endParaRPr lang="ko-KR" altLang="en-US"/>
-          </a:p>
-        </p:txBody>
-      </p:sp>
-      <p:sp>
-        <p:nvSpPr>
-          <p:cNvPr id="4" name="TextBox 3">
-            <a:extLst>
-              <a:ext uri="{FF2B5EF4-FFF2-40B4-BE49-F238E27FC236}">
-                <a16:creationId xmlns:a16="http://schemas.microsoft.com/office/drawing/2014/main" id="{8B571E76-BBC7-4A0E-A7C1-82FFF69FBEA3}"/>
-              </a:ext>
-            </a:extLst>
-          </p:cNvPr>
-          <p:cNvSpPr txBox="1"/>
-          <p:nvPr/>
-        </p:nvSpPr>
-        <p:spPr>
-          <a:xfrm>
-            <a:off x="1760482" y="2178473"/>
-            <a:ext cx="8919607" cy="400110"/>
-          </a:xfrm>
-          <a:prstGeom prst="rect">
-            <a:avLst/>
-          </a:prstGeom>
-          <a:noFill/>
-        </p:spPr>
-        <p:txBody>
-          <a:bodyPr wrap="square" rtlCol="0">
-            <a:spAutoFit/>
-          </a:bodyPr>
-          <a:lstStyle/>
-          <a:p>
-            <a:pPr algn="ctr"/>
-            <a:r>
-              <a:rPr lang="ko-KR" altLang="en-US" sz="2000" dirty="0"/>
-              <a:t>화면에 보여주는 로직과 데이터 처리 로직을 분리하여 설계</a:t>
-            </a:r>
-            <a:r>
-              <a:rPr lang="en-US" altLang="ko-KR" sz="2000" dirty="0"/>
-              <a:t>.</a:t>
-            </a:r>
-            <a:endParaRPr lang="ko-KR" altLang="en-US" sz="2000" dirty="0"/>
-          </a:p>
-        </p:txBody>
-      </p:sp>
-      <p:sp>
-        <p:nvSpPr>
-          <p:cNvPr id="8" name="TextBox 7">
-            <a:extLst>
-              <a:ext uri="{FF2B5EF4-FFF2-40B4-BE49-F238E27FC236}">
-                <a16:creationId xmlns:a16="http://schemas.microsoft.com/office/drawing/2014/main" id="{76F01E50-3BDD-4BC9-B86C-D838F7D043B9}"/>
-              </a:ext>
-            </a:extLst>
-          </p:cNvPr>
-          <p:cNvSpPr txBox="1"/>
-          <p:nvPr/>
-        </p:nvSpPr>
-        <p:spPr>
-          <a:xfrm>
-            <a:off x="3158356" y="3851532"/>
-            <a:ext cx="8919607" cy="400110"/>
-          </a:xfrm>
-          <a:prstGeom prst="rect">
-            <a:avLst/>
-          </a:prstGeom>
-          <a:noFill/>
-        </p:spPr>
-        <p:txBody>
-          <a:bodyPr wrap="square" rtlCol="0">
-            <a:spAutoFit/>
-          </a:bodyPr>
-          <a:lstStyle/>
-          <a:p>
-            <a:pPr marL="342900" indent="-342900">
-              <a:buFont typeface="Arial" panose="020B0604020202020204" pitchFamily="34" charset="0"/>
-              <a:buChar char="•"/>
-            </a:pPr>
-            <a:r>
-              <a:rPr lang="ko-KR" altLang="en-US" sz="2000" dirty="0"/>
-              <a:t>의사소통 능력의 향상으로 협업이 수월해짐</a:t>
-            </a:r>
-            <a:r>
-              <a:rPr lang="en-US" altLang="ko-KR" sz="2000" dirty="0"/>
-              <a:t>.</a:t>
-            </a:r>
-            <a:endParaRPr lang="ko-KR" altLang="en-US" sz="2000" dirty="0"/>
-          </a:p>
-        </p:txBody>
-      </p:sp>
-      <p:sp>
-        <p:nvSpPr>
-          <p:cNvPr id="9" name="TextBox 8">
-            <a:extLst>
-              <a:ext uri="{FF2B5EF4-FFF2-40B4-BE49-F238E27FC236}">
-                <a16:creationId xmlns:a16="http://schemas.microsoft.com/office/drawing/2014/main" id="{9C712AEE-52BC-4FB4-9D27-125947E1ABCC}"/>
-              </a:ext>
-            </a:extLst>
-          </p:cNvPr>
-          <p:cNvSpPr txBox="1"/>
-          <p:nvPr/>
-        </p:nvSpPr>
-        <p:spPr>
-          <a:xfrm>
-            <a:off x="3158357" y="3115030"/>
-            <a:ext cx="8919607" cy="400110"/>
-          </a:xfrm>
-          <a:prstGeom prst="rect">
-            <a:avLst/>
-          </a:prstGeom>
-          <a:noFill/>
-        </p:spPr>
-        <p:txBody>
-          <a:bodyPr wrap="square" rtlCol="0">
-            <a:spAutoFit/>
-          </a:bodyPr>
-          <a:lstStyle/>
-          <a:p>
-            <a:pPr marL="342900" indent="-342900">
-              <a:buFont typeface="Arial" panose="020B0604020202020204" pitchFamily="34" charset="0"/>
-              <a:buChar char="•"/>
-            </a:pPr>
-            <a:r>
-              <a:rPr lang="ko-KR" altLang="en-US" sz="2000" dirty="0"/>
-              <a:t>가독성이 향상됨에 따라 유지보수가 용이해짐</a:t>
-            </a:r>
-            <a:r>
-              <a:rPr lang="en-US" altLang="ko-KR" sz="2000" dirty="0"/>
-              <a:t>.</a:t>
-            </a:r>
-            <a:endParaRPr lang="ko-KR" altLang="en-US" sz="2000" dirty="0"/>
+              <a:t>를 설계할 때 자주 발생하는 문제들을 피하기 위해 사용되는 패턴 </a:t>
+            </a:r>
           </a:p>
         </p:txBody>
       </p:sp>
@@ -5049,7 +4814,7 @@
                             </p:stCondLst>
                             <p:childTnLst>
                               <p:par>
-                                <p:cTn id="5" presetID="10" presetClass="entr" presetSubtype="0" fill="hold" nodeType="clickEffect">
+                                <p:cTn id="5" presetID="10" presetClass="entr" presetSubtype="0" fill="hold" grpId="0" nodeType="clickEffect">
                                   <p:stCondLst>
                                     <p:cond delay="0"/>
                                   </p:stCondLst>
@@ -5062,11 +4827,7 @@
                                           </p:stCondLst>
                                         </p:cTn>
                                         <p:tgtEl>
-                                          <p:spTgt spid="4">
-                                            <p:txEl>
-                                              <p:pRg st="0" end="0"/>
-                                            </p:txEl>
-                                          </p:spTgt>
+                                          <p:spTgt spid="12"/>
                                         </p:tgtEl>
                                         <p:attrNameLst>
                                           <p:attrName>style.visibility</p:attrName>
@@ -5080,11 +4841,338 @@
                                       <p:cBhvr>
                                         <p:cTn id="7" dur="500"/>
                                         <p:tgtEl>
-                                          <p:spTgt spid="4">
-                                            <p:txEl>
-                                              <p:pRg st="0" end="0"/>
-                                            </p:txEl>
-                                          </p:spTgt>
+                                          <p:spTgt spid="12"/>
+                                        </p:tgtEl>
+                                      </p:cBhvr>
+                                    </p:animEffect>
+                                  </p:childTnLst>
+                                </p:cTn>
+                              </p:par>
+                            </p:childTnLst>
+                          </p:cTn>
+                        </p:par>
+                      </p:childTnLst>
+                    </p:cTn>
+                  </p:par>
+                </p:childTnLst>
+              </p:cTn>
+              <p:prevCondLst>
+                <p:cond evt="onPrev" delay="0">
+                  <p:tgtEl>
+                    <p:sldTgt/>
+                  </p:tgtEl>
+                </p:cond>
+              </p:prevCondLst>
+              <p:nextCondLst>
+                <p:cond evt="onNext" delay="0">
+                  <p:tgtEl>
+                    <p:sldTgt/>
+                  </p:tgtEl>
+                </p:cond>
+              </p:nextCondLst>
+            </p:seq>
+          </p:childTnLst>
+        </p:cTn>
+      </p:par>
+    </p:tnLst>
+    <p:bldLst>
+      <p:bldP spid="12" grpId="0"/>
+    </p:bldLst>
+  </p:timing>
+</p:sld>
+</file>
+
+<file path=ppt/slides/slide3.xml><?xml version="1.0" encoding="utf-8"?>
+<p:sld xmlns:a="http://schemas.openxmlformats.org/drawingml/2006/main" xmlns:r="http://schemas.openxmlformats.org/officeDocument/2006/relationships" xmlns:p="http://schemas.openxmlformats.org/presentationml/2006/main">
+  <p:cSld>
+    <p:spTree>
+      <p:nvGrpSpPr>
+        <p:cNvPr id="1" name=""/>
+        <p:cNvGrpSpPr/>
+        <p:nvPr/>
+      </p:nvGrpSpPr>
+      <p:grpSpPr>
+        <a:xfrm>
+          <a:off x="0" y="0"/>
+          <a:ext cx="0" cy="0"/>
+          <a:chOff x="0" y="0"/>
+          <a:chExt cx="0" cy="0"/>
+        </a:xfrm>
+      </p:grpSpPr>
+      <p:sp>
+        <p:nvSpPr>
+          <p:cNvPr id="5" name="직사각형 4">
+            <a:extLst>
+              <a:ext uri="{FF2B5EF4-FFF2-40B4-BE49-F238E27FC236}">
+                <a16:creationId xmlns:a16="http://schemas.microsoft.com/office/drawing/2014/main" id="{B3BCBC1E-0CFA-4F3B-97BB-2F3DDEE5953A}"/>
+              </a:ext>
+            </a:extLst>
+          </p:cNvPr>
+          <p:cNvSpPr/>
+          <p:nvPr/>
+        </p:nvSpPr>
+        <p:spPr>
+          <a:xfrm>
+            <a:off x="1586143" y="1020932"/>
+            <a:ext cx="9268287" cy="115409"/>
+          </a:xfrm>
+          <a:prstGeom prst="rect">
+            <a:avLst/>
+          </a:prstGeom>
+        </p:spPr>
+        <p:style>
+          <a:lnRef idx="2">
+            <a:schemeClr val="accent1">
+              <a:shade val="50000"/>
+            </a:schemeClr>
+          </a:lnRef>
+          <a:fillRef idx="1">
+            <a:schemeClr val="accent1"/>
+          </a:fillRef>
+          <a:effectRef idx="0">
+            <a:schemeClr val="accent1"/>
+          </a:effectRef>
+          <a:fontRef idx="minor">
+            <a:schemeClr val="lt1"/>
+          </a:fontRef>
+        </p:style>
+        <p:txBody>
+          <a:bodyPr rtlCol="0" anchor="ctr"/>
+          <a:lstStyle/>
+          <a:p>
+            <a:pPr algn="ctr"/>
+            <a:endParaRPr lang="ko-KR" altLang="en-US"/>
+          </a:p>
+        </p:txBody>
+      </p:sp>
+      <p:sp>
+        <p:nvSpPr>
+          <p:cNvPr id="6" name="TextBox 5">
+            <a:extLst>
+              <a:ext uri="{FF2B5EF4-FFF2-40B4-BE49-F238E27FC236}">
+                <a16:creationId xmlns:a16="http://schemas.microsoft.com/office/drawing/2014/main" id="{13DE9146-974D-4A67-B81D-30E88F3533C1}"/>
+              </a:ext>
+            </a:extLst>
+          </p:cNvPr>
+          <p:cNvSpPr txBox="1"/>
+          <p:nvPr/>
+        </p:nvSpPr>
+        <p:spPr>
+          <a:xfrm>
+            <a:off x="1704513" y="620822"/>
+            <a:ext cx="1894749" cy="400110"/>
+          </a:xfrm>
+          <a:prstGeom prst="rect">
+            <a:avLst/>
+          </a:prstGeom>
+          <a:noFill/>
+        </p:spPr>
+        <p:txBody>
+          <a:bodyPr wrap="none" rtlCol="0">
+            <a:spAutoFit/>
+          </a:bodyPr>
+          <a:lstStyle/>
+          <a:p>
+            <a:r>
+              <a:rPr lang="en-US" altLang="ko-KR" sz="2000" dirty="0"/>
+              <a:t>Design Pattern</a:t>
+            </a:r>
+          </a:p>
+        </p:txBody>
+      </p:sp>
+      <p:sp>
+        <p:nvSpPr>
+          <p:cNvPr id="7" name="직사각형 6">
+            <a:extLst>
+              <a:ext uri="{FF2B5EF4-FFF2-40B4-BE49-F238E27FC236}">
+                <a16:creationId xmlns:a16="http://schemas.microsoft.com/office/drawing/2014/main" id="{ACFCB9A8-476D-4335-A145-26FDF2589B63}"/>
+              </a:ext>
+            </a:extLst>
+          </p:cNvPr>
+          <p:cNvSpPr/>
+          <p:nvPr/>
+        </p:nvSpPr>
+        <p:spPr>
+          <a:xfrm>
+            <a:off x="1586143" y="6121769"/>
+            <a:ext cx="9268287" cy="115409"/>
+          </a:xfrm>
+          <a:prstGeom prst="rect">
+            <a:avLst/>
+          </a:prstGeom>
+        </p:spPr>
+        <p:style>
+          <a:lnRef idx="2">
+            <a:schemeClr val="accent1">
+              <a:shade val="50000"/>
+            </a:schemeClr>
+          </a:lnRef>
+          <a:fillRef idx="1">
+            <a:schemeClr val="accent1"/>
+          </a:fillRef>
+          <a:effectRef idx="0">
+            <a:schemeClr val="accent1"/>
+          </a:effectRef>
+          <a:fontRef idx="minor">
+            <a:schemeClr val="lt1"/>
+          </a:fontRef>
+        </p:style>
+        <p:txBody>
+          <a:bodyPr rtlCol="0" anchor="ctr"/>
+          <a:lstStyle/>
+          <a:p>
+            <a:pPr algn="ctr"/>
+            <a:endParaRPr lang="ko-KR" altLang="en-US"/>
+          </a:p>
+        </p:txBody>
+      </p:sp>
+      <p:sp>
+        <p:nvSpPr>
+          <p:cNvPr id="9" name="TextBox 8">
+            <a:extLst>
+              <a:ext uri="{FF2B5EF4-FFF2-40B4-BE49-F238E27FC236}">
+                <a16:creationId xmlns:a16="http://schemas.microsoft.com/office/drawing/2014/main" id="{9C712AEE-52BC-4FB4-9D27-125947E1ABCC}"/>
+              </a:ext>
+            </a:extLst>
+          </p:cNvPr>
+          <p:cNvSpPr txBox="1"/>
+          <p:nvPr/>
+        </p:nvSpPr>
+        <p:spPr>
+          <a:xfrm>
+            <a:off x="2448869" y="2764187"/>
+            <a:ext cx="7718195" cy="400110"/>
+          </a:xfrm>
+          <a:prstGeom prst="rect">
+            <a:avLst/>
+          </a:prstGeom>
+          <a:noFill/>
+        </p:spPr>
+        <p:txBody>
+          <a:bodyPr wrap="square" rtlCol="0">
+            <a:spAutoFit/>
+          </a:bodyPr>
+          <a:lstStyle/>
+          <a:p>
+            <a:pPr marL="342900" indent="-342900">
+              <a:buFont typeface="Arial" panose="020B0604020202020204" pitchFamily="34" charset="0"/>
+              <a:buChar char="•"/>
+            </a:pPr>
+            <a:r>
+              <a:rPr lang="ko-KR" altLang="en-US" sz="2000" dirty="0"/>
+              <a:t>프로그램 설계를 더 유연하게 하여 유지보수가 쉽게 만듦</a:t>
+            </a:r>
+            <a:r>
+              <a:rPr lang="en-US" altLang="ko-KR" sz="2000" dirty="0"/>
+              <a:t>.</a:t>
+            </a:r>
+            <a:endParaRPr lang="ko-KR" altLang="en-US" sz="2000" dirty="0"/>
+          </a:p>
+        </p:txBody>
+      </p:sp>
+      <p:sp>
+        <p:nvSpPr>
+          <p:cNvPr id="10" name="TextBox 9">
+            <a:extLst>
+              <a:ext uri="{FF2B5EF4-FFF2-40B4-BE49-F238E27FC236}">
+                <a16:creationId xmlns:a16="http://schemas.microsoft.com/office/drawing/2014/main" id="{A9E435B2-E7E2-41A2-9A33-70C8AD911E5A}"/>
+              </a:ext>
+            </a:extLst>
+          </p:cNvPr>
+          <p:cNvSpPr txBox="1"/>
+          <p:nvPr/>
+        </p:nvSpPr>
+        <p:spPr>
+          <a:xfrm>
+            <a:off x="2448869" y="3693703"/>
+            <a:ext cx="7718195" cy="400110"/>
+          </a:xfrm>
+          <a:prstGeom prst="rect">
+            <a:avLst/>
+          </a:prstGeom>
+          <a:noFill/>
+        </p:spPr>
+        <p:txBody>
+          <a:bodyPr wrap="square" rtlCol="0">
+            <a:spAutoFit/>
+          </a:bodyPr>
+          <a:lstStyle/>
+          <a:p>
+            <a:pPr marL="342900" indent="-342900">
+              <a:buFont typeface="Arial" panose="020B0604020202020204" pitchFamily="34" charset="0"/>
+              <a:buChar char="•"/>
+            </a:pPr>
+            <a:r>
+              <a:rPr lang="ko-KR" altLang="en-US" sz="2000" dirty="0"/>
+              <a:t>협업에서의 소통 능력 향상</a:t>
+            </a:r>
+            <a:r>
+              <a:rPr lang="en-US" altLang="ko-KR" sz="2000" dirty="0"/>
+              <a:t>.</a:t>
+            </a:r>
+            <a:endParaRPr lang="ko-KR" altLang="en-US" sz="2000" dirty="0"/>
+          </a:p>
+        </p:txBody>
+      </p:sp>
+    </p:spTree>
+    <p:extLst>
+      <p:ext uri="{BB962C8B-B14F-4D97-AF65-F5344CB8AC3E}">
+        <p14:creationId xmlns:p14="http://schemas.microsoft.com/office/powerpoint/2010/main" val="889330383"/>
+      </p:ext>
+    </p:extLst>
+  </p:cSld>
+  <p:clrMapOvr>
+    <a:masterClrMapping/>
+  </p:clrMapOvr>
+  <p:timing>
+    <p:tnLst>
+      <p:par>
+        <p:cTn id="1" dur="indefinite" restart="never" nodeType="tmRoot">
+          <p:childTnLst>
+            <p:seq concurrent="1" nextAc="seek">
+              <p:cTn id="2" dur="indefinite" nodeType="mainSeq">
+                <p:childTnLst>
+                  <p:par>
+                    <p:cTn id="3" fill="hold">
+                      <p:stCondLst>
+                        <p:cond delay="indefinite"/>
+                      </p:stCondLst>
+                      <p:childTnLst>
+                        <p:par>
+                          <p:cTn id="4" fill="hold">
+                            <p:stCondLst>
+                              <p:cond delay="0"/>
+                            </p:stCondLst>
+                            <p:childTnLst>
+                              <p:par>
+                                <p:cTn id="5" presetID="10" presetClass="entr" presetSubtype="0" fill="hold" grpId="0" nodeType="clickEffect">
+                                  <p:stCondLst>
+                                    <p:cond delay="0"/>
+                                  </p:stCondLst>
+                                  <p:childTnLst>
+                                    <p:set>
+                                      <p:cBhvr>
+                                        <p:cTn id="6" dur="1" fill="hold">
+                                          <p:stCondLst>
+                                            <p:cond delay="0"/>
+                                          </p:stCondLst>
+                                        </p:cTn>
+                                        <p:tgtEl>
+                                          <p:spTgt spid="9"/>
+                                        </p:tgtEl>
+                                        <p:attrNameLst>
+                                          <p:attrName>style.visibility</p:attrName>
+                                        </p:attrNameLst>
+                                      </p:cBhvr>
+                                      <p:to>
+                                        <p:strVal val="visible"/>
+                                      </p:to>
+                                    </p:set>
+                                    <p:animEffect transition="in" filter="fade">
+                                      <p:cBhvr>
+                                        <p:cTn id="7" dur="500"/>
+                                        <p:tgtEl>
+                                          <p:spTgt spid="9"/>
                                         </p:tgtEl>
                                       </p:cBhvr>
                                     </p:animEffect>
@@ -5123,7 +5211,7 @@
                                           </p:stCondLst>
                                         </p:cTn>
                                         <p:tgtEl>
-                                          <p:spTgt spid="9"/>
+                                          <p:spTgt spid="10"/>
                                         </p:tgtEl>
                                         <p:attrNameLst>
                                           <p:attrName>style.visibility</p:attrName>
@@ -5137,68 +5225,7 @@
                                       <p:cBhvr>
                                         <p:cTn id="12" dur="500"/>
                                         <p:tgtEl>
-                                          <p:spTgt spid="9"/>
-                                        </p:tgtEl>
-                                      </p:cBhvr>
-                                    </p:animEffect>
-                                  </p:childTnLst>
-                                </p:cTn>
-                              </p:par>
-                            </p:childTnLst>
-                          </p:cTn>
-                        </p:par>
-                      </p:childTnLst>
-                    </p:cTn>
-                  </p:par>
-                  <p:par>
-                    <p:cTn id="13" fill="hold">
-                      <p:stCondLst>
-                        <p:cond delay="indefinite"/>
-                      </p:stCondLst>
-                      <p:childTnLst>
-                        <p:par>
-                          <p:cTn id="14" fill="hold">
-                            <p:stCondLst>
-                              <p:cond delay="0"/>
-                            </p:stCondLst>
-                            <p:childTnLst>
-                              <p:par>
-                                <p:cTn id="15" presetID="10" presetClass="entr" presetSubtype="0" fill="hold" nodeType="clickEffect">
-                                  <p:stCondLst>
-                                    <p:cond delay="0"/>
-                                  </p:stCondLst>
-                                  <p:childTnLst>
-                                    <p:set>
-                                      <p:cBhvr>
-                                        <p:cTn id="16" dur="1" fill="hold">
-                                          <p:stCondLst>
-                                            <p:cond delay="0"/>
-                                          </p:stCondLst>
-                                        </p:cTn>
-                                        <p:tgtEl>
-                                          <p:spTgt spid="8">
-                                            <p:txEl>
-                                              <p:pRg st="0" end="0"/>
-                                            </p:txEl>
-                                          </p:spTgt>
-                                        </p:tgtEl>
-                                        <p:attrNameLst>
-                                          <p:attrName>style.visibility</p:attrName>
-                                        </p:attrNameLst>
-                                      </p:cBhvr>
-                                      <p:to>
-                                        <p:strVal val="visible"/>
-                                      </p:to>
-                                    </p:set>
-                                    <p:animEffect transition="in" filter="fade">
-                                      <p:cBhvr>
-                                        <p:cTn id="17" dur="500"/>
-                                        <p:tgtEl>
-                                          <p:spTgt spid="8">
-                                            <p:txEl>
-                                              <p:pRg st="0" end="0"/>
-                                            </p:txEl>
-                                          </p:spTgt>
+                                          <p:spTgt spid="10"/>
                                         </p:tgtEl>
                                       </p:cBhvr>
                                     </p:animEffect>
@@ -5234,12 +5261,505 @@
     </p:tnLst>
     <p:bldLst>
       <p:bldP spid="9" grpId="0"/>
+      <p:bldP spid="10" grpId="0"/>
     </p:bldLst>
   </p:timing>
 </p:sld>
 </file>
 
 <file path=ppt/slides/slide4.xml><?xml version="1.0" encoding="utf-8"?>
+<p:sld xmlns:a="http://schemas.openxmlformats.org/drawingml/2006/main" xmlns:r="http://schemas.openxmlformats.org/officeDocument/2006/relationships" xmlns:p="http://schemas.openxmlformats.org/presentationml/2006/main">
+  <p:cSld>
+    <p:spTree>
+      <p:nvGrpSpPr>
+        <p:cNvPr id="1" name=""/>
+        <p:cNvGrpSpPr/>
+        <p:nvPr/>
+      </p:nvGrpSpPr>
+      <p:grpSpPr>
+        <a:xfrm>
+          <a:off x="0" y="0"/>
+          <a:ext cx="0" cy="0"/>
+          <a:chOff x="0" y="0"/>
+          <a:chExt cx="0" cy="0"/>
+        </a:xfrm>
+      </p:grpSpPr>
+      <p:sp>
+        <p:nvSpPr>
+          <p:cNvPr id="5" name="직사각형 4">
+            <a:extLst>
+              <a:ext uri="{FF2B5EF4-FFF2-40B4-BE49-F238E27FC236}">
+                <a16:creationId xmlns:a16="http://schemas.microsoft.com/office/drawing/2014/main" id="{B3BCBC1E-0CFA-4F3B-97BB-2F3DDEE5953A}"/>
+              </a:ext>
+            </a:extLst>
+          </p:cNvPr>
+          <p:cNvSpPr/>
+          <p:nvPr/>
+        </p:nvSpPr>
+        <p:spPr>
+          <a:xfrm>
+            <a:off x="1586143" y="1020932"/>
+            <a:ext cx="9268287" cy="115409"/>
+          </a:xfrm>
+          <a:prstGeom prst="rect">
+            <a:avLst/>
+          </a:prstGeom>
+        </p:spPr>
+        <p:style>
+          <a:lnRef idx="2">
+            <a:schemeClr val="accent1">
+              <a:shade val="50000"/>
+            </a:schemeClr>
+          </a:lnRef>
+          <a:fillRef idx="1">
+            <a:schemeClr val="accent1"/>
+          </a:fillRef>
+          <a:effectRef idx="0">
+            <a:schemeClr val="accent1"/>
+          </a:effectRef>
+          <a:fontRef idx="minor">
+            <a:schemeClr val="lt1"/>
+          </a:fontRef>
+        </p:style>
+        <p:txBody>
+          <a:bodyPr rtlCol="0" anchor="ctr"/>
+          <a:lstStyle/>
+          <a:p>
+            <a:pPr algn="ctr"/>
+            <a:endParaRPr lang="ko-KR" altLang="en-US"/>
+          </a:p>
+        </p:txBody>
+      </p:sp>
+      <p:sp>
+        <p:nvSpPr>
+          <p:cNvPr id="6" name="TextBox 5">
+            <a:extLst>
+              <a:ext uri="{FF2B5EF4-FFF2-40B4-BE49-F238E27FC236}">
+                <a16:creationId xmlns:a16="http://schemas.microsoft.com/office/drawing/2014/main" id="{13DE9146-974D-4A67-B81D-30E88F3533C1}"/>
+              </a:ext>
+            </a:extLst>
+          </p:cNvPr>
+          <p:cNvSpPr txBox="1"/>
+          <p:nvPr/>
+        </p:nvSpPr>
+        <p:spPr>
+          <a:xfrm>
+            <a:off x="1704513" y="620822"/>
+            <a:ext cx="2099934" cy="400110"/>
+          </a:xfrm>
+          <a:prstGeom prst="rect">
+            <a:avLst/>
+          </a:prstGeom>
+          <a:noFill/>
+        </p:spPr>
+        <p:txBody>
+          <a:bodyPr wrap="none" rtlCol="0">
+            <a:spAutoFit/>
+          </a:bodyPr>
+          <a:lstStyle/>
+          <a:p>
+            <a:r>
+              <a:rPr lang="en-US" altLang="ko-KR" sz="2000" dirty="0"/>
+              <a:t>MVVM Pattern ?</a:t>
+            </a:r>
+          </a:p>
+        </p:txBody>
+      </p:sp>
+      <p:sp>
+        <p:nvSpPr>
+          <p:cNvPr id="7" name="직사각형 6">
+            <a:extLst>
+              <a:ext uri="{FF2B5EF4-FFF2-40B4-BE49-F238E27FC236}">
+                <a16:creationId xmlns:a16="http://schemas.microsoft.com/office/drawing/2014/main" id="{ACFCB9A8-476D-4335-A145-26FDF2589B63}"/>
+              </a:ext>
+            </a:extLst>
+          </p:cNvPr>
+          <p:cNvSpPr/>
+          <p:nvPr/>
+        </p:nvSpPr>
+        <p:spPr>
+          <a:xfrm>
+            <a:off x="1586143" y="6121769"/>
+            <a:ext cx="9268287" cy="115409"/>
+          </a:xfrm>
+          <a:prstGeom prst="rect">
+            <a:avLst/>
+          </a:prstGeom>
+        </p:spPr>
+        <p:style>
+          <a:lnRef idx="2">
+            <a:schemeClr val="accent1">
+              <a:shade val="50000"/>
+            </a:schemeClr>
+          </a:lnRef>
+          <a:fillRef idx="1">
+            <a:schemeClr val="accent1"/>
+          </a:fillRef>
+          <a:effectRef idx="0">
+            <a:schemeClr val="accent1"/>
+          </a:effectRef>
+          <a:fontRef idx="minor">
+            <a:schemeClr val="lt1"/>
+          </a:fontRef>
+        </p:style>
+        <p:txBody>
+          <a:bodyPr rtlCol="0" anchor="ctr"/>
+          <a:lstStyle/>
+          <a:p>
+            <a:pPr algn="ctr"/>
+            <a:endParaRPr lang="ko-KR" altLang="en-US"/>
+          </a:p>
+        </p:txBody>
+      </p:sp>
+      <p:sp>
+        <p:nvSpPr>
+          <p:cNvPr id="4" name="TextBox 3">
+            <a:extLst>
+              <a:ext uri="{FF2B5EF4-FFF2-40B4-BE49-F238E27FC236}">
+                <a16:creationId xmlns:a16="http://schemas.microsoft.com/office/drawing/2014/main" id="{8B571E76-BBC7-4A0E-A7C1-82FFF69FBEA3}"/>
+              </a:ext>
+            </a:extLst>
+          </p:cNvPr>
+          <p:cNvSpPr txBox="1"/>
+          <p:nvPr/>
+        </p:nvSpPr>
+        <p:spPr>
+          <a:xfrm>
+            <a:off x="1704513" y="3400301"/>
+            <a:ext cx="8919607" cy="461665"/>
+          </a:xfrm>
+          <a:prstGeom prst="rect">
+            <a:avLst/>
+          </a:prstGeom>
+          <a:noFill/>
+        </p:spPr>
+        <p:txBody>
+          <a:bodyPr wrap="square" rtlCol="0">
+            <a:spAutoFit/>
+          </a:bodyPr>
+          <a:lstStyle/>
+          <a:p>
+            <a:pPr algn="ctr"/>
+            <a:r>
+              <a:rPr lang="en-US" altLang="ko-KR" sz="2400" dirty="0"/>
+              <a:t>MVC, MVP </a:t>
+            </a:r>
+            <a:r>
+              <a:rPr lang="ko-KR" altLang="en-US" sz="2400" dirty="0"/>
+              <a:t>패턴의 단점을 보완한 디자인 패턴</a:t>
+            </a:r>
+          </a:p>
+        </p:txBody>
+      </p:sp>
+      <p:sp>
+        <p:nvSpPr>
+          <p:cNvPr id="8" name="TextBox 7">
+            <a:extLst>
+              <a:ext uri="{FF2B5EF4-FFF2-40B4-BE49-F238E27FC236}">
+                <a16:creationId xmlns:a16="http://schemas.microsoft.com/office/drawing/2014/main" id="{35531162-FABE-4BD2-A24D-39C721131363}"/>
+              </a:ext>
+            </a:extLst>
+          </p:cNvPr>
+          <p:cNvSpPr txBox="1"/>
+          <p:nvPr/>
+        </p:nvSpPr>
+        <p:spPr>
+          <a:xfrm>
+            <a:off x="2361188" y="4591757"/>
+            <a:ext cx="7718195" cy="400110"/>
+          </a:xfrm>
+          <a:prstGeom prst="rect">
+            <a:avLst/>
+          </a:prstGeom>
+          <a:noFill/>
+        </p:spPr>
+        <p:txBody>
+          <a:bodyPr wrap="square" rtlCol="0">
+            <a:spAutoFit/>
+          </a:bodyPr>
+          <a:lstStyle/>
+          <a:p>
+            <a:r>
+              <a:rPr lang="ko-KR" altLang="en-US" sz="2000" dirty="0"/>
+              <a:t>뷰와 비즈니스 로직을 분리하여 중복 코딩 방지</a:t>
+            </a:r>
+            <a:r>
+              <a:rPr lang="en-US" altLang="ko-KR" sz="2000" dirty="0"/>
+              <a:t>(</a:t>
+            </a:r>
+            <a:r>
+              <a:rPr lang="ko-KR" altLang="en-US" sz="2000" dirty="0"/>
+              <a:t>코드의 재사용</a:t>
+            </a:r>
+            <a:r>
+              <a:rPr lang="en-US" altLang="ko-KR" sz="2000" dirty="0"/>
+              <a:t>)</a:t>
+            </a:r>
+            <a:endParaRPr lang="ko-KR" altLang="en-US" sz="2000" dirty="0"/>
+          </a:p>
+        </p:txBody>
+      </p:sp>
+      <p:sp>
+        <p:nvSpPr>
+          <p:cNvPr id="2" name="직사각형 1">
+            <a:extLst>
+              <a:ext uri="{FF2B5EF4-FFF2-40B4-BE49-F238E27FC236}">
+                <a16:creationId xmlns:a16="http://schemas.microsoft.com/office/drawing/2014/main" id="{21BF7049-8231-4618-9402-73CA240C7B18}"/>
+              </a:ext>
+            </a:extLst>
+          </p:cNvPr>
+          <p:cNvSpPr/>
+          <p:nvPr/>
+        </p:nvSpPr>
+        <p:spPr>
+          <a:xfrm>
+            <a:off x="2943616" y="3430591"/>
+            <a:ext cx="1603332" cy="431375"/>
+          </a:xfrm>
+          <a:prstGeom prst="rect">
+            <a:avLst/>
+          </a:prstGeom>
+          <a:noFill/>
+          <a:ln w="38100"/>
+        </p:spPr>
+        <p:style>
+          <a:lnRef idx="2">
+            <a:schemeClr val="accent1">
+              <a:shade val="50000"/>
+            </a:schemeClr>
+          </a:lnRef>
+          <a:fillRef idx="1">
+            <a:schemeClr val="accent1"/>
+          </a:fillRef>
+          <a:effectRef idx="0">
+            <a:schemeClr val="accent1"/>
+          </a:effectRef>
+          <a:fontRef idx="minor">
+            <a:schemeClr val="lt1"/>
+          </a:fontRef>
+        </p:style>
+        <p:txBody>
+          <a:bodyPr rtlCol="0" anchor="ctr"/>
+          <a:lstStyle/>
+          <a:p>
+            <a:pPr algn="ctr"/>
+            <a:endParaRPr lang="ko-KR" altLang="en-US"/>
+          </a:p>
+        </p:txBody>
+      </p:sp>
+      <p:cxnSp>
+        <p:nvCxnSpPr>
+          <p:cNvPr id="9" name="직선 화살표 연결선 8">
+            <a:extLst>
+              <a:ext uri="{FF2B5EF4-FFF2-40B4-BE49-F238E27FC236}">
+                <a16:creationId xmlns:a16="http://schemas.microsoft.com/office/drawing/2014/main" id="{33A95EC3-D017-435F-BDD6-528BCE508CF1}"/>
+              </a:ext>
+            </a:extLst>
+          </p:cNvPr>
+          <p:cNvCxnSpPr>
+            <a:cxnSpLocks/>
+            <a:stCxn id="2" idx="2"/>
+          </p:cNvCxnSpPr>
+          <p:nvPr/>
+        </p:nvCxnSpPr>
+        <p:spPr>
+          <a:xfrm>
+            <a:off x="3745282" y="3861966"/>
+            <a:ext cx="0" cy="597300"/>
+          </a:xfrm>
+          <a:prstGeom prst="straightConnector1">
+            <a:avLst/>
+          </a:prstGeom>
+          <a:ln w="38100">
+            <a:tailEnd type="triangle"/>
+          </a:ln>
+        </p:spPr>
+        <p:style>
+          <a:lnRef idx="1">
+            <a:schemeClr val="accent1"/>
+          </a:lnRef>
+          <a:fillRef idx="0">
+            <a:schemeClr val="accent1"/>
+          </a:fillRef>
+          <a:effectRef idx="0">
+            <a:schemeClr val="accent1"/>
+          </a:effectRef>
+          <a:fontRef idx="minor">
+            <a:schemeClr val="tx1"/>
+          </a:fontRef>
+        </p:style>
+      </p:cxnSp>
+    </p:spTree>
+    <p:extLst>
+      <p:ext uri="{BB962C8B-B14F-4D97-AF65-F5344CB8AC3E}">
+        <p14:creationId xmlns:p14="http://schemas.microsoft.com/office/powerpoint/2010/main" val="1845806087"/>
+      </p:ext>
+    </p:extLst>
+  </p:cSld>
+  <p:clrMapOvr>
+    <a:masterClrMapping/>
+  </p:clrMapOvr>
+  <p:timing>
+    <p:tnLst>
+      <p:par>
+        <p:cTn id="1" dur="indefinite" restart="never" nodeType="tmRoot">
+          <p:childTnLst>
+            <p:seq concurrent="1" nextAc="seek">
+              <p:cTn id="2" dur="indefinite" nodeType="mainSeq">
+                <p:childTnLst>
+                  <p:par>
+                    <p:cTn id="3" fill="hold">
+                      <p:stCondLst>
+                        <p:cond delay="indefinite"/>
+                      </p:stCondLst>
+                      <p:childTnLst>
+                        <p:par>
+                          <p:cTn id="4" fill="hold">
+                            <p:stCondLst>
+                              <p:cond delay="0"/>
+                            </p:stCondLst>
+                            <p:childTnLst>
+                              <p:par>
+                                <p:cTn id="5" presetID="10" presetClass="entr" presetSubtype="0" fill="hold" grpId="0" nodeType="clickEffect">
+                                  <p:stCondLst>
+                                    <p:cond delay="0"/>
+                                  </p:stCondLst>
+                                  <p:childTnLst>
+                                    <p:set>
+                                      <p:cBhvr>
+                                        <p:cTn id="6" dur="1" fill="hold">
+                                          <p:stCondLst>
+                                            <p:cond delay="0"/>
+                                          </p:stCondLst>
+                                        </p:cTn>
+                                        <p:tgtEl>
+                                          <p:spTgt spid="8"/>
+                                        </p:tgtEl>
+                                        <p:attrNameLst>
+                                          <p:attrName>style.visibility</p:attrName>
+                                        </p:attrNameLst>
+                                      </p:cBhvr>
+                                      <p:to>
+                                        <p:strVal val="visible"/>
+                                      </p:to>
+                                    </p:set>
+                                    <p:animEffect transition="in" filter="fade">
+                                      <p:cBhvr>
+                                        <p:cTn id="7" dur="500"/>
+                                        <p:tgtEl>
+                                          <p:spTgt spid="8"/>
+                                        </p:tgtEl>
+                                      </p:cBhvr>
+                                    </p:animEffect>
+                                  </p:childTnLst>
+                                </p:cTn>
+                              </p:par>
+                              <p:par>
+                                <p:cTn id="8" presetID="10" presetClass="entr" presetSubtype="0" fill="hold" grpId="0" nodeType="withEffect">
+                                  <p:stCondLst>
+                                    <p:cond delay="0"/>
+                                  </p:stCondLst>
+                                  <p:childTnLst>
+                                    <p:set>
+                                      <p:cBhvr>
+                                        <p:cTn id="9" dur="1" fill="hold">
+                                          <p:stCondLst>
+                                            <p:cond delay="0"/>
+                                          </p:stCondLst>
+                                        </p:cTn>
+                                        <p:tgtEl>
+                                          <p:spTgt spid="2"/>
+                                        </p:tgtEl>
+                                        <p:attrNameLst>
+                                          <p:attrName>style.visibility</p:attrName>
+                                        </p:attrNameLst>
+                                      </p:cBhvr>
+                                      <p:to>
+                                        <p:strVal val="visible"/>
+                                      </p:to>
+                                    </p:set>
+                                    <p:animEffect transition="in" filter="fade">
+                                      <p:cBhvr>
+                                        <p:cTn id="10" dur="500"/>
+                                        <p:tgtEl>
+                                          <p:spTgt spid="2"/>
+                                        </p:tgtEl>
+                                      </p:cBhvr>
+                                    </p:animEffect>
+                                  </p:childTnLst>
+                                </p:cTn>
+                              </p:par>
+                              <p:par>
+                                <p:cTn id="11" presetID="10" presetClass="entr" presetSubtype="0" fill="hold" nodeType="withEffect">
+                                  <p:stCondLst>
+                                    <p:cond delay="0"/>
+                                  </p:stCondLst>
+                                  <p:childTnLst>
+                                    <p:set>
+                                      <p:cBhvr>
+                                        <p:cTn id="12" dur="1" fill="hold">
+                                          <p:stCondLst>
+                                            <p:cond delay="0"/>
+                                          </p:stCondLst>
+                                        </p:cTn>
+                                        <p:tgtEl>
+                                          <p:spTgt spid="9"/>
+                                        </p:tgtEl>
+                                        <p:attrNameLst>
+                                          <p:attrName>style.visibility</p:attrName>
+                                        </p:attrNameLst>
+                                      </p:cBhvr>
+                                      <p:to>
+                                        <p:strVal val="visible"/>
+                                      </p:to>
+                                    </p:set>
+                                    <p:animEffect transition="in" filter="fade">
+                                      <p:cBhvr>
+                                        <p:cTn id="13" dur="500"/>
+                                        <p:tgtEl>
+                                          <p:spTgt spid="9"/>
+                                        </p:tgtEl>
+                                      </p:cBhvr>
+                                    </p:animEffect>
+                                  </p:childTnLst>
+                                </p:cTn>
+                              </p:par>
+                            </p:childTnLst>
+                          </p:cTn>
+                        </p:par>
+                      </p:childTnLst>
+                    </p:cTn>
+                  </p:par>
+                </p:childTnLst>
+              </p:cTn>
+              <p:prevCondLst>
+                <p:cond evt="onPrev" delay="0">
+                  <p:tgtEl>
+                    <p:sldTgt/>
+                  </p:tgtEl>
+                </p:cond>
+              </p:prevCondLst>
+              <p:nextCondLst>
+                <p:cond evt="onNext" delay="0">
+                  <p:tgtEl>
+                    <p:sldTgt/>
+                  </p:tgtEl>
+                </p:cond>
+              </p:nextCondLst>
+            </p:seq>
+          </p:childTnLst>
+        </p:cTn>
+      </p:par>
+    </p:tnLst>
+    <p:bldLst>
+      <p:bldP spid="8" grpId="0"/>
+      <p:bldP spid="2" grpId="0" animBg="1"/>
+    </p:bldLst>
+  </p:timing>
+</p:sld>
+</file>
+
+<file path=ppt/slides/slide5.xml><?xml version="1.0" encoding="utf-8"?>
 <p:sld xmlns:a="http://schemas.openxmlformats.org/drawingml/2006/main" xmlns:r="http://schemas.openxmlformats.org/officeDocument/2006/relationships" xmlns:p="http://schemas.openxmlformats.org/presentationml/2006/main">
   <p:cSld>
     <p:spTree>
@@ -6344,7 +6864,7 @@
             </a:r>
             <a:r>
               <a:rPr lang="ko-KR" altLang="en-US" sz="2000" dirty="0"/>
-              <a:t>의 존재로</a:t>
+              <a:t>의 존재와 데이터 바인딩으로</a:t>
             </a:r>
             <a:endParaRPr lang="en-US" altLang="ko-KR" sz="2000" dirty="0"/>
           </a:p>
@@ -6685,7 +7205,7 @@
 </p:sld>
 </file>
 
-<file path=ppt/slides/slide5.xml><?xml version="1.0" encoding="utf-8"?>
+<file path=ppt/slides/slide6.xml><?xml version="1.0" encoding="utf-8"?>
 <p:sld xmlns:a="http://schemas.openxmlformats.org/drawingml/2006/main" xmlns:r="http://schemas.openxmlformats.org/officeDocument/2006/relationships" xmlns:p="http://schemas.openxmlformats.org/presentationml/2006/main">
   <p:cSld>
     <p:spTree>
@@ -6852,7 +7372,7 @@
         </p:nvSpPr>
         <p:spPr>
           <a:xfrm>
-            <a:off x="1760479" y="1469071"/>
+            <a:off x="1704513" y="1488879"/>
             <a:ext cx="8919607" cy="989053"/>
           </a:xfrm>
           <a:prstGeom prst="rect">
@@ -6866,7 +7386,6 @@
           </a:bodyPr>
           <a:lstStyle/>
           <a:p>
-            <a:pPr algn="ctr"/>
             <a:r>
               <a:rPr lang="en-US" altLang="ko-KR" sz="2800" b="1" dirty="0"/>
               <a:t>MVC</a:t>
@@ -6895,6 +7414,30 @@
             </a:r>
             <a:r>
               <a:rPr lang="ko-KR" altLang="en-US" dirty="0"/>
+              <a:t>에서 직접 데이터를 </a:t>
+            </a:r>
+            <a:r>
+              <a:rPr lang="ko-KR" altLang="en-US" dirty="0" err="1"/>
+              <a:t>받아오기</a:t>
+            </a:r>
+            <a:r>
+              <a:rPr lang="ko-KR" altLang="en-US" dirty="0"/>
+              <a:t> 때문에 </a:t>
+            </a:r>
+            <a:r>
+              <a:rPr lang="en-US" altLang="ko-KR" dirty="0"/>
+              <a:t>View</a:t>
+            </a:r>
+            <a:r>
+              <a:rPr lang="ko-KR" altLang="en-US" dirty="0"/>
+              <a:t>가 </a:t>
+            </a:r>
+            <a:r>
+              <a:rPr lang="en-US" altLang="ko-KR" dirty="0"/>
+              <a:t>Model</a:t>
+            </a:r>
+            <a:r>
+              <a:rPr lang="ko-KR" altLang="en-US" dirty="0"/>
               <a:t>에 의존적</a:t>
             </a:r>
             <a:r>
@@ -6918,7 +7461,7 @@
         </p:nvSpPr>
         <p:spPr>
           <a:xfrm>
-            <a:off x="1629890" y="2620283"/>
+            <a:off x="1629890" y="2631385"/>
             <a:ext cx="9180787" cy="2148793"/>
           </a:xfrm>
           <a:prstGeom prst="rect">
@@ -6932,7 +7475,6 @@
           </a:bodyPr>
           <a:lstStyle/>
           <a:p>
-            <a:pPr algn="ctr"/>
             <a:r>
               <a:rPr lang="en-US" altLang="ko-KR" sz="2800" b="1" dirty="0"/>
               <a:t>MVP</a:t>
@@ -7002,7 +7544,7 @@
             </a:r>
             <a:r>
               <a:rPr lang="ko-KR" altLang="en-US" dirty="0"/>
-              <a:t>관계라는 특성때문에 클래스의 수가 많아진다</a:t>
+              <a:t>관계라는 특성때문에 필연적으로 클래스의 수가 많아진다</a:t>
             </a:r>
             <a:r>
               <a:rPr lang="en-US" altLang="ko-KR" dirty="0"/>
@@ -7010,7 +7552,7 @@
             </a:r>
           </a:p>
           <a:p>
-            <a:pPr algn="ctr">
+            <a:pPr>
               <a:lnSpc>
                 <a:spcPct val="200000"/>
               </a:lnSpc>
@@ -7047,7 +7589,6 @@
           </a:bodyPr>
           <a:lstStyle/>
           <a:p>
-            <a:pPr algn="ctr"/>
             <a:r>
               <a:rPr lang="en-US" altLang="ko-KR" sz="2800" b="1" dirty="0"/>
               <a:t>MVVM</a:t>
@@ -7325,7 +7866,7 @@
 </p:sld>
 </file>
 
-<file path=ppt/slides/slide6.xml><?xml version="1.0" encoding="utf-8"?>
+<file path=ppt/slides/slide7.xml><?xml version="1.0" encoding="utf-8"?>
 <p:sld xmlns:a="http://schemas.openxmlformats.org/drawingml/2006/main" xmlns:r="http://schemas.openxmlformats.org/officeDocument/2006/relationships" xmlns:p="http://schemas.openxmlformats.org/presentationml/2006/main">
   <p:cSld>
     <p:spTree>
@@ -7593,7 +8134,7 @@
 </p:sld>
 </file>
 
-<file path=ppt/slides/slide7.xml><?xml version="1.0" encoding="utf-8"?>
+<file path=ppt/slides/slide8.xml><?xml version="1.0" encoding="utf-8"?>
 <p:sld xmlns:a="http://schemas.openxmlformats.org/drawingml/2006/main" xmlns:r="http://schemas.openxmlformats.org/officeDocument/2006/relationships" xmlns:p="http://schemas.openxmlformats.org/presentationml/2006/main">
   <p:cSld>
     <p:spTree>
@@ -7774,6 +8315,40 @@
           </a:prstGeom>
         </p:spPr>
       </p:pic>
+      <p:sp>
+        <p:nvSpPr>
+          <p:cNvPr id="2" name="직사각형 1">
+            <a:extLst>
+              <a:ext uri="{FF2B5EF4-FFF2-40B4-BE49-F238E27FC236}">
+                <a16:creationId xmlns:a16="http://schemas.microsoft.com/office/drawing/2014/main" id="{E39C8693-F186-41D7-ACF8-33C26CB83269}"/>
+              </a:ext>
+            </a:extLst>
+          </p:cNvPr>
+          <p:cNvSpPr/>
+          <p:nvPr/>
+        </p:nvSpPr>
+        <p:spPr>
+          <a:xfrm>
+            <a:off x="7122648" y="6310180"/>
+            <a:ext cx="3731782" cy="184666"/>
+          </a:xfrm>
+          <a:prstGeom prst="rect">
+            <a:avLst/>
+          </a:prstGeom>
+        </p:spPr>
+        <p:txBody>
+          <a:bodyPr wrap="square">
+            <a:spAutoFit/>
+          </a:bodyPr>
+          <a:lstStyle/>
+          <a:p>
+            <a:r>
+              <a:rPr lang="ko-KR" altLang="en-US" sz="600" dirty="0"/>
+              <a:t>이미지 출처 https://github.com/scottdurow/SparkleXrm/wiki/A-brief-description-of-the-MVVM-Model</a:t>
+            </a:r>
+          </a:p>
+        </p:txBody>
+      </p:sp>
     </p:spTree>
     <p:extLst>
       <p:ext uri="{BB962C8B-B14F-4D97-AF65-F5344CB8AC3E}">
